--- a/Linux and Unix/Unit 2.pptx
+++ b/Linux and Unix/Unit 2.pptx
@@ -149,6 +149,138 @@
 </p:presentation>
 </file>
 
+<file path=ppt/authors.xml><?xml version="1.0" encoding="utf-8"?>
+<p188:authorLst xmlns:a="http://schemas.openxmlformats.org/drawingml/2006/main" xmlns:r="http://schemas.openxmlformats.org/officeDocument/2006/relationships" xmlns:p188="http://schemas.microsoft.com/office/powerpoint/2018/8/main">
+  <p188:author id="{F546BDE5-950C-766E-D6A1-E8BE00F2FC6A}" name="ATHARVA SHAH  (Student)" initials="AS(" userId="S::atharva.shah@deccansociety.org::dbbf3d5e-927d-4e7c-a34d-ba6a8ff022a5" providerId="AD"/>
+</p188:authorLst>
+</file>
+
+<file path=ppt/comments/modernComment_100_7CF9ADDC.xml><?xml version="1.0" encoding="utf-8"?>
+<p188:cmLst xmlns:a="http://schemas.openxmlformats.org/drawingml/2006/main" xmlns:r="http://schemas.openxmlformats.org/officeDocument/2006/relationships" xmlns:p188="http://schemas.microsoft.com/office/powerpoint/2018/8/main">
+  <p188:cm id="{8BEC0D1F-B022-409F-87D2-693B549EFF52}" authorId="{F546BDE5-950C-766E-D6A1-E8BE00F2FC6A}" created="2023-03-13T03:47:42.076">
+    <pc:sldMkLst xmlns:pc="http://schemas.microsoft.com/office/powerpoint/2013/main/command">
+      <pc:docMk/>
+      <pc:sldMk cId="2096737756" sldId="256"/>
+    </pc:sldMkLst>
+    <p188:txBody>
+      <a:bodyPr/>
+      <a:lstStyle/>
+      <a:p>
+        <a:r>
+          <a:rPr lang="en-US"/>
+          <a:t>Explain Unix History</a:t>
+        </a:r>
+      </a:p>
+    </p188:txBody>
+  </p188:cm>
+</p188:cmLst>
+</file>
+
+<file path=ppt/comments/modernComment_103_22989382.xml><?xml version="1.0" encoding="utf-8"?>
+<p188:cmLst xmlns:a="http://schemas.openxmlformats.org/drawingml/2006/main" xmlns:r="http://schemas.openxmlformats.org/officeDocument/2006/relationships" xmlns:p188="http://schemas.microsoft.com/office/powerpoint/2018/8/main">
+  <p188:cm id="{992A10F1-E79D-481B-95C1-8C7407F387CE}" authorId="{F546BDE5-950C-766E-D6A1-E8BE00F2FC6A}" created="2023-03-13T03:47:54.363">
+    <pc:sldMkLst xmlns:pc="http://schemas.microsoft.com/office/powerpoint/2013/main/command">
+      <pc:docMk/>
+      <pc:sldMk cId="580424578" sldId="259"/>
+    </pc:sldMkLst>
+    <p188:txBody>
+      <a:bodyPr/>
+      <a:lstStyle/>
+      <a:p>
+        <a:r>
+          <a:rPr lang="en-US"/>
+          <a:t>Unix Architechture</a:t>
+        </a:r>
+      </a:p>
+    </p188:txBody>
+  </p188:cm>
+</p188:cmLst>
+</file>
+
+<file path=ppt/comments/modernComment_10D_20460576.xml><?xml version="1.0" encoding="utf-8"?>
+<p188:cmLst xmlns:a="http://schemas.openxmlformats.org/drawingml/2006/main" xmlns:r="http://schemas.openxmlformats.org/officeDocument/2006/relationships" xmlns:p188="http://schemas.microsoft.com/office/powerpoint/2018/8/main">
+  <p188:cm id="{0F59FC21-2F41-4E58-9ACF-B947A6E5ABC3}" authorId="{F546BDE5-950C-766E-D6A1-E8BE00F2FC6A}" created="2023-03-13T03:48:22.900">
+    <pc:sldMkLst xmlns:pc="http://schemas.microsoft.com/office/powerpoint/2013/main/command">
+      <pc:docMk/>
+      <pc:sldMk cId="541459830" sldId="269"/>
+    </pc:sldMkLst>
+    <p188:txBody>
+      <a:bodyPr/>
+      <a:lstStyle/>
+      <a:p>
+        <a:r>
+          <a:rPr lang="en-US"/>
+          <a:t>Explain Kernel Data Structure</a:t>
+        </a:r>
+      </a:p>
+    </p188:txBody>
+  </p188:cm>
+</p188:cmLst>
+</file>
+
+<file path=ppt/comments/modernComment_10F_3E56B7F6.xml><?xml version="1.0" encoding="utf-8"?>
+<p188:cmLst xmlns:a="http://schemas.openxmlformats.org/drawingml/2006/main" xmlns:r="http://schemas.openxmlformats.org/officeDocument/2006/relationships" xmlns:p188="http://schemas.microsoft.com/office/powerpoint/2018/8/main">
+  <p188:cm id="{53BB33ED-85BE-4253-9D5D-485E07B1BE42}" authorId="{F546BDE5-950C-766E-D6A1-E8BE00F2FC6A}" created="2023-03-13T03:48:40.891">
+    <pc:sldMkLst xmlns:pc="http://schemas.microsoft.com/office/powerpoint/2013/main/command">
+      <pc:docMk/>
+      <pc:sldMk cId="1045870582" sldId="271"/>
+    </pc:sldMkLst>
+    <p188:txBody>
+      <a:bodyPr/>
+      <a:lstStyle/>
+      <a:p>
+        <a:r>
+          <a:rPr lang="en-US"/>
+          <a:t>Diagram for Kernel Data Structure</a:t>
+        </a:r>
+      </a:p>
+    </p188:txBody>
+  </p188:cm>
+</p188:cmLst>
+</file>
+
+<file path=ppt/comments/modernComment_113_EBE98743.xml><?xml version="1.0" encoding="utf-8"?>
+<p188:cmLst xmlns:a="http://schemas.openxmlformats.org/drawingml/2006/main" xmlns:r="http://schemas.openxmlformats.org/officeDocument/2006/relationships" xmlns:p188="http://schemas.microsoft.com/office/powerpoint/2018/8/main">
+  <p188:cm id="{2913F280-7F6C-4337-96FD-504291292800}" authorId="{F546BDE5-950C-766E-D6A1-E8BE00F2FC6A}" created="2023-03-13T03:50:03.687">
+    <pc:sldMkLst xmlns:pc="http://schemas.microsoft.com/office/powerpoint/2013/main/command">
+      <pc:docMk/>
+      <pc:sldMk cId="3957950275" sldId="275"/>
+    </pc:sldMkLst>
+    <p188:txBody>
+      <a:bodyPr/>
+      <a:lstStyle/>
+      <a:p>
+        <a:r>
+          <a:rPr lang="en-US"/>
+          <a:t>Note on System Administration</a:t>
+        </a:r>
+      </a:p>
+    </p188:txBody>
+  </p188:cm>
+</p188:cmLst>
+</file>
+
+<file path=ppt/comments/modernComment_115_50E4E202.xml><?xml version="1.0" encoding="utf-8"?>
+<p188:cmLst xmlns:a="http://schemas.openxmlformats.org/drawingml/2006/main" xmlns:r="http://schemas.openxmlformats.org/officeDocument/2006/relationships" xmlns:p188="http://schemas.microsoft.com/office/powerpoint/2018/8/main">
+  <p188:cm id="{7137C520-7D93-463B-9851-959FA9DC3545}" authorId="{F546BDE5-950C-766E-D6A1-E8BE00F2FC6A}" created="2023-03-13T03:50:13.847">
+    <pc:sldMkLst xmlns:pc="http://schemas.microsoft.com/office/powerpoint/2013/main/command">
+      <pc:docMk/>
+      <pc:sldMk cId="1357177346" sldId="277"/>
+    </pc:sldMkLst>
+    <p188:txBody>
+      <a:bodyPr/>
+      <a:lstStyle/>
+      <a:p>
+        <a:r>
+          <a:rPr lang="en-US"/>
+          <a:t>Absolute and Relative Path Short Note</a:t>
+        </a:r>
+      </a:p>
+    </p188:txBody>
+  </p188:cm>
+</p188:cmLst>
+</file>
+
 <file path=ppt/slideLayouts/slideLayout1.xml><?xml version="1.0" encoding="utf-8"?>
 <p:sldLayout xmlns:a="http://schemas.openxmlformats.org/drawingml/2006/main" xmlns:r="http://schemas.openxmlformats.org/officeDocument/2006/relationships" xmlns:p="http://schemas.openxmlformats.org/presentationml/2006/main" type="title" preserve="1">
   <p:cSld name="Title Slide">
@@ -191,7 +323,7 @@
           </a:lstStyle>
           <a:p>
             <a:r>
-              <a:rPr lang="en-US" smtClean="0"/>
+              <a:rPr lang="en-US"/>
               <a:t>Click to edit Master title style</a:t>
             </a:r>
             <a:endParaRPr lang="en-IN"/>
@@ -256,7 +388,7 @@
           </a:lstStyle>
           <a:p>
             <a:r>
-              <a:rPr lang="en-US" smtClean="0"/>
+              <a:rPr lang="en-US"/>
               <a:t>Click to edit Master subtitle style</a:t>
             </a:r>
             <a:endParaRPr lang="en-IN"/>
@@ -280,7 +412,7 @@
           <a:p>
             <a:fld id="{0E572796-7A1F-4CAA-907F-9BA8B32A572C}" type="datetimeFigureOut">
               <a:rPr lang="en-IN" smtClean="0"/>
-              <a:t>05-01-2023</a:t>
+              <a:t>13-03-2023</a:t>
             </a:fld>
             <a:endParaRPr lang="en-IN"/>
           </a:p>
@@ -374,7 +506,7 @@
           <a:lstStyle/>
           <a:p>
             <a:r>
-              <a:rPr lang="en-US" smtClean="0"/>
+              <a:rPr lang="en-US"/>
               <a:t>Click to edit Master title style</a:t>
             </a:r>
             <a:endParaRPr lang="en-IN"/>
@@ -398,35 +530,35 @@
           <a:p>
             <a:pPr lvl="0"/>
             <a:r>
-              <a:rPr lang="en-US" smtClean="0"/>
+              <a:rPr lang="en-US"/>
               <a:t>Click to edit Master text styles</a:t>
             </a:r>
           </a:p>
           <a:p>
             <a:pPr lvl="1"/>
             <a:r>
-              <a:rPr lang="en-US" smtClean="0"/>
+              <a:rPr lang="en-US"/>
               <a:t>Second level</a:t>
             </a:r>
           </a:p>
           <a:p>
             <a:pPr lvl="2"/>
             <a:r>
-              <a:rPr lang="en-US" smtClean="0"/>
+              <a:rPr lang="en-US"/>
               <a:t>Third level</a:t>
             </a:r>
           </a:p>
           <a:p>
             <a:pPr lvl="3"/>
             <a:r>
-              <a:rPr lang="en-US" smtClean="0"/>
+              <a:rPr lang="en-US"/>
               <a:t>Fourth level</a:t>
             </a:r>
           </a:p>
           <a:p>
             <a:pPr lvl="4"/>
             <a:r>
-              <a:rPr lang="en-US" smtClean="0"/>
+              <a:rPr lang="en-US"/>
               <a:t>Fifth level</a:t>
             </a:r>
             <a:endParaRPr lang="en-IN"/>
@@ -450,7 +582,7 @@
           <a:p>
             <a:fld id="{0E572796-7A1F-4CAA-907F-9BA8B32A572C}" type="datetimeFigureOut">
               <a:rPr lang="en-IN" smtClean="0"/>
-              <a:t>05-01-2023</a:t>
+              <a:t>13-03-2023</a:t>
             </a:fld>
             <a:endParaRPr lang="en-IN"/>
           </a:p>
@@ -549,7 +681,7 @@
           <a:lstStyle/>
           <a:p>
             <a:r>
-              <a:rPr lang="en-US" smtClean="0"/>
+              <a:rPr lang="en-US"/>
               <a:t>Click to edit Master title style</a:t>
             </a:r>
             <a:endParaRPr lang="en-IN"/>
@@ -578,35 +710,35 @@
           <a:p>
             <a:pPr lvl="0"/>
             <a:r>
-              <a:rPr lang="en-US" smtClean="0"/>
+              <a:rPr lang="en-US"/>
               <a:t>Click to edit Master text styles</a:t>
             </a:r>
           </a:p>
           <a:p>
             <a:pPr lvl="1"/>
             <a:r>
-              <a:rPr lang="en-US" smtClean="0"/>
+              <a:rPr lang="en-US"/>
               <a:t>Second level</a:t>
             </a:r>
           </a:p>
           <a:p>
             <a:pPr lvl="2"/>
             <a:r>
-              <a:rPr lang="en-US" smtClean="0"/>
+              <a:rPr lang="en-US"/>
               <a:t>Third level</a:t>
             </a:r>
           </a:p>
           <a:p>
             <a:pPr lvl="3"/>
             <a:r>
-              <a:rPr lang="en-US" smtClean="0"/>
+              <a:rPr lang="en-US"/>
               <a:t>Fourth level</a:t>
             </a:r>
           </a:p>
           <a:p>
             <a:pPr lvl="4"/>
             <a:r>
-              <a:rPr lang="en-US" smtClean="0"/>
+              <a:rPr lang="en-US"/>
               <a:t>Fifth level</a:t>
             </a:r>
             <a:endParaRPr lang="en-IN"/>
@@ -630,7 +762,7 @@
           <a:p>
             <a:fld id="{0E572796-7A1F-4CAA-907F-9BA8B32A572C}" type="datetimeFigureOut">
               <a:rPr lang="en-IN" smtClean="0"/>
-              <a:t>05-01-2023</a:t>
+              <a:t>13-03-2023</a:t>
             </a:fld>
             <a:endParaRPr lang="en-IN"/>
           </a:p>
@@ -724,7 +856,7 @@
           <a:lstStyle/>
           <a:p>
             <a:r>
-              <a:rPr lang="en-US" smtClean="0"/>
+              <a:rPr lang="en-US"/>
               <a:t>Click to edit Master title style</a:t>
             </a:r>
             <a:endParaRPr lang="en-IN"/>
@@ -748,35 +880,35 @@
           <a:p>
             <a:pPr lvl="0"/>
             <a:r>
-              <a:rPr lang="en-US" smtClean="0"/>
+              <a:rPr lang="en-US"/>
               <a:t>Click to edit Master text styles</a:t>
             </a:r>
           </a:p>
           <a:p>
             <a:pPr lvl="1"/>
             <a:r>
-              <a:rPr lang="en-US" smtClean="0"/>
+              <a:rPr lang="en-US"/>
               <a:t>Second level</a:t>
             </a:r>
           </a:p>
           <a:p>
             <a:pPr lvl="2"/>
             <a:r>
-              <a:rPr lang="en-US" smtClean="0"/>
+              <a:rPr lang="en-US"/>
               <a:t>Third level</a:t>
             </a:r>
           </a:p>
           <a:p>
             <a:pPr lvl="3"/>
             <a:r>
-              <a:rPr lang="en-US" smtClean="0"/>
+              <a:rPr lang="en-US"/>
               <a:t>Fourth level</a:t>
             </a:r>
           </a:p>
           <a:p>
             <a:pPr lvl="4"/>
             <a:r>
-              <a:rPr lang="en-US" smtClean="0"/>
+              <a:rPr lang="en-US"/>
               <a:t>Fifth level</a:t>
             </a:r>
             <a:endParaRPr lang="en-IN"/>
@@ -800,7 +932,7 @@
           <a:p>
             <a:fld id="{0E572796-7A1F-4CAA-907F-9BA8B32A572C}" type="datetimeFigureOut">
               <a:rPr lang="en-IN" smtClean="0"/>
-              <a:t>05-01-2023</a:t>
+              <a:t>13-03-2023</a:t>
             </a:fld>
             <a:endParaRPr lang="en-IN"/>
           </a:p>
@@ -903,7 +1035,7 @@
           </a:lstStyle>
           <a:p>
             <a:r>
-              <a:rPr lang="en-US" smtClean="0"/>
+              <a:rPr lang="en-US"/>
               <a:t>Click to edit Master title style</a:t>
             </a:r>
             <a:endParaRPr lang="en-IN"/>
@@ -1023,7 +1155,7 @@
           <a:p>
             <a:pPr lvl="0"/>
             <a:r>
-              <a:rPr lang="en-US" smtClean="0"/>
+              <a:rPr lang="en-US"/>
               <a:t>Click to edit Master text styles</a:t>
             </a:r>
           </a:p>
@@ -1046,7 +1178,7 @@
           <a:p>
             <a:fld id="{0E572796-7A1F-4CAA-907F-9BA8B32A572C}" type="datetimeFigureOut">
               <a:rPr lang="en-IN" smtClean="0"/>
-              <a:t>05-01-2023</a:t>
+              <a:t>13-03-2023</a:t>
             </a:fld>
             <a:endParaRPr lang="en-IN"/>
           </a:p>
@@ -1140,7 +1272,7 @@
           <a:lstStyle/>
           <a:p>
             <a:r>
-              <a:rPr lang="en-US" smtClean="0"/>
+              <a:rPr lang="en-US"/>
               <a:t>Click to edit Master title style</a:t>
             </a:r>
             <a:endParaRPr lang="en-IN"/>
@@ -1169,35 +1301,35 @@
           <a:p>
             <a:pPr lvl="0"/>
             <a:r>
-              <a:rPr lang="en-US" smtClean="0"/>
+              <a:rPr lang="en-US"/>
               <a:t>Click to edit Master text styles</a:t>
             </a:r>
           </a:p>
           <a:p>
             <a:pPr lvl="1"/>
             <a:r>
-              <a:rPr lang="en-US" smtClean="0"/>
+              <a:rPr lang="en-US"/>
               <a:t>Second level</a:t>
             </a:r>
           </a:p>
           <a:p>
             <a:pPr lvl="2"/>
             <a:r>
-              <a:rPr lang="en-US" smtClean="0"/>
+              <a:rPr lang="en-US"/>
               <a:t>Third level</a:t>
             </a:r>
           </a:p>
           <a:p>
             <a:pPr lvl="3"/>
             <a:r>
-              <a:rPr lang="en-US" smtClean="0"/>
+              <a:rPr lang="en-US"/>
               <a:t>Fourth level</a:t>
             </a:r>
           </a:p>
           <a:p>
             <a:pPr lvl="4"/>
             <a:r>
-              <a:rPr lang="en-US" smtClean="0"/>
+              <a:rPr lang="en-US"/>
               <a:t>Fifth level</a:t>
             </a:r>
             <a:endParaRPr lang="en-IN"/>
@@ -1226,35 +1358,35 @@
           <a:p>
             <a:pPr lvl="0"/>
             <a:r>
-              <a:rPr lang="en-US" smtClean="0"/>
+              <a:rPr lang="en-US"/>
               <a:t>Click to edit Master text styles</a:t>
             </a:r>
           </a:p>
           <a:p>
             <a:pPr lvl="1"/>
             <a:r>
-              <a:rPr lang="en-US" smtClean="0"/>
+              <a:rPr lang="en-US"/>
               <a:t>Second level</a:t>
             </a:r>
           </a:p>
           <a:p>
             <a:pPr lvl="2"/>
             <a:r>
-              <a:rPr lang="en-US" smtClean="0"/>
+              <a:rPr lang="en-US"/>
               <a:t>Third level</a:t>
             </a:r>
           </a:p>
           <a:p>
             <a:pPr lvl="3"/>
             <a:r>
-              <a:rPr lang="en-US" smtClean="0"/>
+              <a:rPr lang="en-US"/>
               <a:t>Fourth level</a:t>
             </a:r>
           </a:p>
           <a:p>
             <a:pPr lvl="4"/>
             <a:r>
-              <a:rPr lang="en-US" smtClean="0"/>
+              <a:rPr lang="en-US"/>
               <a:t>Fifth level</a:t>
             </a:r>
             <a:endParaRPr lang="en-IN"/>
@@ -1278,7 +1410,7 @@
           <a:p>
             <a:fld id="{0E572796-7A1F-4CAA-907F-9BA8B32A572C}" type="datetimeFigureOut">
               <a:rPr lang="en-IN" smtClean="0"/>
-              <a:t>05-01-2023</a:t>
+              <a:t>13-03-2023</a:t>
             </a:fld>
             <a:endParaRPr lang="en-IN"/>
           </a:p>
@@ -1377,7 +1509,7 @@
           <a:lstStyle/>
           <a:p>
             <a:r>
-              <a:rPr lang="en-US" smtClean="0"/>
+              <a:rPr lang="en-US"/>
               <a:t>Click to edit Master title style</a:t>
             </a:r>
             <a:endParaRPr lang="en-IN"/>
@@ -1443,7 +1575,7 @@
           <a:p>
             <a:pPr lvl="0"/>
             <a:r>
-              <a:rPr lang="en-US" smtClean="0"/>
+              <a:rPr lang="en-US"/>
               <a:t>Click to edit Master text styles</a:t>
             </a:r>
           </a:p>
@@ -1471,35 +1603,35 @@
           <a:p>
             <a:pPr lvl="0"/>
             <a:r>
-              <a:rPr lang="en-US" smtClean="0"/>
+              <a:rPr lang="en-US"/>
               <a:t>Click to edit Master text styles</a:t>
             </a:r>
           </a:p>
           <a:p>
             <a:pPr lvl="1"/>
             <a:r>
-              <a:rPr lang="en-US" smtClean="0"/>
+              <a:rPr lang="en-US"/>
               <a:t>Second level</a:t>
             </a:r>
           </a:p>
           <a:p>
             <a:pPr lvl="2"/>
             <a:r>
-              <a:rPr lang="en-US" smtClean="0"/>
+              <a:rPr lang="en-US"/>
               <a:t>Third level</a:t>
             </a:r>
           </a:p>
           <a:p>
             <a:pPr lvl="3"/>
             <a:r>
-              <a:rPr lang="en-US" smtClean="0"/>
+              <a:rPr lang="en-US"/>
               <a:t>Fourth level</a:t>
             </a:r>
           </a:p>
           <a:p>
             <a:pPr lvl="4"/>
             <a:r>
-              <a:rPr lang="en-US" smtClean="0"/>
+              <a:rPr lang="en-US"/>
               <a:t>Fifth level</a:t>
             </a:r>
             <a:endParaRPr lang="en-IN"/>
@@ -1565,7 +1697,7 @@
           <a:p>
             <a:pPr lvl="0"/>
             <a:r>
-              <a:rPr lang="en-US" smtClean="0"/>
+              <a:rPr lang="en-US"/>
               <a:t>Click to edit Master text styles</a:t>
             </a:r>
           </a:p>
@@ -1593,35 +1725,35 @@
           <a:p>
             <a:pPr lvl="0"/>
             <a:r>
-              <a:rPr lang="en-US" smtClean="0"/>
+              <a:rPr lang="en-US"/>
               <a:t>Click to edit Master text styles</a:t>
             </a:r>
           </a:p>
           <a:p>
             <a:pPr lvl="1"/>
             <a:r>
-              <a:rPr lang="en-US" smtClean="0"/>
+              <a:rPr lang="en-US"/>
               <a:t>Second level</a:t>
             </a:r>
           </a:p>
           <a:p>
             <a:pPr lvl="2"/>
             <a:r>
-              <a:rPr lang="en-US" smtClean="0"/>
+              <a:rPr lang="en-US"/>
               <a:t>Third level</a:t>
             </a:r>
           </a:p>
           <a:p>
             <a:pPr lvl="3"/>
             <a:r>
-              <a:rPr lang="en-US" smtClean="0"/>
+              <a:rPr lang="en-US"/>
               <a:t>Fourth level</a:t>
             </a:r>
           </a:p>
           <a:p>
             <a:pPr lvl="4"/>
             <a:r>
-              <a:rPr lang="en-US" smtClean="0"/>
+              <a:rPr lang="en-US"/>
               <a:t>Fifth level</a:t>
             </a:r>
             <a:endParaRPr lang="en-IN"/>
@@ -1645,7 +1777,7 @@
           <a:p>
             <a:fld id="{0E572796-7A1F-4CAA-907F-9BA8B32A572C}" type="datetimeFigureOut">
               <a:rPr lang="en-IN" smtClean="0"/>
-              <a:t>05-01-2023</a:t>
+              <a:t>13-03-2023</a:t>
             </a:fld>
             <a:endParaRPr lang="en-IN"/>
           </a:p>
@@ -1739,7 +1871,7 @@
           <a:lstStyle/>
           <a:p>
             <a:r>
-              <a:rPr lang="en-US" smtClean="0"/>
+              <a:rPr lang="en-US"/>
               <a:t>Click to edit Master title style</a:t>
             </a:r>
             <a:endParaRPr lang="en-IN"/>
@@ -1763,7 +1895,7 @@
           <a:p>
             <a:fld id="{0E572796-7A1F-4CAA-907F-9BA8B32A572C}" type="datetimeFigureOut">
               <a:rPr lang="en-IN" smtClean="0"/>
-              <a:t>05-01-2023</a:t>
+              <a:t>13-03-2023</a:t>
             </a:fld>
             <a:endParaRPr lang="en-IN"/>
           </a:p>
@@ -1858,7 +1990,7 @@
           <a:p>
             <a:fld id="{0E572796-7A1F-4CAA-907F-9BA8B32A572C}" type="datetimeFigureOut">
               <a:rPr lang="en-IN" smtClean="0"/>
-              <a:t>05-01-2023</a:t>
+              <a:t>13-03-2023</a:t>
             </a:fld>
             <a:endParaRPr lang="en-IN"/>
           </a:p>
@@ -1961,7 +2093,7 @@
           </a:lstStyle>
           <a:p>
             <a:r>
-              <a:rPr lang="en-US" smtClean="0"/>
+              <a:rPr lang="en-US"/>
               <a:t>Click to edit Master title style</a:t>
             </a:r>
             <a:endParaRPr lang="en-IN"/>
@@ -2018,35 +2150,35 @@
           <a:p>
             <a:pPr lvl="0"/>
             <a:r>
-              <a:rPr lang="en-US" smtClean="0"/>
+              <a:rPr lang="en-US"/>
               <a:t>Click to edit Master text styles</a:t>
             </a:r>
           </a:p>
           <a:p>
             <a:pPr lvl="1"/>
             <a:r>
-              <a:rPr lang="en-US" smtClean="0"/>
+              <a:rPr lang="en-US"/>
               <a:t>Second level</a:t>
             </a:r>
           </a:p>
           <a:p>
             <a:pPr lvl="2"/>
             <a:r>
-              <a:rPr lang="en-US" smtClean="0"/>
+              <a:rPr lang="en-US"/>
               <a:t>Third level</a:t>
             </a:r>
           </a:p>
           <a:p>
             <a:pPr lvl="3"/>
             <a:r>
-              <a:rPr lang="en-US" smtClean="0"/>
+              <a:rPr lang="en-US"/>
               <a:t>Fourth level</a:t>
             </a:r>
           </a:p>
           <a:p>
             <a:pPr lvl="4"/>
             <a:r>
-              <a:rPr lang="en-US" smtClean="0"/>
+              <a:rPr lang="en-US"/>
               <a:t>Fifth level</a:t>
             </a:r>
             <a:endParaRPr lang="en-IN"/>
@@ -2112,7 +2244,7 @@
           <a:p>
             <a:pPr lvl="0"/>
             <a:r>
-              <a:rPr lang="en-US" smtClean="0"/>
+              <a:rPr lang="en-US"/>
               <a:t>Click to edit Master text styles</a:t>
             </a:r>
           </a:p>
@@ -2135,7 +2267,7 @@
           <a:p>
             <a:fld id="{0E572796-7A1F-4CAA-907F-9BA8B32A572C}" type="datetimeFigureOut">
               <a:rPr lang="en-IN" smtClean="0"/>
-              <a:t>05-01-2023</a:t>
+              <a:t>13-03-2023</a:t>
             </a:fld>
             <a:endParaRPr lang="en-IN"/>
           </a:p>
@@ -2238,7 +2370,7 @@
           </a:lstStyle>
           <a:p>
             <a:r>
-              <a:rPr lang="en-US" smtClean="0"/>
+              <a:rPr lang="en-US"/>
               <a:t>Click to edit Master title style</a:t>
             </a:r>
             <a:endParaRPr lang="en-IN"/>
@@ -2365,7 +2497,7 @@
           <a:p>
             <a:pPr lvl="0"/>
             <a:r>
-              <a:rPr lang="en-US" smtClean="0"/>
+              <a:rPr lang="en-US"/>
               <a:t>Click to edit Master text styles</a:t>
             </a:r>
           </a:p>
@@ -2388,7 +2520,7 @@
           <a:p>
             <a:fld id="{0E572796-7A1F-4CAA-907F-9BA8B32A572C}" type="datetimeFigureOut">
               <a:rPr lang="en-IN" smtClean="0"/>
-              <a:t>05-01-2023</a:t>
+              <a:t>13-03-2023</a:t>
             </a:fld>
             <a:endParaRPr lang="en-IN"/>
           </a:p>
@@ -2497,7 +2629,7 @@
           <a:lstStyle/>
           <a:p>
             <a:r>
-              <a:rPr lang="en-US" smtClean="0"/>
+              <a:rPr lang="en-US"/>
               <a:t>Click to edit Master title style</a:t>
             </a:r>
             <a:endParaRPr lang="en-IN"/>
@@ -2531,35 +2663,35 @@
           <a:p>
             <a:pPr lvl="0"/>
             <a:r>
-              <a:rPr lang="en-US" smtClean="0"/>
+              <a:rPr lang="en-US"/>
               <a:t>Click to edit Master text styles</a:t>
             </a:r>
           </a:p>
           <a:p>
             <a:pPr lvl="1"/>
             <a:r>
-              <a:rPr lang="en-US" smtClean="0"/>
+              <a:rPr lang="en-US"/>
               <a:t>Second level</a:t>
             </a:r>
           </a:p>
           <a:p>
             <a:pPr lvl="2"/>
             <a:r>
-              <a:rPr lang="en-US" smtClean="0"/>
+              <a:rPr lang="en-US"/>
               <a:t>Third level</a:t>
             </a:r>
           </a:p>
           <a:p>
             <a:pPr lvl="3"/>
             <a:r>
-              <a:rPr lang="en-US" smtClean="0"/>
+              <a:rPr lang="en-US"/>
               <a:t>Fourth level</a:t>
             </a:r>
           </a:p>
           <a:p>
             <a:pPr lvl="4"/>
             <a:r>
-              <a:rPr lang="en-US" smtClean="0"/>
+              <a:rPr lang="en-US"/>
               <a:t>Fifth level</a:t>
             </a:r>
             <a:endParaRPr lang="en-IN"/>
@@ -2601,7 +2733,7 @@
           <a:p>
             <a:fld id="{0E572796-7A1F-4CAA-907F-9BA8B32A572C}" type="datetimeFigureOut">
               <a:rPr lang="en-IN" smtClean="0"/>
-              <a:t>05-01-2023</a:t>
+              <a:t>13-03-2023</a:t>
             </a:fld>
             <a:endParaRPr lang="en-IN"/>
           </a:p>
@@ -3023,7 +3155,7 @@
           <a:p>
             <a:pPr algn="ctr"/>
             <a:r>
-              <a:rPr lang="en-IN" b="1" dirty="0" smtClean="0"/>
+              <a:rPr lang="en-IN" b="1" dirty="0"/>
               <a:t>Operating System UNIX &amp; Linux</a:t>
             </a:r>
             <a:endParaRPr lang="en-IN" dirty="0"/>
@@ -3083,39 +3215,33 @@
               <a:rPr lang="en-IN" dirty="0"/>
               <a:t>Subject code-4604			Semester - VI  </a:t>
             </a:r>
-            <a:endParaRPr lang="en-IN" dirty="0" smtClean="0"/>
           </a:p>
           <a:p>
             <a:pPr algn="ctr"/>
             <a:r>
-              <a:rPr lang="en-IN" dirty="0" smtClean="0"/>
-              <a:t>Unit 2-</a:t>
-            </a:r>
-            <a:r>
               <a:rPr lang="en-IN" dirty="0"/>
-              <a:t>Introduction to the Kernel</a:t>
+              <a:t>Unit 2-Introduction to the Kernel</a:t>
             </a:r>
           </a:p>
           <a:p>
             <a:pPr algn="ctr"/>
             <a:r>
-              <a:rPr lang="en-IN" dirty="0" smtClean="0"/>
+              <a:rPr lang="en-IN" dirty="0"/>
               <a:t>Credit – 4</a:t>
             </a:r>
-            <a:endParaRPr lang="en-IN" dirty="0"/>
-          </a:p>
-          <a:p>
-            <a:pPr algn="ctr"/>
-            <a:endParaRPr lang="en-US" dirty="0" smtClean="0"/>
           </a:p>
           <a:p>
             <a:pPr algn="ctr"/>
             <a:endParaRPr lang="en-US" dirty="0"/>
           </a:p>
           <a:p>
+            <a:pPr algn="ctr"/>
+            <a:endParaRPr lang="en-US" dirty="0"/>
+          </a:p>
+          <a:p>
             <a:pPr lvl="8" algn="ctr"/>
             <a:r>
-              <a:rPr lang="en-US" dirty="0" smtClean="0"/>
+              <a:rPr lang="en-US" dirty="0"/>
               <a:t>By</a:t>
             </a:r>
           </a:p>
@@ -3124,11 +3250,11 @@
               <a:buNone/>
             </a:pPr>
             <a:r>
-              <a:rPr lang="en-US" dirty="0" err="1" smtClean="0"/>
+              <a:rPr lang="en-US" dirty="0" err="1"/>
               <a:t>Deepali</a:t>
             </a:r>
             <a:r>
-              <a:rPr lang="en-US" dirty="0" smtClean="0"/>
+              <a:rPr lang="en-US" dirty="0"/>
               <a:t> Bhoskar</a:t>
             </a:r>
             <a:endParaRPr lang="en-IN" dirty="0"/>
@@ -3181,7 +3307,7 @@
           <a:lstStyle/>
           <a:p>
             <a:r>
-              <a:rPr lang="en-US" dirty="0" smtClean="0"/>
+              <a:rPr lang="en-US" dirty="0"/>
               <a:t>Unix Architecture</a:t>
             </a:r>
             <a:endParaRPr lang="en-IN" dirty="0"/>
@@ -3206,59 +3332,39 @@
           <a:lstStyle/>
           <a:p>
             <a:r>
-              <a:rPr lang="en-US" b="1" dirty="0" smtClean="0"/>
-              <a:t>4. Files </a:t>
-            </a:r>
-            <a:r>
               <a:rPr lang="en-US" b="1" dirty="0"/>
-              <a:t>and Directories</a:t>
+              <a:t>4. Files and Directories</a:t>
             </a:r>
             <a:r>
               <a:rPr lang="en-US" dirty="0"/>
               <a:t> − </a:t>
             </a:r>
-            <a:endParaRPr lang="en-US" dirty="0" smtClean="0"/>
-          </a:p>
-          <a:p>
-            <a:r>
-              <a:rPr lang="en-US" dirty="0" smtClean="0"/>
-              <a:t>All </a:t>
-            </a:r>
-            <a:r>
-              <a:rPr lang="en-US" dirty="0"/>
-              <a:t>the data of Unix is organized into files. </a:t>
-            </a:r>
-            <a:endParaRPr lang="en-US" dirty="0" smtClean="0"/>
-          </a:p>
-          <a:p>
-            <a:r>
-              <a:rPr lang="en-US" dirty="0" smtClean="0"/>
-              <a:t>All </a:t>
-            </a:r>
-            <a:r>
-              <a:rPr lang="en-US" dirty="0"/>
-              <a:t>files are then organized into directories. </a:t>
-            </a:r>
-            <a:endParaRPr lang="en-US" dirty="0" smtClean="0"/>
-          </a:p>
-          <a:p>
-            <a:r>
-              <a:rPr lang="en-US" dirty="0" smtClean="0"/>
-              <a:t>These </a:t>
-            </a:r>
-            <a:r>
-              <a:rPr lang="en-US" dirty="0"/>
-              <a:t>directories are further organized into a tree-like structure called the </a:t>
-            </a:r>
-            <a:r>
-              <a:rPr lang="en-US" b="1" dirty="0" smtClean="0"/>
+          </a:p>
+          <a:p>
+            <a:r>
+              <a:rPr lang="en-US" dirty="0"/>
+              <a:t>All the data of Unix is organized into files. </a:t>
+            </a:r>
+          </a:p>
+          <a:p>
+            <a:r>
+              <a:rPr lang="en-US" dirty="0"/>
+              <a:t>All files are then organized into directories. </a:t>
+            </a:r>
+          </a:p>
+          <a:p>
+            <a:r>
+              <a:rPr lang="en-US" dirty="0"/>
+              <a:t>These directories are further organized into a tree-like structure called the </a:t>
+            </a:r>
+            <a:r>
+              <a:rPr lang="en-US" b="1" dirty="0"/>
               <a:t>file system</a:t>
             </a:r>
             <a:r>
-              <a:rPr lang="en-US" dirty="0" smtClean="0"/>
+              <a:rPr lang="en-US" dirty="0"/>
               <a:t>.</a:t>
             </a:r>
-            <a:endParaRPr lang="en-US" dirty="0"/>
           </a:p>
         </p:txBody>
       </p:sp>
@@ -3308,7 +3414,7 @@
           <a:lstStyle/>
           <a:p>
             <a:r>
-              <a:rPr lang="en-IN" dirty="0" smtClean="0"/>
+              <a:rPr lang="en-IN" dirty="0"/>
               <a:t>Introduction to the system concepts</a:t>
             </a:r>
             <a:endParaRPr lang="en-US" dirty="0"/>
@@ -3342,65 +3448,40 @@
               <a:rPr lang="en-US" dirty="0"/>
               <a:t>Each computer system includes a basic set of programs called the operating system. </a:t>
             </a:r>
-            <a:endParaRPr lang="en-US" dirty="0" smtClean="0"/>
           </a:p>
           <a:p>
             <a:pPr algn="just"/>
             <a:r>
-              <a:rPr lang="en-US" dirty="0" smtClean="0"/>
-              <a:t>The </a:t>
-            </a:r>
-            <a:r>
-              <a:rPr lang="en-US" dirty="0"/>
-              <a:t>most important program in the set is called the kernel. </a:t>
-            </a:r>
-            <a:endParaRPr lang="en-US" dirty="0" smtClean="0"/>
+              <a:rPr lang="en-US" dirty="0"/>
+              <a:t>The most important program in the set is called the kernel. </a:t>
+            </a:r>
           </a:p>
           <a:p>
             <a:pPr algn="just"/>
             <a:r>
-              <a:rPr lang="en-US" dirty="0" smtClean="0"/>
-              <a:t>It </a:t>
-            </a:r>
-            <a:r>
-              <a:rPr lang="en-US" dirty="0"/>
-              <a:t>is loaded into RAM when the system boots and contains many critical procedures that are needed for the system to operate. </a:t>
-            </a:r>
-            <a:endParaRPr lang="en-US" dirty="0" smtClean="0"/>
+              <a:rPr lang="en-US" dirty="0"/>
+              <a:t>It is loaded into RAM when the system boots and contains many critical procedures that are needed for the system to operate. </a:t>
+            </a:r>
           </a:p>
           <a:p>
             <a:pPr algn="just"/>
             <a:r>
-              <a:rPr lang="en-US" dirty="0" smtClean="0"/>
-              <a:t>The </a:t>
-            </a:r>
-            <a:r>
-              <a:rPr lang="en-US" dirty="0"/>
-              <a:t>other programs are less crucial utilities; they can provide a wide variety of interactive experiences for the user—as well as doing all the jobs the user bought the computer for—but the essential shape and capabilities of the system are determined by the kernel. </a:t>
-            </a:r>
-            <a:endParaRPr lang="en-US" dirty="0" smtClean="0"/>
+              <a:rPr lang="en-US" dirty="0"/>
+              <a:t>The other programs are less crucial utilities; they can provide a wide variety of interactive experiences for the user—as well as doing all the jobs the user bought the computer for—but the essential shape and capabilities of the system are determined by the kernel. </a:t>
+            </a:r>
           </a:p>
           <a:p>
             <a:pPr algn="just"/>
             <a:r>
-              <a:rPr lang="en-US" dirty="0" smtClean="0"/>
-              <a:t>The </a:t>
-            </a:r>
-            <a:r>
-              <a:rPr lang="en-US" dirty="0"/>
-              <a:t>kernel provides key facilities to everything else on the system and determines many of the characteristics of higher software. </a:t>
-            </a:r>
-            <a:endParaRPr lang="en-US" dirty="0" smtClean="0"/>
+              <a:rPr lang="en-US" dirty="0"/>
+              <a:t>The kernel provides key facilities to everything else on the system and determines many of the characteristics of higher software. </a:t>
+            </a:r>
           </a:p>
           <a:p>
             <a:pPr algn="just"/>
             <a:r>
-              <a:rPr lang="en-US" dirty="0" smtClean="0"/>
-              <a:t>Hence</a:t>
-            </a:r>
-            <a:r>
-              <a:rPr lang="en-US" dirty="0"/>
-              <a:t>, we often use the term “operating system” as a synonym for “kernel.”</a:t>
+              <a:rPr lang="en-US" dirty="0"/>
+              <a:t>Hence, we often use the term “operating system” as a synonym for “kernel.”</a:t>
             </a:r>
           </a:p>
         </p:txBody>
@@ -3451,7 +3532,7 @@
           <a:lstStyle/>
           <a:p>
             <a:r>
-              <a:rPr lang="en-IN" dirty="0" smtClean="0"/>
+              <a:rPr lang="en-IN" dirty="0"/>
               <a:t>Introduction to the system concepts</a:t>
             </a:r>
             <a:endParaRPr lang="en-US" dirty="0"/>
@@ -3492,11 +3573,7 @@
             <a:pPr fontAlgn="base"/>
             <a:r>
               <a:rPr lang="en-US" dirty="0"/>
-              <a:t>Provide an execution environment to the applications that run on the computer system (the so-called user programs</a:t>
-            </a:r>
-            <a:r>
-              <a:rPr lang="en-US" dirty="0" smtClean="0"/>
-              <a:t>).</a:t>
+              <a:t>Provide an execution environment to the applications that run on the computer system (the so-called user programs).</a:t>
             </a:r>
           </a:p>
           <a:p>
@@ -3551,7 +3628,7 @@
           <a:lstStyle/>
           <a:p>
             <a:r>
-              <a:rPr lang="en-IN" dirty="0" smtClean="0"/>
+              <a:rPr lang="en-IN" dirty="0"/>
               <a:t>Introduction to the system concepts</a:t>
             </a:r>
             <a:endParaRPr lang="en-US" dirty="0"/>
@@ -3577,55 +3654,29 @@
           <a:p>
             <a:pPr fontAlgn="base"/>
             <a:r>
-              <a:rPr lang="en-US" dirty="0" smtClean="0"/>
-              <a:t>Some </a:t>
-            </a:r>
-            <a:r>
-              <a:rPr lang="en-US" dirty="0"/>
-              <a:t>operating systems allow all user programs to directly play with the hardware components (a typical example is MS-DOS ). </a:t>
-            </a:r>
-            <a:endParaRPr lang="en-US" dirty="0" smtClean="0"/>
+              <a:rPr lang="en-US" dirty="0"/>
+              <a:t>Some operating systems allow all user programs to directly play with the hardware components (a typical example is MS-DOS ). </a:t>
+            </a:r>
           </a:p>
           <a:p>
             <a:pPr fontAlgn="base"/>
             <a:r>
-              <a:rPr lang="en-US" dirty="0" smtClean="0"/>
-              <a:t>In </a:t>
-            </a:r>
-            <a:r>
-              <a:rPr lang="en-US" dirty="0"/>
-              <a:t>contrast, a Unix-like operating system hides all low-level details concerning the physical organization of the computer from applications run by the user</a:t>
-            </a:r>
-            <a:r>
-              <a:rPr lang="en-US" dirty="0" smtClean="0"/>
-              <a:t>.</a:t>
+              <a:rPr lang="en-US" dirty="0"/>
+              <a:t>In contrast, a Unix-like operating system hides all low-level details concerning the physical organization of the computer from applications run by the user.</a:t>
             </a:r>
           </a:p>
           <a:p>
             <a:pPr fontAlgn="base"/>
             <a:r>
-              <a:rPr lang="en-US" dirty="0" smtClean="0"/>
-              <a:t>When </a:t>
-            </a:r>
-            <a:r>
-              <a:rPr lang="en-US" dirty="0"/>
-              <a:t>a program wants to use a hardware resource, it must issue a request to the operating system. </a:t>
-            </a:r>
-            <a:endParaRPr lang="en-US" dirty="0" smtClean="0"/>
+              <a:rPr lang="en-US" dirty="0"/>
+              <a:t>When a program wants to use a hardware resource, it must issue a request to the operating system. </a:t>
+            </a:r>
           </a:p>
           <a:p>
             <a:pPr fontAlgn="base"/>
             <a:r>
-              <a:rPr lang="en-US" dirty="0" smtClean="0"/>
-              <a:t>The </a:t>
-            </a:r>
-            <a:r>
-              <a:rPr lang="en-US" dirty="0"/>
-              <a:t>kernel evaluates the request and, if it chooses to grant the resource, interacts with the proper hardware components on behalf of the user program</a:t>
-            </a:r>
-            <a:r>
-              <a:rPr lang="en-US" dirty="0" smtClean="0"/>
-              <a:t>.</a:t>
+              <a:rPr lang="en-US" dirty="0"/>
+              <a:t>The kernel evaluates the request and, if it chooses to grant the resource, interacts with the proper hardware components on behalf of the user program.</a:t>
             </a:r>
           </a:p>
         </p:txBody>
@@ -3676,7 +3727,7 @@
           <a:lstStyle/>
           <a:p>
             <a:r>
-              <a:rPr lang="en-IN" dirty="0" smtClean="0"/>
+              <a:rPr lang="en-IN" dirty="0"/>
               <a:t>Introduction to the system concepts</a:t>
             </a:r>
             <a:endParaRPr lang="en-US" dirty="0"/>
@@ -3702,24 +3753,15 @@
           <a:p>
             <a:pPr fontAlgn="base"/>
             <a:r>
-              <a:rPr lang="en-US" dirty="0" smtClean="0"/>
-              <a:t>To </a:t>
-            </a:r>
-            <a:r>
-              <a:rPr lang="en-US" dirty="0"/>
-              <a:t>enforce this mechanism, modern operating systems rely on the availability of specific hardware features that forbid user programs to directly interact with low-level hardware components or to access arbitrary memory locations. </a:t>
-            </a:r>
-            <a:endParaRPr lang="en-US" dirty="0" smtClean="0"/>
+              <a:rPr lang="en-US" dirty="0"/>
+              <a:t>To enforce this mechanism, modern operating systems rely on the availability of specific hardware features that forbid user programs to directly interact with low-level hardware components or to access arbitrary memory locations. </a:t>
+            </a:r>
           </a:p>
           <a:p>
             <a:pPr fontAlgn="base"/>
             <a:r>
-              <a:rPr lang="en-US" dirty="0" smtClean="0"/>
-              <a:t>In </a:t>
-            </a:r>
-            <a:r>
-              <a:rPr lang="en-US" dirty="0"/>
-              <a:t>particular, the hardware introduces at least two different </a:t>
+              <a:rPr lang="en-US" dirty="0"/>
+              <a:t>In particular, the hardware introduces at least two different </a:t>
             </a:r>
             <a:r>
               <a:rPr lang="en-US" i="1" dirty="0"/>
@@ -3737,17 +3779,12 @@
               <a:rPr lang="en-US" dirty="0"/>
               <a:t> mode for user programs and a privileged mode for the kernel. </a:t>
             </a:r>
-            <a:endParaRPr lang="en-US" dirty="0" smtClean="0"/>
           </a:p>
           <a:p>
             <a:pPr fontAlgn="base"/>
             <a:r>
-              <a:rPr lang="en-US" dirty="0" smtClean="0"/>
-              <a:t>Unix </a:t>
-            </a:r>
-            <a:r>
-              <a:rPr lang="en-US" dirty="0"/>
-              <a:t>calls these </a:t>
+              <a:rPr lang="en-US" dirty="0"/>
+              <a:t>Unix calls these </a:t>
             </a:r>
             <a:r>
               <a:rPr lang="en-US" i="1" dirty="0"/>
@@ -3841,32 +3878,19 @@
           <a:p>
             <a:r>
               <a:rPr lang="en-US" dirty="0"/>
-              <a:t>The kernel data structures play a vital role because they store data about the current state of the system</a:t>
-            </a:r>
-            <a:r>
-              <a:rPr lang="en-US" dirty="0" smtClean="0"/>
-              <a:t>.</a:t>
-            </a:r>
-          </a:p>
-          <a:p>
-            <a:r>
-              <a:rPr lang="en-US" dirty="0" smtClean="0"/>
-              <a:t> </a:t>
-            </a:r>
-            <a:r>
-              <a:rPr lang="en-US" dirty="0"/>
-              <a:t>When a new process is created in the system, a kernel data structure is created as well that stores the details about that process. </a:t>
-            </a:r>
-            <a:endParaRPr lang="en-US" dirty="0" smtClean="0"/>
-          </a:p>
-          <a:p>
-            <a:r>
-              <a:rPr lang="en-US" dirty="0" smtClean="0"/>
-              <a:t>Most </a:t>
-            </a:r>
-            <a:r>
-              <a:rPr lang="en-US" dirty="0"/>
-              <a:t>of the kernel data structures can be access by the kernel and its subsystems. They hold the data as well as pointers to other data structures.</a:t>
+              <a:t>The kernel data structures play a vital role because they store data about the current state of the system.</a:t>
+            </a:r>
+          </a:p>
+          <a:p>
+            <a:r>
+              <a:rPr lang="en-US" dirty="0"/>
+              <a:t> When a new process is created in the system, a kernel data structure is created as well that stores the details about that process. </a:t>
+            </a:r>
+          </a:p>
+          <a:p>
+            <a:r>
+              <a:rPr lang="en-US" dirty="0"/>
+              <a:t>Most of the kernel data structures can be access by the kernel and its subsystems. They hold the data as well as pointers to other data structures.</a:t>
             </a:r>
           </a:p>
           <a:p>
@@ -3887,6 +3911,11 @@
   <p:clrMapOvr>
     <a:masterClrMapping/>
   </p:clrMapOvr>
+  <p:extLst>
+    <p:ext uri="{6950BFC3-D8DA-4A85-94F7-54DA5524770B}">
+      <p188:commentRel xmlns:p188="http://schemas.microsoft.com/office/powerpoint/2018/8/main" r:id="rId2"/>
+    </p:ext>
+  </p:extLst>
 </p:sld>
 </file>
 
@@ -3955,16 +3984,11 @@
               <a:rPr lang="en-US" dirty="0"/>
               <a:t>The kernel stores and creates a lot of information. So it has data about which processes are running in the system, their memory requirements, files in use, etc. </a:t>
             </a:r>
-            <a:endParaRPr lang="en-US" dirty="0" smtClean="0"/>
-          </a:p>
-          <a:p>
-            <a:r>
-              <a:rPr lang="en-US" dirty="0" smtClean="0"/>
-              <a:t>Kernel </a:t>
-            </a:r>
-            <a:r>
-              <a:rPr lang="en-US" dirty="0"/>
-              <a:t>data structures are maintained using three important structures. These are process table, file table and v node/ </a:t>
+          </a:p>
+          <a:p>
+            <a:r>
+              <a:rPr lang="en-US" dirty="0"/>
+              <a:t>Kernel data structures are maintained using three important structures. These are process table, file table and v node/ </a:t>
             </a:r>
             <a:r>
               <a:rPr lang="en-US" dirty="0" err="1"/>
@@ -4067,7 +4091,7 @@
           <p:nvPr/>
         </p:nvPicPr>
         <p:blipFill>
-          <a:blip r:embed="rId2">
+          <a:blip r:embed="rId3">
             <a:extLst>
               <a:ext uri="{28A0092B-C50C-407E-A947-70E740481C1C}">
                 <a14:useLocalDpi xmlns:a14="http://schemas.microsoft.com/office/drawing/2010/main" val="0"/>
@@ -4109,6 +4133,11 @@
   <p:clrMapOvr>
     <a:masterClrMapping/>
   </p:clrMapOvr>
+  <p:extLst>
+    <p:ext uri="{6950BFC3-D8DA-4A85-94F7-54DA5524770B}">
+      <p188:commentRel xmlns:p188="http://schemas.microsoft.com/office/powerpoint/2018/8/main" r:id="rId2"/>
+    </p:ext>
+  </p:extLst>
 </p:sld>
 </file>
 
@@ -4183,15 +4212,7 @@
           <a:p>
             <a:r>
               <a:rPr lang="en-US" dirty="0"/>
-              <a:t>The process table holds information about all the processes running in the system. It is required by the kernel. </a:t>
-            </a:r>
-            <a:r>
-              <a:rPr lang="en-US" dirty="0" smtClean="0"/>
-              <a:t>These </a:t>
-            </a:r>
-            <a:r>
-              <a:rPr lang="en-US" dirty="0"/>
-              <a:t>include storage information, execution status, file information, etc. Process table also stores the other entries like -</a:t>
+              <a:t>The process table holds information about all the processes running in the system. It is required by the kernel. These include storage information, execution status, file information, etc. Process table also stores the other entries like -</a:t>
             </a:r>
           </a:p>
           <a:p>
@@ -4215,15 +4236,7 @@
           <a:p>
             <a:r>
               <a:rPr lang="en-US" dirty="0"/>
-              <a:t>Pointer: It is a pointer to a page table for managing the memory and also a pointer to the process </a:t>
-            </a:r>
-            <a:r>
-              <a:rPr lang="en-US" dirty="0" smtClean="0"/>
-              <a:t>area</a:t>
-            </a:r>
-            <a:r>
-              <a:rPr lang="en-US" dirty="0"/>
-              <a:t>.</a:t>
+              <a:t>Pointer: It is a pointer to a page table for managing the memory and also a pointer to the process area.</a:t>
             </a:r>
           </a:p>
           <a:p>
@@ -4317,31 +4330,17 @@
               <a:rPr lang="en-US" dirty="0"/>
               <a:t>A process table has a pointer which points to the file table. </a:t>
             </a:r>
-            <a:endParaRPr lang="en-US" dirty="0" smtClean="0"/>
-          </a:p>
-          <a:p>
-            <a:r>
-              <a:rPr lang="en-US" dirty="0" smtClean="0"/>
-              <a:t>File </a:t>
-            </a:r>
-            <a:r>
-              <a:rPr lang="en-US" dirty="0"/>
-              <a:t>table holds the entries about all the files in the computer. </a:t>
-            </a:r>
-            <a:endParaRPr lang="en-US" dirty="0" smtClean="0"/>
-          </a:p>
-          <a:p>
-            <a:r>
-              <a:rPr lang="en-US" dirty="0" smtClean="0"/>
-              <a:t>If </a:t>
-            </a:r>
-            <a:r>
-              <a:rPr lang="en-US" dirty="0"/>
-              <a:t>multiple processes use the same file, then they contain the same file information and the file descriptor number</a:t>
-            </a:r>
-            <a:r>
-              <a:rPr lang="en-US" dirty="0" smtClean="0"/>
-              <a:t>.</a:t>
+          </a:p>
+          <a:p>
+            <a:r>
+              <a:rPr lang="en-US" dirty="0"/>
+              <a:t>File table holds the entries about all the files in the computer. </a:t>
+            </a:r>
+          </a:p>
+          <a:p>
+            <a:r>
+              <a:rPr lang="en-US" dirty="0"/>
+              <a:t>If multiple processes use the same file, then they contain the same file information and the file descriptor number.</a:t>
             </a:r>
           </a:p>
           <a:p>
@@ -4349,20 +4348,11 @@
               <a:rPr lang="en-US" dirty="0"/>
               <a:t>Each file table entry contains information about the file such as file status (file read or file write), file offset, etc. </a:t>
             </a:r>
-            <a:endParaRPr lang="en-US" dirty="0" smtClean="0"/>
-          </a:p>
-          <a:p>
-            <a:r>
-              <a:rPr lang="en-US" dirty="0" smtClean="0"/>
-              <a:t>The </a:t>
-            </a:r>
-            <a:r>
-              <a:rPr lang="en-US" dirty="0"/>
-              <a:t>file offset specifies the position for next read or write into the file</a:t>
-            </a:r>
-            <a:r>
-              <a:rPr lang="en-US" dirty="0" smtClean="0"/>
-              <a:t>.</a:t>
+          </a:p>
+          <a:p>
+            <a:r>
+              <a:rPr lang="en-US" dirty="0"/>
+              <a:t>The file offset specifies the position for next read or write into the file.</a:t>
             </a:r>
           </a:p>
           <a:p>
@@ -4427,11 +4417,11 @@
           <a:lstStyle/>
           <a:p>
             <a:r>
-              <a:rPr lang="en-IN" dirty="0" smtClean="0"/>
+              <a:rPr lang="en-IN" dirty="0"/>
               <a:t>Introduction to the Kernel</a:t>
             </a:r>
             <a:br>
-              <a:rPr lang="en-IN" dirty="0" smtClean="0"/>
+              <a:rPr lang="en-IN" dirty="0"/>
             </a:br>
             <a:endParaRPr lang="en-IN" dirty="0"/>
           </a:p>
@@ -4453,51 +4443,26 @@
           <a:lstStyle/>
           <a:p>
             <a:r>
-              <a:rPr lang="en-IN" dirty="0" smtClean="0"/>
-              <a:t>Architecture </a:t>
-            </a:r>
-            <a:r>
               <a:rPr lang="en-IN" dirty="0"/>
-              <a:t>of Unix operating </a:t>
-            </a:r>
-            <a:r>
-              <a:rPr lang="en-IN" dirty="0" smtClean="0"/>
-              <a:t>system</a:t>
-            </a:r>
-          </a:p>
-          <a:p>
-            <a:r>
-              <a:rPr lang="en-IN" dirty="0" smtClean="0"/>
-              <a:t> </a:t>
-            </a:r>
+              <a:t>Architecture of Unix operating system</a:t>
+            </a:r>
+          </a:p>
+          <a:p>
             <a:r>
               <a:rPr lang="en-IN" dirty="0"/>
-              <a:t>Introduction to the system </a:t>
-            </a:r>
-            <a:r>
-              <a:rPr lang="en-IN" dirty="0" smtClean="0"/>
-              <a:t>concepts</a:t>
-            </a:r>
-            <a:endParaRPr lang="en-IN" dirty="0"/>
+              <a:t> Introduction to the system concepts</a:t>
+            </a:r>
           </a:p>
           <a:p>
             <a:r>
               <a:rPr lang="en-IN" dirty="0"/>
-              <a:t>Kernel data </a:t>
-            </a:r>
-            <a:r>
-              <a:rPr lang="en-IN" dirty="0" smtClean="0"/>
-              <a:t>structure</a:t>
-            </a:r>
-          </a:p>
-          <a:p>
-            <a:r>
-              <a:rPr lang="en-IN" dirty="0" smtClean="0"/>
-              <a:t> </a:t>
-            </a:r>
+              <a:t>Kernel data structure</a:t>
+            </a:r>
+          </a:p>
+          <a:p>
             <a:r>
               <a:rPr lang="en-IN" dirty="0"/>
-              <a:t>System Administration</a:t>
+              <a:t> System Administration</a:t>
             </a:r>
           </a:p>
         </p:txBody>
@@ -4616,21 +4581,13 @@
             </a:r>
             <a:r>
               <a:rPr lang="en-US" dirty="0"/>
-              <a:t>-node data structure gives information about files or directory (i.e. actual representation of files </a:t>
-            </a:r>
-            <a:r>
-              <a:rPr lang="en-US" dirty="0" smtClean="0"/>
-              <a:t>or directory ) </a:t>
-            </a:r>
-          </a:p>
-          <a:p>
-            <a:r>
-              <a:rPr lang="en-US" dirty="0" smtClean="0"/>
-              <a:t>The </a:t>
-            </a:r>
-            <a:r>
-              <a:rPr lang="en-US" dirty="0"/>
-              <a:t>information like the location of disk block where the file is stored, time at which file changes last, owner of the file, access permissions (read/write), etc. </a:t>
+              <a:t>-node data structure gives information about files or directory (i.e. actual representation of files or directory ) </a:t>
+            </a:r>
+          </a:p>
+          <a:p>
+            <a:r>
+              <a:rPr lang="en-US" dirty="0"/>
+              <a:t>The information like the location of disk block where the file is stored, time at which file changes last, owner of the file, access permissions (read/write), etc. </a:t>
             </a:r>
             <a:r>
               <a:rPr lang="en-US" dirty="0" err="1"/>
@@ -4638,11 +4595,7 @@
             </a:r>
             <a:r>
               <a:rPr lang="en-US" dirty="0"/>
-              <a:t>-node information is stored in secondary storage</a:t>
-            </a:r>
-            <a:r>
-              <a:rPr lang="en-US" dirty="0" smtClean="0"/>
-              <a:t>.</a:t>
+              <a:t>-node information is stored in secondary storage.</a:t>
             </a:r>
           </a:p>
           <a:p>
@@ -4742,57 +4695,29 @@
               <a:rPr lang="en-US" dirty="0"/>
               <a:t>Systems administration is the </a:t>
             </a:r>
-            <a:endParaRPr lang="en-US" dirty="0" smtClean="0"/>
-          </a:p>
-          <a:p>
-            <a:r>
-              <a:rPr lang="en-US" dirty="0" smtClean="0"/>
-              <a:t>1</a:t>
-            </a:r>
-            <a:r>
-              <a:rPr lang="en-US" dirty="0"/>
-              <a:t>) installation and </a:t>
-            </a:r>
-            <a:endParaRPr lang="en-US" dirty="0" smtClean="0"/>
-          </a:p>
-          <a:p>
-            <a:r>
-              <a:rPr lang="en-US" dirty="0" smtClean="0"/>
-              <a:t>2</a:t>
-            </a:r>
-            <a:r>
-              <a:rPr lang="en-US" dirty="0"/>
-              <a:t>) maintenance of the UNIX computer system. </a:t>
-            </a:r>
-            <a:endParaRPr lang="en-US" dirty="0" smtClean="0"/>
-          </a:p>
-          <a:p>
-            <a:r>
-              <a:rPr lang="en-US" dirty="0" smtClean="0"/>
-              <a:t>The </a:t>
-            </a:r>
-            <a:r>
-              <a:rPr lang="en-US" dirty="0"/>
-              <a:t>system administrator will need to maintain the software and hardware for the system which includes hardware configuration, software installation, reconfiguration of the kernel, and networking to keep it running in a satisfactory manner. </a:t>
-            </a:r>
-            <a:endParaRPr lang="en-US" dirty="0" smtClean="0"/>
-          </a:p>
-          <a:p>
-            <a:r>
-              <a:rPr lang="en-US" dirty="0" smtClean="0"/>
-              <a:t>To </a:t>
-            </a:r>
-            <a:r>
-              <a:rPr lang="en-US" dirty="0"/>
-              <a:t>do this the system administrator can assume </a:t>
-            </a:r>
-            <a:r>
-              <a:rPr lang="en-US" dirty="0" smtClean="0"/>
-              <a:t>super user </a:t>
-            </a:r>
-            <a:r>
-              <a:rPr lang="en-US" dirty="0"/>
-              <a:t>or root privileges to perform many tasks not normally available to the average user of the system.</a:t>
+          </a:p>
+          <a:p>
+            <a:r>
+              <a:rPr lang="en-US" dirty="0"/>
+              <a:t>1) installation and </a:t>
+            </a:r>
+          </a:p>
+          <a:p>
+            <a:r>
+              <a:rPr lang="en-US" dirty="0"/>
+              <a:t>2) maintenance of the UNIX computer system. </a:t>
+            </a:r>
+          </a:p>
+          <a:p>
+            <a:r>
+              <a:rPr lang="en-US" dirty="0"/>
+              <a:t>The system administrator will need to maintain the software and hardware for the system which includes hardware configuration, software installation, reconfiguration of the kernel, and networking to keep it running in a satisfactory manner. </a:t>
+            </a:r>
+          </a:p>
+          <a:p>
+            <a:r>
+              <a:rPr lang="en-US" dirty="0"/>
+              <a:t>To do this the system administrator can assume super user or root privileges to perform many tasks not normally available to the average user of the system.</a:t>
             </a:r>
             <a:endParaRPr lang="en-IN" dirty="0"/>
           </a:p>
@@ -4808,6 +4733,11 @@
   <p:clrMapOvr>
     <a:masterClrMapping/>
   </p:clrMapOvr>
+  <p:extLst>
+    <p:ext uri="{6950BFC3-D8DA-4A85-94F7-54DA5524770B}">
+      <p188:commentRel xmlns:p188="http://schemas.microsoft.com/office/powerpoint/2018/8/main" r:id="rId2"/>
+    </p:ext>
+  </p:extLst>
 </p:sld>
 </file>
 
@@ -4871,22 +4801,14 @@
             <a:pPr fontAlgn="base"/>
             <a:r>
               <a:rPr lang="en-US" dirty="0"/>
-              <a:t>A path is a unique location to a file or a folder in a file system of an OS</a:t>
-            </a:r>
-            <a:r>
-              <a:rPr lang="en-US" dirty="0" smtClean="0"/>
-              <a:t>.</a:t>
+              <a:t>A path is a unique location to a file or a folder in a file system of an OS.</a:t>
             </a:r>
           </a:p>
           <a:p>
             <a:pPr fontAlgn="base"/>
             <a:r>
-              <a:rPr lang="en-US" dirty="0" smtClean="0"/>
-              <a:t>A </a:t>
-            </a:r>
-            <a:r>
-              <a:rPr lang="en-US" dirty="0"/>
-              <a:t>path to a file is a combination of / and alpha-numeric characters.</a:t>
+              <a:rPr lang="en-US" dirty="0"/>
+              <a:t>A path to a file is a combination of / and alpha-numeric characters.</a:t>
             </a:r>
           </a:p>
           <a:p>
@@ -4929,7 +4851,7 @@
           <a:p>
             <a:pPr fontAlgn="base"/>
             <a:r>
-              <a:rPr lang="en-US" b="1" dirty="0" smtClean="0"/>
+              <a:rPr lang="en-US" b="1" dirty="0"/>
               <a:t>For Example :  </a:t>
             </a:r>
           </a:p>
@@ -4937,7 +4859,7 @@
             <a:pPr marL="0" indent="0" fontAlgn="base">
               <a:buNone/>
             </a:pPr>
-            <a:endParaRPr lang="en-US" dirty="0" smtClean="0"/>
+            <a:endParaRPr lang="en-US" dirty="0"/>
           </a:p>
           <a:p>
             <a:endParaRPr lang="en-IN" dirty="0"/>
@@ -4954,6 +4876,11 @@
   <p:clrMapOvr>
     <a:masterClrMapping/>
   </p:clrMapOvr>
+  <p:extLst>
+    <p:ext uri="{6950BFC3-D8DA-4A85-94F7-54DA5524770B}">
+      <p188:commentRel xmlns:p188="http://schemas.microsoft.com/office/powerpoint/2018/8/main" r:id="rId2"/>
+    </p:ext>
+  </p:extLst>
 </p:sld>
 </file>
 
@@ -5016,7 +4943,7 @@
           <a:p>
             <a:pPr fontAlgn="base"/>
             <a:r>
-              <a:rPr lang="en-US" b="1" dirty="0" smtClean="0"/>
+              <a:rPr lang="en-US" b="1" dirty="0"/>
               <a:t>For Example :</a:t>
             </a:r>
           </a:p>
@@ -5034,7 +4961,7 @@
               <a:buNone/>
             </a:pPr>
             <a:r>
-              <a:rPr lang="en-US" b="1" dirty="0" smtClean="0"/>
+              <a:rPr lang="en-US" b="1" dirty="0"/>
               <a:t>  </a:t>
             </a:r>
             <a:r>
@@ -5145,16 +5072,7 @@
                 </a:solidFill>
                 <a:latin typeface="urw-din"/>
               </a:rPr>
-              <a:t> exists in your current directory</a:t>
-            </a:r>
-            <a:r>
-              <a:rPr lang="en-US" dirty="0" smtClean="0">
-                <a:solidFill>
-                  <a:srgbClr val="273239"/>
-                </a:solidFill>
-                <a:latin typeface="urw-din"/>
-              </a:rPr>
-              <a:t>.</a:t>
+              <a:t> exists in your current directory.</a:t>
             </a:r>
           </a:p>
           <a:p>
@@ -5171,22 +5089,13 @@
               <a:buNone/>
             </a:pPr>
             <a:r>
-              <a:rPr lang="en-US" dirty="0" smtClean="0">
+              <a:rPr lang="en-US" dirty="0">
                 <a:solidFill>
                   <a:srgbClr val="273239"/>
                 </a:solidFill>
                 <a:latin typeface="urw-din"/>
               </a:rPr>
-              <a:t> </a:t>
-            </a:r>
-            <a:r>
-              <a:rPr lang="en-US" dirty="0">
-                <a:solidFill>
-                  <a:srgbClr val="273239"/>
-                </a:solidFill>
-                <a:latin typeface="urw-din"/>
-              </a:rPr>
-              <a:t>However, if this file is not present in your working directory and is present somewhere else say in /home/</a:t>
+              <a:t> However, if this file is not present in your working directory and is present somewhere else say in /home/</a:t>
             </a:r>
             <a:r>
               <a:rPr lang="en-US" dirty="0" err="1">
@@ -5307,16 +5216,7 @@
                 </a:solidFill>
                 <a:latin typeface="urw-din"/>
               </a:rPr>
-              <a:t> is one level below home, and thus two levels below root</a:t>
-            </a:r>
-            <a:r>
-              <a:rPr lang="en-US" dirty="0" smtClean="0">
-                <a:solidFill>
-                  <a:srgbClr val="273239"/>
-                </a:solidFill>
-                <a:latin typeface="urw-din"/>
-              </a:rPr>
-              <a:t>.</a:t>
+              <a:t> is one level below home, and thus two levels below root.</a:t>
             </a:r>
           </a:p>
           <a:p>
@@ -5399,13 +5299,13 @@
           </a:p>
           <a:p>
             <a:pPr fontAlgn="base"/>
-            <a:endParaRPr lang="en-US" b="1" dirty="0" smtClean="0"/>
+            <a:endParaRPr lang="en-US" b="1" dirty="0"/>
           </a:p>
           <a:p>
             <a:pPr marL="0" indent="0" fontAlgn="base">
               <a:buNone/>
             </a:pPr>
-            <a:endParaRPr lang="en-US" dirty="0" smtClean="0"/>
+            <a:endParaRPr lang="en-US" dirty="0"/>
           </a:p>
           <a:p>
             <a:endParaRPr lang="en-IN" dirty="0"/>
@@ -5482,7 +5382,7 @@
               <a:buNone/>
               <a:tabLst/>
             </a:pPr>
-            <a:endParaRPr kumimoji="0" lang="en-US" sz="1800" b="0" i="0" u="none" strike="noStrike" cap="none" normalizeH="0" baseline="0" dirty="0" smtClean="0">
+            <a:endParaRPr kumimoji="0" lang="en-US" sz="1800" b="0" i="0" u="none" strike="noStrike" cap="none" normalizeH="0" baseline="0" dirty="0">
               <a:ln>
                 <a:noFill/>
               </a:ln>
@@ -5510,7 +5410,7 @@
               <a:buNone/>
               <a:tabLst/>
             </a:pPr>
-            <a:endParaRPr kumimoji="0" lang="en-US" sz="1800" b="0" i="0" u="none" strike="noStrike" cap="none" normalizeH="0" baseline="0" dirty="0" smtClean="0">
+            <a:endParaRPr kumimoji="0" lang="en-US" sz="1800" b="0" i="0" u="none" strike="noStrike" cap="none" normalizeH="0" baseline="0" dirty="0">
               <a:ln>
                 <a:noFill/>
               </a:ln>
@@ -5593,7 +5493,7 @@
               <a:buNone/>
               <a:tabLst/>
             </a:pPr>
-            <a:endParaRPr kumimoji="0" lang="en-US" sz="1800" b="0" i="0" u="none" strike="noStrike" cap="none" normalizeH="0" baseline="0" dirty="0" smtClean="0">
+            <a:endParaRPr kumimoji="0" lang="en-US" sz="1800" b="0" i="0" u="none" strike="noStrike" cap="none" normalizeH="0" baseline="0" dirty="0">
               <a:ln>
                 <a:noFill/>
               </a:ln>
@@ -5697,17 +5597,12 @@
               <a:rPr lang="en-US" dirty="0"/>
               <a:t>). </a:t>
             </a:r>
-            <a:endParaRPr lang="en-US" dirty="0" smtClean="0"/>
           </a:p>
           <a:p>
             <a:pPr fontAlgn="base"/>
             <a:r>
-              <a:rPr lang="en-US" dirty="0" smtClean="0"/>
-              <a:t>It </a:t>
-            </a:r>
-            <a:r>
-              <a:rPr lang="en-US" dirty="0"/>
-              <a:t>starts at your current directory and </a:t>
+              <a:rPr lang="en-US" dirty="0"/>
+              <a:t>It starts at your current directory and </a:t>
             </a:r>
             <a:r>
               <a:rPr lang="en-US" b="1" dirty="0"/>
@@ -5776,13 +5671,13 @@
           </a:p>
           <a:p>
             <a:pPr fontAlgn="base"/>
-            <a:endParaRPr lang="en-US" b="1" dirty="0" smtClean="0"/>
+            <a:endParaRPr lang="en-US" b="1" dirty="0"/>
           </a:p>
           <a:p>
             <a:pPr marL="0" indent="0" fontAlgn="base">
               <a:buNone/>
             </a:pPr>
-            <a:endParaRPr lang="en-US" dirty="0" smtClean="0"/>
+            <a:endParaRPr lang="en-US" dirty="0"/>
           </a:p>
           <a:p>
             <a:endParaRPr lang="en-IN" dirty="0"/>
@@ -5859,7 +5754,7 @@
               <a:buNone/>
               <a:tabLst/>
             </a:pPr>
-            <a:endParaRPr kumimoji="0" lang="en-US" sz="1800" b="0" i="0" u="none" strike="noStrike" cap="none" normalizeH="0" baseline="0" dirty="0" smtClean="0">
+            <a:endParaRPr kumimoji="0" lang="en-US" sz="1800" b="0" i="0" u="none" strike="noStrike" cap="none" normalizeH="0" baseline="0" dirty="0">
               <a:ln>
                 <a:noFill/>
               </a:ln>
@@ -5887,7 +5782,7 @@
               <a:buNone/>
               <a:tabLst/>
             </a:pPr>
-            <a:endParaRPr kumimoji="0" lang="en-US" sz="1800" b="0" i="0" u="none" strike="noStrike" cap="none" normalizeH="0" baseline="0" dirty="0" smtClean="0">
+            <a:endParaRPr kumimoji="0" lang="en-US" sz="1800" b="0" i="0" u="none" strike="noStrike" cap="none" normalizeH="0" baseline="0" dirty="0">
               <a:ln>
                 <a:noFill/>
               </a:ln>
@@ -5970,7 +5865,7 @@
               <a:buNone/>
               <a:tabLst/>
             </a:pPr>
-            <a:endParaRPr kumimoji="0" lang="en-US" sz="1800" b="0" i="0" u="none" strike="noStrike" cap="none" normalizeH="0" baseline="0" dirty="0" smtClean="0">
+            <a:endParaRPr kumimoji="0" lang="en-US" sz="1800" b="0" i="0" u="none" strike="noStrike" cap="none" normalizeH="0" baseline="0" dirty="0">
               <a:ln>
                 <a:noFill/>
               </a:ln>
@@ -6054,13 +5949,13 @@
           <a:lstStyle/>
           <a:p>
             <a:pPr fontAlgn="base"/>
-            <a:endParaRPr lang="en-US" b="1" dirty="0" smtClean="0"/>
+            <a:endParaRPr lang="en-US" b="1" dirty="0"/>
           </a:p>
           <a:p>
             <a:pPr marL="0" indent="0" fontAlgn="base">
               <a:buNone/>
             </a:pPr>
-            <a:endParaRPr lang="en-US" dirty="0" smtClean="0"/>
+            <a:endParaRPr lang="en-US" dirty="0"/>
           </a:p>
           <a:p>
             <a:endParaRPr lang="en-IN" dirty="0"/>
@@ -6137,7 +6032,7 @@
               <a:buNone/>
               <a:tabLst/>
             </a:pPr>
-            <a:endParaRPr kumimoji="0" lang="en-US" sz="1800" b="0" i="0" u="none" strike="noStrike" cap="none" normalizeH="0" baseline="0" dirty="0" smtClean="0">
+            <a:endParaRPr kumimoji="0" lang="en-US" sz="1800" b="0" i="0" u="none" strike="noStrike" cap="none" normalizeH="0" baseline="0" dirty="0">
               <a:ln>
                 <a:noFill/>
               </a:ln>
@@ -6165,7 +6060,7 @@
               <a:buNone/>
               <a:tabLst/>
             </a:pPr>
-            <a:endParaRPr kumimoji="0" lang="en-US" sz="1800" b="0" i="0" u="none" strike="noStrike" cap="none" normalizeH="0" baseline="0" dirty="0" smtClean="0">
+            <a:endParaRPr kumimoji="0" lang="en-US" sz="1800" b="0" i="0" u="none" strike="noStrike" cap="none" normalizeH="0" baseline="0" dirty="0">
               <a:ln>
                 <a:noFill/>
               </a:ln>
@@ -6248,7 +6143,7 @@
               <a:buNone/>
               <a:tabLst/>
             </a:pPr>
-            <a:endParaRPr kumimoji="0" lang="en-US" sz="1800" b="0" i="0" u="none" strike="noStrike" cap="none" normalizeH="0" baseline="0" dirty="0" smtClean="0">
+            <a:endParaRPr kumimoji="0" lang="en-US" sz="1800" b="0" i="0" u="none" strike="noStrike" cap="none" normalizeH="0" baseline="0" dirty="0">
               <a:ln>
                 <a:noFill/>
               </a:ln>
@@ -6373,7 +6268,7 @@
           <a:lstStyle/>
           <a:p>
             <a:pPr fontAlgn="base"/>
-            <a:endParaRPr lang="en-US" b="1" dirty="0" smtClean="0"/>
+            <a:endParaRPr lang="en-US" b="1" dirty="0"/>
           </a:p>
           <a:p>
             <a:pPr marL="0" lvl="0" indent="0" eaLnBrk="0" fontAlgn="base" hangingPunct="0">
@@ -6683,7 +6578,7 @@
               <a:buNone/>
               <a:tabLst/>
             </a:pPr>
-            <a:endParaRPr kumimoji="0" lang="en-US" sz="1800" b="0" i="0" u="none" strike="noStrike" cap="none" normalizeH="0" baseline="0" dirty="0" smtClean="0">
+            <a:endParaRPr kumimoji="0" lang="en-US" sz="1800" b="0" i="0" u="none" strike="noStrike" cap="none" normalizeH="0" baseline="0" dirty="0">
               <a:ln>
                 <a:noFill/>
               </a:ln>
@@ -6711,7 +6606,7 @@
               <a:buNone/>
               <a:tabLst/>
             </a:pPr>
-            <a:endParaRPr kumimoji="0" lang="en-US" sz="1800" b="0" i="0" u="none" strike="noStrike" cap="none" normalizeH="0" baseline="0" dirty="0" smtClean="0">
+            <a:endParaRPr kumimoji="0" lang="en-US" sz="1800" b="0" i="0" u="none" strike="noStrike" cap="none" normalizeH="0" baseline="0" dirty="0">
               <a:ln>
                 <a:noFill/>
               </a:ln>
@@ -6794,7 +6689,7 @@
               <a:buNone/>
               <a:tabLst/>
             </a:pPr>
-            <a:endParaRPr kumimoji="0" lang="en-US" sz="1800" b="0" i="0" u="none" strike="noStrike" cap="none" normalizeH="0" baseline="0" dirty="0" smtClean="0">
+            <a:endParaRPr kumimoji="0" lang="en-US" sz="1800" b="0" i="0" u="none" strike="noStrike" cap="none" normalizeH="0" baseline="0" dirty="0">
               <a:ln>
                 <a:noFill/>
               </a:ln>
@@ -6877,7 +6772,7 @@
               <a:buNone/>
               <a:tabLst/>
             </a:pPr>
-            <a:endParaRPr kumimoji="0" lang="en-US" sz="1800" b="0" i="0" u="none" strike="noStrike" cap="none" normalizeH="0" baseline="0" dirty="0" smtClean="0">
+            <a:endParaRPr kumimoji="0" lang="en-US" sz="1800" b="0" i="0" u="none" strike="noStrike" cap="none" normalizeH="0" baseline="0" dirty="0">
               <a:ln>
                 <a:noFill/>
               </a:ln>
@@ -6906,7 +6801,7 @@
               <a:tabLst/>
             </a:pPr>
             <a:r>
-              <a:rPr kumimoji="0" lang="en-US" sz="1200" b="1" i="0" u="none" strike="noStrike" cap="none" normalizeH="0" baseline="0" dirty="0" smtClean="0">
+              <a:rPr kumimoji="0" lang="en-US" sz="1200" b="1" i="0" u="none" strike="noStrike" cap="none" normalizeH="0" baseline="0" dirty="0">
                 <a:ln>
                   <a:noFill/>
                 </a:ln>
@@ -7044,7 +6939,7 @@
               <a:buNone/>
               <a:tabLst/>
             </a:pPr>
-            <a:endParaRPr kumimoji="0" lang="en-US" sz="1800" b="0" i="0" u="none" strike="noStrike" cap="none" normalizeH="0" baseline="0" dirty="0" smtClean="0">
+            <a:endParaRPr kumimoji="0" lang="en-US" sz="1800" b="0" i="0" u="none" strike="noStrike" cap="none" normalizeH="0" baseline="0" dirty="0">
               <a:ln>
                 <a:noFill/>
               </a:ln>
@@ -7072,7 +6967,7 @@
               <a:buNone/>
               <a:tabLst/>
             </a:pPr>
-            <a:endParaRPr kumimoji="0" lang="en-US" sz="1800" b="0" i="0" u="none" strike="noStrike" cap="none" normalizeH="0" baseline="0" dirty="0" smtClean="0">
+            <a:endParaRPr kumimoji="0" lang="en-US" sz="1800" b="0" i="0" u="none" strike="noStrike" cap="none" normalizeH="0" baseline="0" dirty="0">
               <a:ln>
                 <a:noFill/>
               </a:ln>
@@ -7155,7 +7050,7 @@
               <a:buNone/>
               <a:tabLst/>
             </a:pPr>
-            <a:endParaRPr kumimoji="0" lang="en-US" sz="1800" b="0" i="0" u="none" strike="noStrike" cap="none" normalizeH="0" baseline="0" dirty="0" smtClean="0">
+            <a:endParaRPr kumimoji="0" lang="en-US" sz="1800" b="0" i="0" u="none" strike="noStrike" cap="none" normalizeH="0" baseline="0" dirty="0">
               <a:ln>
                 <a:noFill/>
               </a:ln>
@@ -7240,7 +7135,7 @@
               <a:buNone/>
               <a:tabLst/>
             </a:pPr>
-            <a:endParaRPr kumimoji="0" lang="en-US" sz="1800" b="0" i="0" u="none" strike="noStrike" cap="none" normalizeH="0" baseline="0" dirty="0" smtClean="0">
+            <a:endParaRPr kumimoji="0" lang="en-US" sz="1800" b="0" i="0" u="none" strike="noStrike" cap="none" normalizeH="0" baseline="0" dirty="0">
               <a:ln>
                 <a:noFill/>
               </a:ln>
@@ -7269,7 +7164,7 @@
               <a:tabLst/>
             </a:pPr>
             <a:r>
-              <a:rPr kumimoji="0" lang="en-US" sz="2400" b="1" i="0" u="none" strike="noStrike" cap="none" normalizeH="0" baseline="0" dirty="0" smtClean="0">
+              <a:rPr kumimoji="0" lang="en-US" sz="2400" b="1" i="0" u="none" strike="noStrike" cap="none" normalizeH="0" baseline="0" dirty="0">
                 <a:ln>
                   <a:noFill/>
                 </a:ln>
@@ -7281,7 +7176,7 @@
               </a:rPr>
               <a:t>Example of Absolute and Relative Path</a:t>
             </a:r>
-            <a:endParaRPr kumimoji="0" lang="en-US" sz="2400" b="0" i="0" u="none" strike="noStrike" cap="none" normalizeH="0" baseline="0" dirty="0" smtClean="0">
+            <a:endParaRPr kumimoji="0" lang="en-US" sz="2400" b="0" i="0" u="none" strike="noStrike" cap="none" normalizeH="0" baseline="0" dirty="0">
               <a:ln>
                 <a:noFill/>
               </a:ln>
@@ -7310,7 +7205,7 @@
               <a:tabLst/>
             </a:pPr>
             <a:r>
-              <a:rPr kumimoji="0" lang="en-US" sz="2400" b="0" i="0" u="none" strike="noStrike" cap="none" normalizeH="0" baseline="0" dirty="0" smtClean="0">
+              <a:rPr kumimoji="0" lang="en-US" sz="2400" b="0" i="0" u="none" strike="noStrike" cap="none" normalizeH="0" baseline="0" dirty="0">
                 <a:ln>
                   <a:noFill/>
                 </a:ln>
@@ -7323,7 +7218,7 @@
               <a:t>Suppose you are currently located in home/</a:t>
             </a:r>
             <a:r>
-              <a:rPr kumimoji="0" lang="en-US" sz="2400" b="0" i="0" u="none" strike="noStrike" cap="none" normalizeH="0" baseline="0" dirty="0" err="1" smtClean="0">
+              <a:rPr kumimoji="0" lang="en-US" sz="2400" b="0" i="0" u="none" strike="noStrike" cap="none" normalizeH="0" baseline="0" dirty="0" err="1">
                 <a:ln>
                   <a:noFill/>
                 </a:ln>
@@ -7336,7 +7231,7 @@
               <a:t>kt</a:t>
             </a:r>
             <a:r>
-              <a:rPr kumimoji="0" lang="en-US" sz="2400" b="0" i="0" u="none" strike="noStrike" cap="none" normalizeH="0" baseline="0" dirty="0" smtClean="0">
+              <a:rPr kumimoji="0" lang="en-US" sz="2400" b="0" i="0" u="none" strike="noStrike" cap="none" normalizeH="0" baseline="0" dirty="0">
                 <a:ln>
                   <a:noFill/>
                 </a:ln>
@@ -7349,7 +7244,7 @@
               <a:t> and you want to change your directory to home/</a:t>
             </a:r>
             <a:r>
-              <a:rPr kumimoji="0" lang="en-US" sz="2400" b="0" i="0" u="none" strike="noStrike" cap="none" normalizeH="0" baseline="0" dirty="0" err="1" smtClean="0">
+              <a:rPr kumimoji="0" lang="en-US" sz="2400" b="0" i="0" u="none" strike="noStrike" cap="none" normalizeH="0" baseline="0" dirty="0" err="1">
                 <a:ln>
                   <a:noFill/>
                 </a:ln>
@@ -7362,7 +7257,7 @@
               <a:t>kt</a:t>
             </a:r>
             <a:r>
-              <a:rPr kumimoji="0" lang="en-US" sz="2400" b="0" i="0" u="none" strike="noStrike" cap="none" normalizeH="0" baseline="0" dirty="0" smtClean="0">
+              <a:rPr kumimoji="0" lang="en-US" sz="2400" b="0" i="0" u="none" strike="noStrike" cap="none" normalizeH="0" baseline="0" dirty="0">
                 <a:ln>
                   <a:noFill/>
                 </a:ln>
@@ -7375,7 +7270,7 @@
               <a:t>/</a:t>
             </a:r>
             <a:r>
-              <a:rPr kumimoji="0" lang="en-US" sz="2400" b="0" i="0" u="none" strike="noStrike" cap="none" normalizeH="0" baseline="0" dirty="0" err="1" smtClean="0">
+              <a:rPr kumimoji="0" lang="en-US" sz="2400" b="0" i="0" u="none" strike="noStrike" cap="none" normalizeH="0" baseline="0" dirty="0" err="1">
                 <a:ln>
                   <a:noFill/>
                 </a:ln>
@@ -7388,7 +7283,7 @@
               <a:t>abc</a:t>
             </a:r>
             <a:r>
-              <a:rPr kumimoji="0" lang="en-US" sz="2400" b="0" i="0" u="none" strike="noStrike" cap="none" normalizeH="0" baseline="0" dirty="0" smtClean="0">
+              <a:rPr kumimoji="0" lang="en-US" sz="2400" b="0" i="0" u="none" strike="noStrike" cap="none" normalizeH="0" baseline="0" dirty="0">
                 <a:ln>
                   <a:noFill/>
                 </a:ln>
@@ -7419,7 +7314,7 @@
               <a:tabLst/>
             </a:pPr>
             <a:r>
-              <a:rPr kumimoji="0" lang="en-US" sz="2400" b="0" i="0" u="none" strike="noStrike" cap="none" normalizeH="0" baseline="0" dirty="0" smtClean="0">
+              <a:rPr kumimoji="0" lang="en-US" sz="2400" b="0" i="0" u="none" strike="noStrike" cap="none" normalizeH="0" baseline="0" dirty="0">
                 <a:ln>
                   <a:noFill/>
                 </a:ln>
@@ -7450,7 +7345,7 @@
               <a:tabLst/>
             </a:pPr>
             <a:r>
-              <a:rPr kumimoji="0" lang="en-US" b="1" i="0" u="none" strike="noStrike" cap="none" normalizeH="0" baseline="0" dirty="0" smtClean="0">
+              <a:rPr kumimoji="0" lang="en-US" b="1" i="0" u="none" strike="noStrike" cap="none" normalizeH="0" baseline="0" dirty="0">
                 <a:ln>
                   <a:noFill/>
                 </a:ln>
@@ -7480,7 +7375,7 @@
               <a:tabLst/>
             </a:pPr>
             <a:r>
-              <a:rPr kumimoji="0" lang="en-US" b="0" i="0" u="none" strike="noStrike" cap="none" normalizeH="0" baseline="0" dirty="0" smtClean="0">
+              <a:rPr kumimoji="0" lang="en-US" b="0" i="0" u="none" strike="noStrike" cap="none" normalizeH="0" baseline="0" dirty="0">
                 <a:ln>
                   <a:noFill/>
                 </a:ln>
@@ -7493,7 +7388,7 @@
               <a:t>$</a:t>
             </a:r>
             <a:r>
-              <a:rPr kumimoji="0" lang="en-US" b="0" i="0" u="none" strike="noStrike" cap="none" normalizeH="0" baseline="0" dirty="0" err="1" smtClean="0">
+              <a:rPr kumimoji="0" lang="en-US" b="0" i="0" u="none" strike="noStrike" cap="none" normalizeH="0" baseline="0" dirty="0" err="1">
                 <a:ln>
                   <a:noFill/>
                 </a:ln>
@@ -7506,7 +7401,7 @@
               <a:t>pwd</a:t>
             </a:r>
             <a:r>
-              <a:rPr kumimoji="0" lang="en-US" b="0" i="0" u="none" strike="noStrike" cap="none" normalizeH="0" baseline="0" dirty="0" smtClean="0">
+              <a:rPr kumimoji="0" lang="en-US" b="0" i="0" u="none" strike="noStrike" cap="none" normalizeH="0" baseline="0" dirty="0">
                 <a:ln>
                   <a:noFill/>
                 </a:ln>
@@ -7519,7 +7414,7 @@
               <a:t> /home/</a:t>
             </a:r>
             <a:r>
-              <a:rPr kumimoji="0" lang="en-US" b="0" i="0" u="none" strike="noStrike" cap="none" normalizeH="0" baseline="0" dirty="0" err="1" smtClean="0">
+              <a:rPr kumimoji="0" lang="en-US" b="0" i="0" u="none" strike="noStrike" cap="none" normalizeH="0" baseline="0" dirty="0" err="1">
                 <a:ln>
                   <a:noFill/>
                 </a:ln>
@@ -7532,7 +7427,7 @@
               <a:t>kt</a:t>
             </a:r>
             <a:r>
-              <a:rPr kumimoji="0" lang="en-US" b="0" i="0" u="none" strike="noStrike" cap="none" normalizeH="0" baseline="0" dirty="0" smtClean="0">
+              <a:rPr kumimoji="0" lang="en-US" b="0" i="0" u="none" strike="noStrike" cap="none" normalizeH="0" baseline="0" dirty="0">
                 <a:ln>
                   <a:noFill/>
                 </a:ln>
@@ -7562,7 +7457,7 @@
               <a:tabLst/>
             </a:pPr>
             <a:r>
-              <a:rPr kumimoji="0" lang="en-US" b="0" i="0" u="none" strike="noStrike" cap="none" normalizeH="0" baseline="0" dirty="0" smtClean="0">
+              <a:rPr kumimoji="0" lang="en-US" b="0" i="0" u="none" strike="noStrike" cap="none" normalizeH="0" baseline="0" dirty="0">
                 <a:ln>
                   <a:noFill/>
                 </a:ln>
@@ -7575,7 +7470,7 @@
               <a:t>$cd </a:t>
             </a:r>
             <a:r>
-              <a:rPr kumimoji="0" lang="en-US" b="0" i="0" u="none" strike="noStrike" cap="none" normalizeH="0" baseline="0" dirty="0" err="1" smtClean="0">
+              <a:rPr kumimoji="0" lang="en-US" b="0" i="0" u="none" strike="noStrike" cap="none" normalizeH="0" baseline="0" dirty="0" err="1">
                 <a:ln>
                   <a:noFill/>
                 </a:ln>
@@ -7588,7 +7483,7 @@
               <a:t>abc</a:t>
             </a:r>
             <a:r>
-              <a:rPr kumimoji="0" lang="en-US" b="0" i="0" u="none" strike="noStrike" cap="none" normalizeH="0" baseline="0" dirty="0" smtClean="0">
+              <a:rPr kumimoji="0" lang="en-US" b="0" i="0" u="none" strike="noStrike" cap="none" normalizeH="0" baseline="0" dirty="0">
                 <a:ln>
                   <a:noFill/>
                 </a:ln>
@@ -7618,7 +7513,7 @@
               <a:tabLst/>
             </a:pPr>
             <a:r>
-              <a:rPr kumimoji="0" lang="en-US" b="0" i="0" u="none" strike="noStrike" cap="none" normalizeH="0" baseline="0" dirty="0" smtClean="0">
+              <a:rPr kumimoji="0" lang="en-US" b="0" i="0" u="none" strike="noStrike" cap="none" normalizeH="0" baseline="0" dirty="0">
                 <a:ln>
                   <a:noFill/>
                 </a:ln>
@@ -7631,7 +7526,7 @@
               <a:t>$</a:t>
             </a:r>
             <a:r>
-              <a:rPr kumimoji="0" lang="en-US" b="0" i="0" u="none" strike="noStrike" cap="none" normalizeH="0" baseline="0" dirty="0" err="1" smtClean="0">
+              <a:rPr kumimoji="0" lang="en-US" b="0" i="0" u="none" strike="noStrike" cap="none" normalizeH="0" baseline="0" dirty="0" err="1">
                 <a:ln>
                   <a:noFill/>
                 </a:ln>
@@ -7644,7 +7539,7 @@
               <a:t>pwd</a:t>
             </a:r>
             <a:r>
-              <a:rPr kumimoji="0" lang="en-US" b="0" i="0" u="none" strike="noStrike" cap="none" normalizeH="0" baseline="0" dirty="0" smtClean="0">
+              <a:rPr kumimoji="0" lang="en-US" b="0" i="0" u="none" strike="noStrike" cap="none" normalizeH="0" baseline="0" dirty="0">
                 <a:ln>
                   <a:noFill/>
                 </a:ln>
@@ -7657,7 +7552,7 @@
               <a:t> /home/</a:t>
             </a:r>
             <a:r>
-              <a:rPr kumimoji="0" lang="en-US" b="0" i="0" u="none" strike="noStrike" cap="none" normalizeH="0" baseline="0" dirty="0" err="1" smtClean="0">
+              <a:rPr kumimoji="0" lang="en-US" b="0" i="0" u="none" strike="noStrike" cap="none" normalizeH="0" baseline="0" dirty="0" err="1">
                 <a:ln>
                   <a:noFill/>
                 </a:ln>
@@ -7670,7 +7565,7 @@
               <a:t>kt</a:t>
             </a:r>
             <a:r>
-              <a:rPr kumimoji="0" lang="en-US" b="0" i="0" u="none" strike="noStrike" cap="none" normalizeH="0" baseline="0" dirty="0" smtClean="0">
+              <a:rPr kumimoji="0" lang="en-US" b="0" i="0" u="none" strike="noStrike" cap="none" normalizeH="0" baseline="0" dirty="0">
                 <a:ln>
                   <a:noFill/>
                 </a:ln>
@@ -7683,7 +7578,7 @@
               <a:t>/</a:t>
             </a:r>
             <a:r>
-              <a:rPr kumimoji="0" lang="en-US" b="0" i="0" u="none" strike="noStrike" cap="none" normalizeH="0" baseline="0" dirty="0" err="1" smtClean="0">
+              <a:rPr kumimoji="0" lang="en-US" b="0" i="0" u="none" strike="noStrike" cap="none" normalizeH="0" baseline="0" dirty="0" err="1">
                 <a:ln>
                   <a:noFill/>
                 </a:ln>
@@ -7696,7 +7591,7 @@
               <a:t>abc</a:t>
             </a:r>
             <a:r>
-              <a:rPr kumimoji="0" lang="en-US" b="0" i="0" u="none" strike="noStrike" cap="none" normalizeH="0" baseline="0" dirty="0" smtClean="0">
+              <a:rPr kumimoji="0" lang="en-US" b="0" i="0" u="none" strike="noStrike" cap="none" normalizeH="0" baseline="0" dirty="0">
                 <a:ln>
                   <a:noFill/>
                 </a:ln>
@@ -7708,7 +7603,7 @@
               </a:rPr>
               <a:t> </a:t>
             </a:r>
-            <a:endParaRPr kumimoji="0" lang="en-US" b="0" i="0" u="none" strike="noStrike" cap="none" normalizeH="0" baseline="0" dirty="0" smtClean="0">
+            <a:endParaRPr kumimoji="0" lang="en-US" b="0" i="0" u="none" strike="noStrike" cap="none" normalizeH="0" baseline="0" dirty="0">
               <a:ln>
                 <a:noFill/>
               </a:ln>
@@ -7737,7 +7632,7 @@
               <a:tabLst/>
             </a:pPr>
             <a:r>
-              <a:rPr kumimoji="0" lang="en-US" b="1" i="0" u="none" strike="noStrike" cap="none" normalizeH="0" baseline="0" dirty="0" smtClean="0">
+              <a:rPr kumimoji="0" lang="en-US" b="1" i="0" u="none" strike="noStrike" cap="none" normalizeH="0" baseline="0" dirty="0">
                 <a:ln>
                   <a:noFill/>
                 </a:ln>
@@ -7767,7 +7662,7 @@
               <a:tabLst/>
             </a:pPr>
             <a:r>
-              <a:rPr kumimoji="0" lang="en-US" b="0" i="0" u="none" strike="noStrike" cap="none" normalizeH="0" baseline="0" dirty="0" smtClean="0">
+              <a:rPr kumimoji="0" lang="en-US" b="0" i="0" u="none" strike="noStrike" cap="none" normalizeH="0" baseline="0" dirty="0">
                 <a:ln>
                   <a:noFill/>
                 </a:ln>
@@ -7780,7 +7675,7 @@
               <a:t>$</a:t>
             </a:r>
             <a:r>
-              <a:rPr kumimoji="0" lang="en-US" b="0" i="0" u="none" strike="noStrike" cap="none" normalizeH="0" baseline="0" dirty="0" err="1" smtClean="0">
+              <a:rPr kumimoji="0" lang="en-US" b="0" i="0" u="none" strike="noStrike" cap="none" normalizeH="0" baseline="0" dirty="0" err="1">
                 <a:ln>
                   <a:noFill/>
                 </a:ln>
@@ -7793,7 +7688,7 @@
               <a:t>pwd</a:t>
             </a:r>
             <a:r>
-              <a:rPr kumimoji="0" lang="en-US" b="0" i="0" u="none" strike="noStrike" cap="none" normalizeH="0" baseline="0" dirty="0" smtClean="0">
+              <a:rPr kumimoji="0" lang="en-US" b="0" i="0" u="none" strike="noStrike" cap="none" normalizeH="0" baseline="0" dirty="0">
                 <a:ln>
                   <a:noFill/>
                 </a:ln>
@@ -7806,7 +7701,7 @@
               <a:t> /home/</a:t>
             </a:r>
             <a:r>
-              <a:rPr kumimoji="0" lang="en-US" b="0" i="0" u="none" strike="noStrike" cap="none" normalizeH="0" baseline="0" dirty="0" err="1" smtClean="0">
+              <a:rPr kumimoji="0" lang="en-US" b="0" i="0" u="none" strike="noStrike" cap="none" normalizeH="0" baseline="0" dirty="0" err="1">
                 <a:ln>
                   <a:noFill/>
                 </a:ln>
@@ -7819,7 +7714,7 @@
               <a:t>kt</a:t>
             </a:r>
             <a:r>
-              <a:rPr kumimoji="0" lang="en-US" b="0" i="0" u="none" strike="noStrike" cap="none" normalizeH="0" baseline="0" dirty="0" smtClean="0">
+              <a:rPr kumimoji="0" lang="en-US" b="0" i="0" u="none" strike="noStrike" cap="none" normalizeH="0" baseline="0" dirty="0">
                 <a:ln>
                   <a:noFill/>
                 </a:ln>
@@ -7872,7 +7767,7 @@
               <a:tabLst/>
             </a:pPr>
             <a:r>
-              <a:rPr kumimoji="0" lang="en-US" b="0" i="0" u="none" strike="noStrike" cap="none" normalizeH="0" baseline="0" dirty="0" smtClean="0">
+              <a:rPr kumimoji="0" lang="en-US" b="0" i="0" u="none" strike="noStrike" cap="none" normalizeH="0" baseline="0" dirty="0">
                 <a:ln>
                   <a:noFill/>
                 </a:ln>
@@ -7885,7 +7780,7 @@
               <a:t>$cd /home/</a:t>
             </a:r>
             <a:r>
-              <a:rPr kumimoji="0" lang="en-US" b="0" i="0" u="none" strike="noStrike" cap="none" normalizeH="0" baseline="0" dirty="0" err="1" smtClean="0">
+              <a:rPr kumimoji="0" lang="en-US" b="0" i="0" u="none" strike="noStrike" cap="none" normalizeH="0" baseline="0" dirty="0" err="1">
                 <a:ln>
                   <a:noFill/>
                 </a:ln>
@@ -7898,7 +7793,7 @@
               <a:t>kt</a:t>
             </a:r>
             <a:r>
-              <a:rPr kumimoji="0" lang="en-US" b="0" i="0" u="none" strike="noStrike" cap="none" normalizeH="0" baseline="0" dirty="0" smtClean="0">
+              <a:rPr kumimoji="0" lang="en-US" b="0" i="0" u="none" strike="noStrike" cap="none" normalizeH="0" baseline="0" dirty="0">
                 <a:ln>
                   <a:noFill/>
                 </a:ln>
@@ -7911,7 +7806,7 @@
               <a:t>/</a:t>
             </a:r>
             <a:r>
-              <a:rPr kumimoji="0" lang="en-US" b="0" i="0" u="none" strike="noStrike" cap="none" normalizeH="0" baseline="0" dirty="0" err="1" smtClean="0">
+              <a:rPr kumimoji="0" lang="en-US" b="0" i="0" u="none" strike="noStrike" cap="none" normalizeH="0" baseline="0" dirty="0" err="1">
                 <a:ln>
                   <a:noFill/>
                 </a:ln>
@@ -7924,7 +7819,7 @@
               <a:t>abc</a:t>
             </a:r>
             <a:r>
-              <a:rPr kumimoji="0" lang="en-US" b="0" i="0" u="none" strike="noStrike" cap="none" normalizeH="0" baseline="0" dirty="0" smtClean="0">
+              <a:rPr kumimoji="0" lang="en-US" b="0" i="0" u="none" strike="noStrike" cap="none" normalizeH="0" baseline="0" dirty="0">
                 <a:ln>
                   <a:noFill/>
                 </a:ln>
@@ -7954,7 +7849,7 @@
               <a:tabLst/>
             </a:pPr>
             <a:r>
-              <a:rPr kumimoji="0" lang="en-US" b="0" i="0" u="none" strike="noStrike" cap="none" normalizeH="0" baseline="0" dirty="0" smtClean="0">
+              <a:rPr kumimoji="0" lang="en-US" b="0" i="0" u="none" strike="noStrike" cap="none" normalizeH="0" baseline="0" dirty="0">
                 <a:ln>
                   <a:noFill/>
                 </a:ln>
@@ -7967,7 +7862,7 @@
               <a:t>$</a:t>
             </a:r>
             <a:r>
-              <a:rPr kumimoji="0" lang="en-US" b="0" i="0" u="none" strike="noStrike" cap="none" normalizeH="0" baseline="0" dirty="0" err="1" smtClean="0">
+              <a:rPr kumimoji="0" lang="en-US" b="0" i="0" u="none" strike="noStrike" cap="none" normalizeH="0" baseline="0" dirty="0" err="1">
                 <a:ln>
                   <a:noFill/>
                 </a:ln>
@@ -7980,7 +7875,7 @@
               <a:t>pwd</a:t>
             </a:r>
             <a:r>
-              <a:rPr kumimoji="0" lang="en-US" b="0" i="0" u="none" strike="noStrike" cap="none" normalizeH="0" baseline="0" dirty="0" smtClean="0">
+              <a:rPr kumimoji="0" lang="en-US" b="0" i="0" u="none" strike="noStrike" cap="none" normalizeH="0" baseline="0" dirty="0">
                 <a:ln>
                   <a:noFill/>
                 </a:ln>
@@ -7993,7 +7888,7 @@
               <a:t> /home/</a:t>
             </a:r>
             <a:r>
-              <a:rPr kumimoji="0" lang="en-US" b="0" i="0" u="none" strike="noStrike" cap="none" normalizeH="0" baseline="0" dirty="0" err="1" smtClean="0">
+              <a:rPr kumimoji="0" lang="en-US" b="0" i="0" u="none" strike="noStrike" cap="none" normalizeH="0" baseline="0" dirty="0" err="1">
                 <a:ln>
                   <a:noFill/>
                 </a:ln>
@@ -8006,7 +7901,7 @@
               <a:t>kt</a:t>
             </a:r>
             <a:r>
-              <a:rPr kumimoji="0" lang="en-US" b="0" i="0" u="none" strike="noStrike" cap="none" normalizeH="0" baseline="0" dirty="0" smtClean="0">
+              <a:rPr kumimoji="0" lang="en-US" b="0" i="0" u="none" strike="noStrike" cap="none" normalizeH="0" baseline="0" dirty="0">
                 <a:ln>
                   <a:noFill/>
                 </a:ln>
@@ -8019,7 +7914,7 @@
               <a:t>/</a:t>
             </a:r>
             <a:r>
-              <a:rPr kumimoji="0" lang="en-US" b="0" i="0" u="none" strike="noStrike" cap="none" normalizeH="0" baseline="0" dirty="0" err="1" smtClean="0">
+              <a:rPr kumimoji="0" lang="en-US" b="0" i="0" u="none" strike="noStrike" cap="none" normalizeH="0" baseline="0" dirty="0" err="1">
                 <a:ln>
                   <a:noFill/>
                 </a:ln>
@@ -8031,7 +7926,7 @@
               </a:rPr>
               <a:t>abc</a:t>
             </a:r>
-            <a:endParaRPr kumimoji="0" lang="en-US" b="0" i="0" u="none" strike="noStrike" cap="none" normalizeH="0" baseline="0" dirty="0" smtClean="0">
+            <a:endParaRPr kumimoji="0" lang="en-US" b="0" i="0" u="none" strike="noStrike" cap="none" normalizeH="0" baseline="0" dirty="0">
               <a:ln>
                 <a:noFill/>
               </a:ln>
@@ -8059,7 +7954,7 @@
               <a:buNone/>
               <a:tabLst/>
             </a:pPr>
-            <a:endParaRPr kumimoji="0" lang="en-US" sz="1800" b="0" i="0" u="none" strike="noStrike" cap="none" normalizeH="0" baseline="0" dirty="0" smtClean="0">
+            <a:endParaRPr kumimoji="0" lang="en-US" sz="1800" b="0" i="0" u="none" strike="noStrike" cap="none" normalizeH="0" baseline="0" dirty="0">
               <a:ln>
                 <a:noFill/>
               </a:ln>
@@ -8118,10 +8013,9 @@
           <a:lstStyle/>
           <a:p>
             <a:r>
-              <a:rPr lang="en-US" dirty="0" smtClean="0"/>
+              <a:rPr lang="en-US" dirty="0"/>
               <a:t>What is Unix ?</a:t>
             </a:r>
-            <a:endParaRPr lang="en-US" dirty="0"/>
           </a:p>
         </p:txBody>
       </p:sp>
@@ -8143,12 +8037,8 @@
           <a:lstStyle/>
           <a:p>
             <a:r>
-              <a:rPr lang="en-US" dirty="0" smtClean="0"/>
-              <a:t>The </a:t>
-            </a:r>
-            <a:r>
-              <a:rPr lang="en-US" dirty="0"/>
-              <a:t>Unix operating system is a set of programs that act as a link between the computer and the user.</a:t>
+              <a:rPr lang="en-US" dirty="0"/>
+              <a:t>The Unix operating system is a set of programs that act as a link between the computer and the user.</a:t>
             </a:r>
           </a:p>
           <a:p>
@@ -8224,6 +8114,11 @@
   <p:clrMapOvr>
     <a:masterClrMapping/>
   </p:clrMapOvr>
+  <p:extLst>
+    <p:ext uri="{6950BFC3-D8DA-4A85-94F7-54DA5524770B}">
+      <p188:commentRel xmlns:p188="http://schemas.microsoft.com/office/powerpoint/2018/8/main" r:id="rId2"/>
+    </p:ext>
+  </p:extLst>
 </p:sld>
 </file>
 
@@ -8260,10 +8155,9 @@
           <a:lstStyle/>
           <a:p>
             <a:r>
-              <a:rPr lang="en-US" dirty="0" smtClean="0"/>
+              <a:rPr lang="en-US" dirty="0"/>
               <a:t>What is Unix ?</a:t>
             </a:r>
-            <a:endParaRPr lang="en-US" dirty="0"/>
           </a:p>
         </p:txBody>
       </p:sp>
@@ -8285,12 +8179,8 @@
           <a:lstStyle/>
           <a:p>
             <a:r>
-              <a:rPr lang="en-US" dirty="0" smtClean="0"/>
-              <a:t>There </a:t>
-            </a:r>
-            <a:r>
-              <a:rPr lang="en-US" dirty="0"/>
-              <a:t>are various Unix variants available in the market. Solaris Unix, AIX, HP Unix and BSD are a few examples. Linux is also a flavor of Unix which is freely available.</a:t>
+              <a:rPr lang="en-US" dirty="0"/>
+              <a:t>There are various Unix variants available in the market. Solaris Unix, AIX, HP Unix and BSD are a few examples. Linux is also a flavor of Unix which is freely available.</a:t>
             </a:r>
           </a:p>
           <a:p>
@@ -8356,10 +8246,9 @@
           <a:lstStyle/>
           <a:p>
             <a:r>
-              <a:rPr lang="en-US" dirty="0" smtClean="0"/>
+              <a:rPr lang="en-US" dirty="0"/>
               <a:t>Unix Architecture</a:t>
             </a:r>
-            <a:endParaRPr lang="en-US" dirty="0"/>
           </a:p>
         </p:txBody>
       </p:sp>
@@ -8381,12 +8270,8 @@
           <a:lstStyle/>
           <a:p>
             <a:r>
-              <a:rPr lang="en-US" dirty="0" smtClean="0"/>
-              <a:t>Here </a:t>
-            </a:r>
-            <a:r>
-              <a:rPr lang="en-US" dirty="0"/>
-              <a:t>is a basic block diagram of a Unix system −</a:t>
+              <a:rPr lang="en-US" dirty="0"/>
+              <a:t>Here is a basic block diagram of a Unix system −</a:t>
             </a:r>
           </a:p>
           <a:p>
@@ -8403,7 +8288,7 @@
           <p:nvPr/>
         </p:nvPicPr>
         <p:blipFill>
-          <a:blip r:embed="rId2">
+          <a:blip r:embed="rId3">
             <a:extLst>
               <a:ext uri="{28A0092B-C50C-407E-A947-70E740481C1C}">
                 <a14:useLocalDpi xmlns:a14="http://schemas.microsoft.com/office/drawing/2010/main" val="0"/>
@@ -8444,7 +8329,7 @@
           <p:nvPr/>
         </p:nvPicPr>
         <p:blipFill>
-          <a:blip r:embed="rId3">
+          <a:blip r:embed="rId4">
             <a:extLst>
               <a:ext uri="{28A0092B-C50C-407E-A947-70E740481C1C}">
                 <a14:useLocalDpi xmlns:a14="http://schemas.microsoft.com/office/drawing/2010/main" val="0"/>
@@ -8486,6 +8371,11 @@
   <p:clrMapOvr>
     <a:masterClrMapping/>
   </p:clrMapOvr>
+  <p:extLst>
+    <p:ext uri="{6950BFC3-D8DA-4A85-94F7-54DA5524770B}">
+      <p188:commentRel xmlns:p188="http://schemas.microsoft.com/office/powerpoint/2018/8/main" r:id="rId2"/>
+    </p:ext>
+  </p:extLst>
 </p:sld>
 </file>
 
@@ -8522,7 +8412,7 @@
           <a:lstStyle/>
           <a:p>
             <a:r>
-              <a:rPr lang="en-US" dirty="0" smtClean="0"/>
+              <a:rPr lang="en-US" dirty="0"/>
               <a:t>Unix Architecture</a:t>
             </a:r>
             <a:endParaRPr lang="en-IN" dirty="0"/>
@@ -8550,72 +8440,36 @@
               <a:rPr lang="en-US" dirty="0"/>
               <a:t>The architecture of this operating system is four layered. </a:t>
             </a:r>
-            <a:endParaRPr lang="en-US" dirty="0" smtClean="0"/>
-          </a:p>
-          <a:p>
-            <a:r>
-              <a:rPr lang="en-US" dirty="0" smtClean="0"/>
-              <a:t>It </a:t>
-            </a:r>
-            <a:r>
-              <a:rPr lang="en-US" dirty="0"/>
-              <a:t>consists of Hardware, Kernel, System Call interface(shell) and application libraries/tools, utilities, etc</a:t>
-            </a:r>
-            <a:r>
-              <a:rPr lang="en-US" dirty="0" smtClean="0"/>
-              <a:t>…</a:t>
-            </a:r>
-          </a:p>
-          <a:p>
-            <a:r>
-              <a:rPr lang="en-US" dirty="0" smtClean="0"/>
-              <a:t>The </a:t>
-            </a:r>
-            <a:r>
-              <a:rPr lang="en-US" dirty="0"/>
-              <a:t>kernel controls the hardware of the computer and resides at the core of the architecture</a:t>
-            </a:r>
-            <a:r>
-              <a:rPr lang="en-US" dirty="0" smtClean="0"/>
-              <a:t>.</a:t>
-            </a:r>
-          </a:p>
-          <a:p>
-            <a:r>
-              <a:rPr lang="en-US" dirty="0" smtClean="0"/>
-              <a:t> </a:t>
-            </a:r>
-            <a:r>
-              <a:rPr lang="en-US" dirty="0"/>
-              <a:t>System calls acts as the interface between the kernel and other libraries. </a:t>
-            </a:r>
-            <a:endParaRPr lang="en-US" dirty="0" smtClean="0"/>
-          </a:p>
-          <a:p>
-            <a:r>
-              <a:rPr lang="en-US" dirty="0" smtClean="0"/>
-              <a:t>These </a:t>
-            </a:r>
-            <a:r>
-              <a:rPr lang="en-US" dirty="0"/>
-              <a:t>libraries include general functions and built on top of the system calls. </a:t>
-            </a:r>
-            <a:endParaRPr lang="en-US" dirty="0" smtClean="0"/>
-          </a:p>
-          <a:p>
-            <a:r>
-              <a:rPr lang="en-US" dirty="0" smtClean="0"/>
-              <a:t>Shell </a:t>
-            </a:r>
-            <a:r>
-              <a:rPr lang="en-US" dirty="0"/>
-              <a:t>is a special application that provides an interface to the other applications of the architecture.</a:t>
-            </a:r>
-            <a:r>
-              <a:rPr lang="en-US" dirty="0" smtClean="0"/>
-              <a:t>.</a:t>
-            </a:r>
-            <a:endParaRPr lang="en-US" dirty="0"/>
+          </a:p>
+          <a:p>
+            <a:r>
+              <a:rPr lang="en-US" dirty="0"/>
+              <a:t>It consists of Hardware, Kernel, System Call interface(shell) and application libraries/tools, utilities, etc…</a:t>
+            </a:r>
+          </a:p>
+          <a:p>
+            <a:r>
+              <a:rPr lang="en-US" dirty="0"/>
+              <a:t>The kernel controls the hardware of the computer and resides at the core of the architecture.</a:t>
+            </a:r>
+          </a:p>
+          <a:p>
+            <a:r>
+              <a:rPr lang="en-US" dirty="0"/>
+              <a:t> System calls acts as the interface between the kernel and other libraries. </a:t>
+            </a:r>
+          </a:p>
+          <a:p>
+            <a:r>
+              <a:rPr lang="en-US" dirty="0"/>
+              <a:t>These libraries include general functions and built on top of the system calls. </a:t>
+            </a:r>
+          </a:p>
+          <a:p>
+            <a:r>
+              <a:rPr lang="en-US" dirty="0"/>
+              <a:t>Shell is a special application that provides an interface to the other applications of the architecture..</a:t>
+            </a:r>
           </a:p>
           <a:p>
             <a:endParaRPr lang="en-US" dirty="0"/>
@@ -8668,7 +8522,7 @@
           <a:lstStyle/>
           <a:p>
             <a:r>
-              <a:rPr lang="en-US" dirty="0" smtClean="0"/>
+              <a:rPr lang="en-US" dirty="0"/>
               <a:t>Unix Architecture</a:t>
             </a:r>
             <a:endParaRPr lang="en-IN" dirty="0"/>
@@ -8699,30 +8553,18 @@
           </a:p>
           <a:p>
             <a:r>
-              <a:rPr lang="en-US" b="1" dirty="0" smtClean="0"/>
+              <a:rPr lang="en-US" b="1" dirty="0"/>
               <a:t>1. Kernel</a:t>
             </a:r>
             <a:r>
               <a:rPr lang="en-US" dirty="0"/>
-              <a:t> − The kernel is the heart of the operating system</a:t>
-            </a:r>
-            <a:r>
-              <a:rPr lang="en-US" dirty="0" smtClean="0"/>
-              <a:t>.</a:t>
-            </a:r>
-          </a:p>
-          <a:p>
-            <a:r>
-              <a:rPr lang="en-US" dirty="0" smtClean="0"/>
-              <a:t> </a:t>
-            </a:r>
-            <a:r>
-              <a:rPr lang="en-US" dirty="0"/>
-              <a:t>It interacts with the hardware and most of the tasks like memory management, task scheduling and file management</a:t>
-            </a:r>
-            <a:r>
-              <a:rPr lang="en-US" dirty="0" smtClean="0"/>
-              <a:t>.</a:t>
+              <a:t> − The kernel is the heart of the operating system.</a:t>
+            </a:r>
+          </a:p>
+          <a:p>
+            <a:r>
+              <a:rPr lang="en-US" dirty="0"/>
+              <a:t> It interacts with the hardware and most of the tasks like memory management, task scheduling and file management.</a:t>
             </a:r>
           </a:p>
           <a:p>
@@ -8823,7 +8665,7 @@
           <a:lstStyle/>
           <a:p>
             <a:r>
-              <a:rPr lang="en-US" dirty="0" smtClean="0"/>
+              <a:rPr lang="en-US" dirty="0"/>
               <a:t>Unix Architecture</a:t>
             </a:r>
             <a:endParaRPr lang="en-IN" dirty="0"/>
@@ -8853,14 +8695,13 @@
           <a:lstStyle/>
           <a:p>
             <a:r>
-              <a:rPr lang="en-US" sz="4000" b="1" dirty="0" smtClean="0"/>
+              <a:rPr lang="en-US" sz="4000" b="1" dirty="0"/>
               <a:t>2. Shell</a:t>
             </a:r>
             <a:r>
               <a:rPr lang="en-US" sz="4000" dirty="0"/>
               <a:t> − </a:t>
             </a:r>
-            <a:endParaRPr lang="en-US" sz="4000" dirty="0" smtClean="0"/>
           </a:p>
           <a:p>
             <a:r>
@@ -8884,14 +8725,9 @@
               </a:spcBef>
             </a:pPr>
             <a:r>
-              <a:rPr lang="en-US" sz="3400" dirty="0" smtClean="0"/>
-              <a:t>Shell </a:t>
-            </a:r>
-            <a:r>
               <a:rPr lang="en-US" sz="3400" dirty="0"/>
-              <a:t>has two main responsibilities which include interpreting the commands given by the users and execute them using the kernel, providing programming ability to the users to write shell commands for a shell script to perform specific tasks.</a:t>
-            </a:r>
-            <a:endParaRPr lang="en-US" sz="3400" dirty="0" smtClean="0"/>
+              <a:t>Shell has two main responsibilities which include interpreting the commands given by the users and execute them using the kernel, providing programming ability to the users to write shell commands for a shell script to perform specific tasks.</a:t>
+            </a:r>
           </a:p>
           <a:p>
             <a:pPr>
@@ -8903,14 +8739,9 @@
               </a:spcBef>
             </a:pPr>
             <a:r>
-              <a:rPr lang="en-US" sz="3400" dirty="0" smtClean="0"/>
-              <a:t>The </a:t>
-            </a:r>
-            <a:r>
               <a:rPr lang="en-US" sz="3400" dirty="0"/>
-              <a:t>shell is the utility that processes your requests. </a:t>
-            </a:r>
-            <a:endParaRPr lang="en-US" sz="3400" dirty="0" smtClean="0"/>
+              <a:t>The shell is the utility that processes your requests. </a:t>
+            </a:r>
           </a:p>
           <a:p>
             <a:pPr>
@@ -8922,14 +8753,9 @@
               </a:spcBef>
             </a:pPr>
             <a:r>
-              <a:rPr lang="en-US" sz="3400" dirty="0" smtClean="0"/>
-              <a:t>When </a:t>
-            </a:r>
-            <a:r>
               <a:rPr lang="en-US" sz="3400" dirty="0"/>
-              <a:t>you type in a command at your terminal, the shell interprets the command and calls the program that you want. </a:t>
-            </a:r>
-            <a:endParaRPr lang="en-US" sz="3400" dirty="0" smtClean="0"/>
+              <a:t>When you type in a command at your terminal, the shell interprets the command and calls the program that you want. </a:t>
+            </a:r>
           </a:p>
           <a:p>
             <a:pPr>
@@ -8941,12 +8767,8 @@
               </a:spcBef>
             </a:pPr>
             <a:r>
-              <a:rPr lang="en-US" sz="3400" dirty="0" smtClean="0"/>
-              <a:t>The </a:t>
-            </a:r>
-            <a:r>
               <a:rPr lang="en-US" sz="3400" dirty="0"/>
-              <a:t>shell uses standard syntax for all commands. C Shell, Bourne Shell and </a:t>
+              <a:t>The shell uses standard syntax for all commands. C Shell, Bourne Shell and </a:t>
             </a:r>
             <a:r>
               <a:rPr lang="en-US" sz="3400" dirty="0" err="1"/>
@@ -8954,13 +8776,8 @@
             </a:r>
             <a:r>
               <a:rPr lang="en-US" sz="3400" dirty="0"/>
-              <a:t> Shell are the most famous shells which are available with most of the Unix variants</a:t>
-            </a:r>
-            <a:r>
-              <a:rPr lang="en-US" sz="3400" dirty="0" smtClean="0"/>
-              <a:t>.</a:t>
-            </a:r>
-            <a:endParaRPr lang="en-US" sz="3400" dirty="0"/>
+              <a:t> Shell are the most famous shells which are available with most of the Unix variants.</a:t>
+            </a:r>
           </a:p>
         </p:txBody>
       </p:sp>
@@ -9010,7 +8827,7 @@
           <a:lstStyle/>
           <a:p>
             <a:r>
-              <a:rPr lang="en-US" dirty="0" smtClean="0"/>
+              <a:rPr lang="en-US" dirty="0"/>
               <a:t>Unix Architecture</a:t>
             </a:r>
             <a:endParaRPr lang="en-IN" dirty="0"/>
@@ -9035,33 +8852,23 @@
           <a:lstStyle/>
           <a:p>
             <a:r>
-              <a:rPr lang="en-US" b="1" dirty="0" smtClean="0"/>
-              <a:t>3. Commands </a:t>
-            </a:r>
-            <a:r>
               <a:rPr lang="en-US" b="1" dirty="0"/>
-              <a:t>and Utilities</a:t>
+              <a:t>3. Commands and Utilities</a:t>
             </a:r>
             <a:r>
               <a:rPr lang="en-US" dirty="0"/>
               <a:t> − </a:t>
             </a:r>
-            <a:endParaRPr lang="en-US" dirty="0" smtClean="0"/>
-          </a:p>
-          <a:p>
-            <a:r>
-              <a:rPr lang="en-US" dirty="0" smtClean="0"/>
-              <a:t>There </a:t>
-            </a:r>
-            <a:r>
-              <a:rPr lang="en-US" dirty="0"/>
-              <a:t>are various commands and utilities which you can make use of in your day to day activities. </a:t>
-            </a:r>
-            <a:endParaRPr lang="en-US" dirty="0" smtClean="0"/>
-          </a:p>
-          <a:p>
-            <a:r>
-              <a:rPr lang="en-US" b="1" dirty="0" err="1" smtClean="0"/>
+          </a:p>
+          <a:p>
+            <a:r>
+              <a:rPr lang="en-US" dirty="0"/>
+              <a:t>There are various commands and utilities which you can make use of in your day to day activities. </a:t>
+            </a:r>
+          </a:p>
+          <a:p>
+            <a:r>
+              <a:rPr lang="en-US" b="1" dirty="0" err="1"/>
               <a:t>cp</a:t>
             </a:r>
             <a:r>
@@ -9092,16 +8899,11 @@
               <a:rPr lang="en-US" dirty="0"/>
               <a:t>, etc. are few examples of commands and utilities. </a:t>
             </a:r>
-            <a:endParaRPr lang="en-US" dirty="0" smtClean="0"/>
-          </a:p>
-          <a:p>
-            <a:r>
-              <a:rPr lang="en-US" dirty="0" smtClean="0"/>
-              <a:t>There </a:t>
-            </a:r>
-            <a:r>
-              <a:rPr lang="en-US" dirty="0"/>
-              <a:t>are over 250 standard commands plus numerous others provided through 3</a:t>
+          </a:p>
+          <a:p>
+            <a:r>
+              <a:rPr lang="en-US" dirty="0"/>
+              <a:t>There are over 250 standard commands plus numerous others provided through 3</a:t>
             </a:r>
             <a:r>
               <a:rPr lang="en-US" baseline="30000" dirty="0"/>
@@ -9111,26 +8913,17 @@
               <a:rPr lang="en-US" dirty="0"/>
               <a:t> party software. </a:t>
             </a:r>
-            <a:endParaRPr lang="en-US" dirty="0" smtClean="0"/>
-          </a:p>
-          <a:p>
-            <a:r>
-              <a:rPr lang="en-US" dirty="0" smtClean="0"/>
-              <a:t>All </a:t>
-            </a:r>
-            <a:r>
-              <a:rPr lang="en-US" dirty="0"/>
-              <a:t>the commands come along with various options.</a:t>
-            </a:r>
-          </a:p>
-          <a:p>
-            <a:r>
-              <a:rPr lang="en-US" b="1" dirty="0" smtClean="0"/>
-              <a:t>4. Files </a:t>
-            </a:r>
+          </a:p>
+          <a:p>
+            <a:r>
+              <a:rPr lang="en-US" dirty="0"/>
+              <a:t>All the commands come along with various options.</a:t>
+            </a:r>
+          </a:p>
+          <a:p>
             <a:r>
               <a:rPr lang="en-US" b="1" dirty="0"/>
-              <a:t>and Directories</a:t>
+              <a:t>4. Files and Directories</a:t>
             </a:r>
             <a:r>
               <a:rPr lang="en-US" dirty="0"/>

--- a/Linux and Unix/Unit 2.pptx
+++ b/Linux and Unix/Unit 2.pptx
@@ -1,37 +1,37 @@
 
 <file path=ppt/presentation.xml><?xml version="1.0" encoding="utf-8"?>
-<p:presentation xmlns:a="http://schemas.openxmlformats.org/drawingml/2006/main" xmlns:r="http://schemas.openxmlformats.org/officeDocument/2006/relationships" xmlns:p="http://schemas.openxmlformats.org/presentationml/2006/main" saveSubsetFonts="1">
+<p:presentation xmlns:a="http://schemas.openxmlformats.org/drawingml/2006/main" xmlns:r="http://schemas.openxmlformats.org/officeDocument/2006/relationships" xmlns:p="http://schemas.openxmlformats.org/presentationml/2006/main">
   <p:sldMasterIdLst>
     <p:sldMasterId id="2147483648" r:id="rId1"/>
   </p:sldMasterIdLst>
   <p:sldIdLst>
-    <p:sldId id="257" r:id="rId2"/>
-    <p:sldId id="258" r:id="rId3"/>
-    <p:sldId id="256" r:id="rId4"/>
-    <p:sldId id="276" r:id="rId5"/>
-    <p:sldId id="259" r:id="rId6"/>
-    <p:sldId id="260" r:id="rId7"/>
-    <p:sldId id="263" r:id="rId8"/>
-    <p:sldId id="261" r:id="rId9"/>
-    <p:sldId id="262" r:id="rId10"/>
-    <p:sldId id="264" r:id="rId11"/>
-    <p:sldId id="265" r:id="rId12"/>
-    <p:sldId id="266" r:id="rId13"/>
-    <p:sldId id="267" r:id="rId14"/>
-    <p:sldId id="268" r:id="rId15"/>
-    <p:sldId id="269" r:id="rId16"/>
-    <p:sldId id="270" r:id="rId17"/>
-    <p:sldId id="271" r:id="rId18"/>
-    <p:sldId id="272" r:id="rId19"/>
-    <p:sldId id="273" r:id="rId20"/>
-    <p:sldId id="274" r:id="rId21"/>
-    <p:sldId id="275" r:id="rId22"/>
-    <p:sldId id="277" r:id="rId23"/>
-    <p:sldId id="279" r:id="rId24"/>
-    <p:sldId id="280" r:id="rId25"/>
-    <p:sldId id="281" r:id="rId26"/>
-    <p:sldId id="282" r:id="rId27"/>
-    <p:sldId id="283" r:id="rId28"/>
+    <p:sldId id="257" r:id="rId3"/>
+    <p:sldId id="258" r:id="rId4"/>
+    <p:sldId id="256" r:id="rId5"/>
+    <p:sldId id="276" r:id="rId6"/>
+    <p:sldId id="259" r:id="rId7"/>
+    <p:sldId id="260" r:id="rId8"/>
+    <p:sldId id="263" r:id="rId9"/>
+    <p:sldId id="261" r:id="rId10"/>
+    <p:sldId id="262" r:id="rId11"/>
+    <p:sldId id="264" r:id="rId12"/>
+    <p:sldId id="265" r:id="rId13"/>
+    <p:sldId id="266" r:id="rId14"/>
+    <p:sldId id="267" r:id="rId15"/>
+    <p:sldId id="268" r:id="rId16"/>
+    <p:sldId id="269" r:id="rId17"/>
+    <p:sldId id="270" r:id="rId18"/>
+    <p:sldId id="271" r:id="rId19"/>
+    <p:sldId id="272" r:id="rId20"/>
+    <p:sldId id="273" r:id="rId21"/>
+    <p:sldId id="274" r:id="rId22"/>
+    <p:sldId id="275" r:id="rId23"/>
+    <p:sldId id="277" r:id="rId24"/>
+    <p:sldId id="279" r:id="rId25"/>
+    <p:sldId id="280" r:id="rId26"/>
+    <p:sldId id="281" r:id="rId27"/>
+    <p:sldId id="282" r:id="rId28"/>
+    <p:sldId id="283" r:id="rId29"/>
   </p:sldIdLst>
   <p:sldSz cx="12192000" cy="6858000"/>
   <p:notesSz cx="6858000" cy="9144000"/>
@@ -130,155 +130,7 @@
       </a:defRPr>
     </a:lvl9pPr>
   </p:defaultTextStyle>
-  <p:extLst>
-    <p:ext uri="{EFAFB233-063F-42B5-8137-9DF3F51BA10A}">
-      <p15:sldGuideLst xmlns:p15="http://schemas.microsoft.com/office/powerpoint/2012/main">
-        <p15:guide id="1" orient="horz" pos="2160" userDrawn="1">
-          <p15:clr>
-            <a:srgbClr val="A4A3A4"/>
-          </p15:clr>
-        </p15:guide>
-        <p15:guide id="2" pos="3840" userDrawn="1">
-          <p15:clr>
-            <a:srgbClr val="A4A3A4"/>
-          </p15:clr>
-        </p15:guide>
-      </p15:sldGuideLst>
-    </p:ext>
-  </p:extLst>
 </p:presentation>
-</file>
-
-<file path=ppt/authors.xml><?xml version="1.0" encoding="utf-8"?>
-<p188:authorLst xmlns:a="http://schemas.openxmlformats.org/drawingml/2006/main" xmlns:r="http://schemas.openxmlformats.org/officeDocument/2006/relationships" xmlns:p188="http://schemas.microsoft.com/office/powerpoint/2018/8/main">
-  <p188:author id="{F546BDE5-950C-766E-D6A1-E8BE00F2FC6A}" name="ATHARVA SHAH  (Student)" initials="AS(" userId="S::atharva.shah@deccansociety.org::dbbf3d5e-927d-4e7c-a34d-ba6a8ff022a5" providerId="AD"/>
-</p188:authorLst>
-</file>
-
-<file path=ppt/comments/modernComment_100_7CF9ADDC.xml><?xml version="1.0" encoding="utf-8"?>
-<p188:cmLst xmlns:a="http://schemas.openxmlformats.org/drawingml/2006/main" xmlns:r="http://schemas.openxmlformats.org/officeDocument/2006/relationships" xmlns:p188="http://schemas.microsoft.com/office/powerpoint/2018/8/main">
-  <p188:cm id="{8BEC0D1F-B022-409F-87D2-693B549EFF52}" authorId="{F546BDE5-950C-766E-D6A1-E8BE00F2FC6A}" created="2023-03-13T03:47:42.076">
-    <pc:sldMkLst xmlns:pc="http://schemas.microsoft.com/office/powerpoint/2013/main/command">
-      <pc:docMk/>
-      <pc:sldMk cId="2096737756" sldId="256"/>
-    </pc:sldMkLst>
-    <p188:txBody>
-      <a:bodyPr/>
-      <a:lstStyle/>
-      <a:p>
-        <a:r>
-          <a:rPr lang="en-US"/>
-          <a:t>Explain Unix History</a:t>
-        </a:r>
-      </a:p>
-    </p188:txBody>
-  </p188:cm>
-</p188:cmLst>
-</file>
-
-<file path=ppt/comments/modernComment_103_22989382.xml><?xml version="1.0" encoding="utf-8"?>
-<p188:cmLst xmlns:a="http://schemas.openxmlformats.org/drawingml/2006/main" xmlns:r="http://schemas.openxmlformats.org/officeDocument/2006/relationships" xmlns:p188="http://schemas.microsoft.com/office/powerpoint/2018/8/main">
-  <p188:cm id="{992A10F1-E79D-481B-95C1-8C7407F387CE}" authorId="{F546BDE5-950C-766E-D6A1-E8BE00F2FC6A}" created="2023-03-13T03:47:54.363">
-    <pc:sldMkLst xmlns:pc="http://schemas.microsoft.com/office/powerpoint/2013/main/command">
-      <pc:docMk/>
-      <pc:sldMk cId="580424578" sldId="259"/>
-    </pc:sldMkLst>
-    <p188:txBody>
-      <a:bodyPr/>
-      <a:lstStyle/>
-      <a:p>
-        <a:r>
-          <a:rPr lang="en-US"/>
-          <a:t>Unix Architechture</a:t>
-        </a:r>
-      </a:p>
-    </p188:txBody>
-  </p188:cm>
-</p188:cmLst>
-</file>
-
-<file path=ppt/comments/modernComment_10D_20460576.xml><?xml version="1.0" encoding="utf-8"?>
-<p188:cmLst xmlns:a="http://schemas.openxmlformats.org/drawingml/2006/main" xmlns:r="http://schemas.openxmlformats.org/officeDocument/2006/relationships" xmlns:p188="http://schemas.microsoft.com/office/powerpoint/2018/8/main">
-  <p188:cm id="{0F59FC21-2F41-4E58-9ACF-B947A6E5ABC3}" authorId="{F546BDE5-950C-766E-D6A1-E8BE00F2FC6A}" created="2023-03-13T03:48:22.900">
-    <pc:sldMkLst xmlns:pc="http://schemas.microsoft.com/office/powerpoint/2013/main/command">
-      <pc:docMk/>
-      <pc:sldMk cId="541459830" sldId="269"/>
-    </pc:sldMkLst>
-    <p188:txBody>
-      <a:bodyPr/>
-      <a:lstStyle/>
-      <a:p>
-        <a:r>
-          <a:rPr lang="en-US"/>
-          <a:t>Explain Kernel Data Structure</a:t>
-        </a:r>
-      </a:p>
-    </p188:txBody>
-  </p188:cm>
-</p188:cmLst>
-</file>
-
-<file path=ppt/comments/modernComment_10F_3E56B7F6.xml><?xml version="1.0" encoding="utf-8"?>
-<p188:cmLst xmlns:a="http://schemas.openxmlformats.org/drawingml/2006/main" xmlns:r="http://schemas.openxmlformats.org/officeDocument/2006/relationships" xmlns:p188="http://schemas.microsoft.com/office/powerpoint/2018/8/main">
-  <p188:cm id="{53BB33ED-85BE-4253-9D5D-485E07B1BE42}" authorId="{F546BDE5-950C-766E-D6A1-E8BE00F2FC6A}" created="2023-03-13T03:48:40.891">
-    <pc:sldMkLst xmlns:pc="http://schemas.microsoft.com/office/powerpoint/2013/main/command">
-      <pc:docMk/>
-      <pc:sldMk cId="1045870582" sldId="271"/>
-    </pc:sldMkLst>
-    <p188:txBody>
-      <a:bodyPr/>
-      <a:lstStyle/>
-      <a:p>
-        <a:r>
-          <a:rPr lang="en-US"/>
-          <a:t>Diagram for Kernel Data Structure</a:t>
-        </a:r>
-      </a:p>
-    </p188:txBody>
-  </p188:cm>
-</p188:cmLst>
-</file>
-
-<file path=ppt/comments/modernComment_113_EBE98743.xml><?xml version="1.0" encoding="utf-8"?>
-<p188:cmLst xmlns:a="http://schemas.openxmlformats.org/drawingml/2006/main" xmlns:r="http://schemas.openxmlformats.org/officeDocument/2006/relationships" xmlns:p188="http://schemas.microsoft.com/office/powerpoint/2018/8/main">
-  <p188:cm id="{2913F280-7F6C-4337-96FD-504291292800}" authorId="{F546BDE5-950C-766E-D6A1-E8BE00F2FC6A}" created="2023-03-13T03:50:03.687">
-    <pc:sldMkLst xmlns:pc="http://schemas.microsoft.com/office/powerpoint/2013/main/command">
-      <pc:docMk/>
-      <pc:sldMk cId="3957950275" sldId="275"/>
-    </pc:sldMkLst>
-    <p188:txBody>
-      <a:bodyPr/>
-      <a:lstStyle/>
-      <a:p>
-        <a:r>
-          <a:rPr lang="en-US"/>
-          <a:t>Note on System Administration</a:t>
-        </a:r>
-      </a:p>
-    </p188:txBody>
-  </p188:cm>
-</p188:cmLst>
-</file>
-
-<file path=ppt/comments/modernComment_115_50E4E202.xml><?xml version="1.0" encoding="utf-8"?>
-<p188:cmLst xmlns:a="http://schemas.openxmlformats.org/drawingml/2006/main" xmlns:r="http://schemas.openxmlformats.org/officeDocument/2006/relationships" xmlns:p188="http://schemas.microsoft.com/office/powerpoint/2018/8/main">
-  <p188:cm id="{7137C520-7D93-463B-9851-959FA9DC3545}" authorId="{F546BDE5-950C-766E-D6A1-E8BE00F2FC6A}" created="2023-03-13T03:50:13.847">
-    <pc:sldMkLst xmlns:pc="http://schemas.microsoft.com/office/powerpoint/2013/main/command">
-      <pc:docMk/>
-      <pc:sldMk cId="1357177346" sldId="277"/>
-    </pc:sldMkLst>
-    <p188:txBody>
-      <a:bodyPr/>
-      <a:lstStyle/>
-      <a:p>
-        <a:r>
-          <a:rPr lang="en-US"/>
-          <a:t>Absolute and Relative Path Short Note</a:t>
-        </a:r>
-      </a:p>
-    </p188:txBody>
-  </p188:cm>
-</p188:cmLst>
 </file>
 
 <file path=ppt/slideLayouts/slideLayout1.xml><?xml version="1.0" encoding="utf-8"?>
@@ -412,7 +264,6 @@
           <a:p>
             <a:fld id="{0E572796-7A1F-4CAA-907F-9BA8B32A572C}" type="datetimeFigureOut">
               <a:rPr lang="en-IN" smtClean="0"/>
-              <a:t>13-03-2023</a:t>
             </a:fld>
             <a:endParaRPr lang="en-IN"/>
           </a:p>
@@ -454,18 +305,12 @@
           <a:p>
             <a:fld id="{EA47FBA3-BC73-46AB-8EA9-E1599DA2A37D}" type="slidenum">
               <a:rPr lang="en-IN" smtClean="0"/>
-              <a:t>‹#›</a:t>
             </a:fld>
             <a:endParaRPr lang="en-IN"/>
           </a:p>
         </p:txBody>
       </p:sp>
     </p:spTree>
-    <p:extLst>
-      <p:ext uri="{BB962C8B-B14F-4D97-AF65-F5344CB8AC3E}">
-        <p14:creationId xmlns:p14="http://schemas.microsoft.com/office/powerpoint/2010/main" val="90314695"/>
-      </p:ext>
-    </p:extLst>
   </p:cSld>
   <p:clrMapOvr>
     <a:masterClrMapping/>
@@ -533,6 +378,7 @@
               <a:rPr lang="en-US"/>
               <a:t>Click to edit Master text styles</a:t>
             </a:r>
+            <a:endParaRPr lang="en-US"/>
           </a:p>
           <a:p>
             <a:pPr lvl="1"/>
@@ -540,6 +386,7 @@
               <a:rPr lang="en-US"/>
               <a:t>Second level</a:t>
             </a:r>
+            <a:endParaRPr lang="en-US"/>
           </a:p>
           <a:p>
             <a:pPr lvl="2"/>
@@ -547,6 +394,7 @@
               <a:rPr lang="en-US"/>
               <a:t>Third level</a:t>
             </a:r>
+            <a:endParaRPr lang="en-US"/>
           </a:p>
           <a:p>
             <a:pPr lvl="3"/>
@@ -554,6 +402,7 @@
               <a:rPr lang="en-US"/>
               <a:t>Fourth level</a:t>
             </a:r>
+            <a:endParaRPr lang="en-US"/>
           </a:p>
           <a:p>
             <a:pPr lvl="4"/>
@@ -582,7 +431,6 @@
           <a:p>
             <a:fld id="{0E572796-7A1F-4CAA-907F-9BA8B32A572C}" type="datetimeFigureOut">
               <a:rPr lang="en-IN" smtClean="0"/>
-              <a:t>13-03-2023</a:t>
             </a:fld>
             <a:endParaRPr lang="en-IN"/>
           </a:p>
@@ -624,18 +472,12 @@
           <a:p>
             <a:fld id="{EA47FBA3-BC73-46AB-8EA9-E1599DA2A37D}" type="slidenum">
               <a:rPr lang="en-IN" smtClean="0"/>
-              <a:t>‹#›</a:t>
             </a:fld>
             <a:endParaRPr lang="en-IN"/>
           </a:p>
         </p:txBody>
       </p:sp>
     </p:spTree>
-    <p:extLst>
-      <p:ext uri="{BB962C8B-B14F-4D97-AF65-F5344CB8AC3E}">
-        <p14:creationId xmlns:p14="http://schemas.microsoft.com/office/powerpoint/2010/main" val="118112001"/>
-      </p:ext>
-    </p:extLst>
   </p:cSld>
   <p:clrMapOvr>
     <a:masterClrMapping/>
@@ -713,6 +555,7 @@
               <a:rPr lang="en-US"/>
               <a:t>Click to edit Master text styles</a:t>
             </a:r>
+            <a:endParaRPr lang="en-US"/>
           </a:p>
           <a:p>
             <a:pPr lvl="1"/>
@@ -720,6 +563,7 @@
               <a:rPr lang="en-US"/>
               <a:t>Second level</a:t>
             </a:r>
+            <a:endParaRPr lang="en-US"/>
           </a:p>
           <a:p>
             <a:pPr lvl="2"/>
@@ -727,6 +571,7 @@
               <a:rPr lang="en-US"/>
               <a:t>Third level</a:t>
             </a:r>
+            <a:endParaRPr lang="en-US"/>
           </a:p>
           <a:p>
             <a:pPr lvl="3"/>
@@ -734,6 +579,7 @@
               <a:rPr lang="en-US"/>
               <a:t>Fourth level</a:t>
             </a:r>
+            <a:endParaRPr lang="en-US"/>
           </a:p>
           <a:p>
             <a:pPr lvl="4"/>
@@ -762,7 +608,6 @@
           <a:p>
             <a:fld id="{0E572796-7A1F-4CAA-907F-9BA8B32A572C}" type="datetimeFigureOut">
               <a:rPr lang="en-IN" smtClean="0"/>
-              <a:t>13-03-2023</a:t>
             </a:fld>
             <a:endParaRPr lang="en-IN"/>
           </a:p>
@@ -804,18 +649,12 @@
           <a:p>
             <a:fld id="{EA47FBA3-BC73-46AB-8EA9-E1599DA2A37D}" type="slidenum">
               <a:rPr lang="en-IN" smtClean="0"/>
-              <a:t>‹#›</a:t>
             </a:fld>
             <a:endParaRPr lang="en-IN"/>
           </a:p>
         </p:txBody>
       </p:sp>
     </p:spTree>
-    <p:extLst>
-      <p:ext uri="{BB962C8B-B14F-4D97-AF65-F5344CB8AC3E}">
-        <p14:creationId xmlns:p14="http://schemas.microsoft.com/office/powerpoint/2010/main" val="618961384"/>
-      </p:ext>
-    </p:extLst>
   </p:cSld>
   <p:clrMapOvr>
     <a:masterClrMapping/>
@@ -883,6 +722,7 @@
               <a:rPr lang="en-US"/>
               <a:t>Click to edit Master text styles</a:t>
             </a:r>
+            <a:endParaRPr lang="en-US"/>
           </a:p>
           <a:p>
             <a:pPr lvl="1"/>
@@ -890,6 +730,7 @@
               <a:rPr lang="en-US"/>
               <a:t>Second level</a:t>
             </a:r>
+            <a:endParaRPr lang="en-US"/>
           </a:p>
           <a:p>
             <a:pPr lvl="2"/>
@@ -897,6 +738,7 @@
               <a:rPr lang="en-US"/>
               <a:t>Third level</a:t>
             </a:r>
+            <a:endParaRPr lang="en-US"/>
           </a:p>
           <a:p>
             <a:pPr lvl="3"/>
@@ -904,6 +746,7 @@
               <a:rPr lang="en-US"/>
               <a:t>Fourth level</a:t>
             </a:r>
+            <a:endParaRPr lang="en-US"/>
           </a:p>
           <a:p>
             <a:pPr lvl="4"/>
@@ -932,7 +775,6 @@
           <a:p>
             <a:fld id="{0E572796-7A1F-4CAA-907F-9BA8B32A572C}" type="datetimeFigureOut">
               <a:rPr lang="en-IN" smtClean="0"/>
-              <a:t>13-03-2023</a:t>
             </a:fld>
             <a:endParaRPr lang="en-IN"/>
           </a:p>
@@ -974,18 +816,12 @@
           <a:p>
             <a:fld id="{EA47FBA3-BC73-46AB-8EA9-E1599DA2A37D}" type="slidenum">
               <a:rPr lang="en-IN" smtClean="0"/>
-              <a:t>‹#›</a:t>
             </a:fld>
             <a:endParaRPr lang="en-IN"/>
           </a:p>
         </p:txBody>
       </p:sp>
     </p:spTree>
-    <p:extLst>
-      <p:ext uri="{BB962C8B-B14F-4D97-AF65-F5344CB8AC3E}">
-        <p14:creationId xmlns:p14="http://schemas.microsoft.com/office/powerpoint/2010/main" val="1432167905"/>
-      </p:ext>
-    </p:extLst>
   </p:cSld>
   <p:clrMapOvr>
     <a:masterClrMapping/>
@@ -1158,6 +994,7 @@
               <a:rPr lang="en-US"/>
               <a:t>Click to edit Master text styles</a:t>
             </a:r>
+            <a:endParaRPr lang="en-US"/>
           </a:p>
         </p:txBody>
       </p:sp>
@@ -1178,7 +1015,6 @@
           <a:p>
             <a:fld id="{0E572796-7A1F-4CAA-907F-9BA8B32A572C}" type="datetimeFigureOut">
               <a:rPr lang="en-IN" smtClean="0"/>
-              <a:t>13-03-2023</a:t>
             </a:fld>
             <a:endParaRPr lang="en-IN"/>
           </a:p>
@@ -1220,18 +1056,12 @@
           <a:p>
             <a:fld id="{EA47FBA3-BC73-46AB-8EA9-E1599DA2A37D}" type="slidenum">
               <a:rPr lang="en-IN" smtClean="0"/>
-              <a:t>‹#›</a:t>
             </a:fld>
             <a:endParaRPr lang="en-IN"/>
           </a:p>
         </p:txBody>
       </p:sp>
     </p:spTree>
-    <p:extLst>
-      <p:ext uri="{BB962C8B-B14F-4D97-AF65-F5344CB8AC3E}">
-        <p14:creationId xmlns:p14="http://schemas.microsoft.com/office/powerpoint/2010/main" val="3723044673"/>
-      </p:ext>
-    </p:extLst>
   </p:cSld>
   <p:clrMapOvr>
     <a:masterClrMapping/>
@@ -1304,6 +1134,7 @@
               <a:rPr lang="en-US"/>
               <a:t>Click to edit Master text styles</a:t>
             </a:r>
+            <a:endParaRPr lang="en-US"/>
           </a:p>
           <a:p>
             <a:pPr lvl="1"/>
@@ -1311,6 +1142,7 @@
               <a:rPr lang="en-US"/>
               <a:t>Second level</a:t>
             </a:r>
+            <a:endParaRPr lang="en-US"/>
           </a:p>
           <a:p>
             <a:pPr lvl="2"/>
@@ -1318,6 +1150,7 @@
               <a:rPr lang="en-US"/>
               <a:t>Third level</a:t>
             </a:r>
+            <a:endParaRPr lang="en-US"/>
           </a:p>
           <a:p>
             <a:pPr lvl="3"/>
@@ -1325,6 +1158,7 @@
               <a:rPr lang="en-US"/>
               <a:t>Fourth level</a:t>
             </a:r>
+            <a:endParaRPr lang="en-US"/>
           </a:p>
           <a:p>
             <a:pPr lvl="4"/>
@@ -1361,6 +1195,7 @@
               <a:rPr lang="en-US"/>
               <a:t>Click to edit Master text styles</a:t>
             </a:r>
+            <a:endParaRPr lang="en-US"/>
           </a:p>
           <a:p>
             <a:pPr lvl="1"/>
@@ -1368,6 +1203,7 @@
               <a:rPr lang="en-US"/>
               <a:t>Second level</a:t>
             </a:r>
+            <a:endParaRPr lang="en-US"/>
           </a:p>
           <a:p>
             <a:pPr lvl="2"/>
@@ -1375,6 +1211,7 @@
               <a:rPr lang="en-US"/>
               <a:t>Third level</a:t>
             </a:r>
+            <a:endParaRPr lang="en-US"/>
           </a:p>
           <a:p>
             <a:pPr lvl="3"/>
@@ -1382,6 +1219,7 @@
               <a:rPr lang="en-US"/>
               <a:t>Fourth level</a:t>
             </a:r>
+            <a:endParaRPr lang="en-US"/>
           </a:p>
           <a:p>
             <a:pPr lvl="4"/>
@@ -1410,7 +1248,6 @@
           <a:p>
             <a:fld id="{0E572796-7A1F-4CAA-907F-9BA8B32A572C}" type="datetimeFigureOut">
               <a:rPr lang="en-IN" smtClean="0"/>
-              <a:t>13-03-2023</a:t>
             </a:fld>
             <a:endParaRPr lang="en-IN"/>
           </a:p>
@@ -1452,18 +1289,12 @@
           <a:p>
             <a:fld id="{EA47FBA3-BC73-46AB-8EA9-E1599DA2A37D}" type="slidenum">
               <a:rPr lang="en-IN" smtClean="0"/>
-              <a:t>‹#›</a:t>
             </a:fld>
             <a:endParaRPr lang="en-IN"/>
           </a:p>
         </p:txBody>
       </p:sp>
     </p:spTree>
-    <p:extLst>
-      <p:ext uri="{BB962C8B-B14F-4D97-AF65-F5344CB8AC3E}">
-        <p14:creationId xmlns:p14="http://schemas.microsoft.com/office/powerpoint/2010/main" val="1256101751"/>
-      </p:ext>
-    </p:extLst>
   </p:cSld>
   <p:clrMapOvr>
     <a:masterClrMapping/>
@@ -1578,6 +1409,7 @@
               <a:rPr lang="en-US"/>
               <a:t>Click to edit Master text styles</a:t>
             </a:r>
+            <a:endParaRPr lang="en-US"/>
           </a:p>
         </p:txBody>
       </p:sp>
@@ -1606,6 +1438,7 @@
               <a:rPr lang="en-US"/>
               <a:t>Click to edit Master text styles</a:t>
             </a:r>
+            <a:endParaRPr lang="en-US"/>
           </a:p>
           <a:p>
             <a:pPr lvl="1"/>
@@ -1613,6 +1446,7 @@
               <a:rPr lang="en-US"/>
               <a:t>Second level</a:t>
             </a:r>
+            <a:endParaRPr lang="en-US"/>
           </a:p>
           <a:p>
             <a:pPr lvl="2"/>
@@ -1620,6 +1454,7 @@
               <a:rPr lang="en-US"/>
               <a:t>Third level</a:t>
             </a:r>
+            <a:endParaRPr lang="en-US"/>
           </a:p>
           <a:p>
             <a:pPr lvl="3"/>
@@ -1627,6 +1462,7 @@
               <a:rPr lang="en-US"/>
               <a:t>Fourth level</a:t>
             </a:r>
+            <a:endParaRPr lang="en-US"/>
           </a:p>
           <a:p>
             <a:pPr lvl="4"/>
@@ -1700,6 +1536,7 @@
               <a:rPr lang="en-US"/>
               <a:t>Click to edit Master text styles</a:t>
             </a:r>
+            <a:endParaRPr lang="en-US"/>
           </a:p>
         </p:txBody>
       </p:sp>
@@ -1728,6 +1565,7 @@
               <a:rPr lang="en-US"/>
               <a:t>Click to edit Master text styles</a:t>
             </a:r>
+            <a:endParaRPr lang="en-US"/>
           </a:p>
           <a:p>
             <a:pPr lvl="1"/>
@@ -1735,6 +1573,7 @@
               <a:rPr lang="en-US"/>
               <a:t>Second level</a:t>
             </a:r>
+            <a:endParaRPr lang="en-US"/>
           </a:p>
           <a:p>
             <a:pPr lvl="2"/>
@@ -1742,6 +1581,7 @@
               <a:rPr lang="en-US"/>
               <a:t>Third level</a:t>
             </a:r>
+            <a:endParaRPr lang="en-US"/>
           </a:p>
           <a:p>
             <a:pPr lvl="3"/>
@@ -1749,6 +1589,7 @@
               <a:rPr lang="en-US"/>
               <a:t>Fourth level</a:t>
             </a:r>
+            <a:endParaRPr lang="en-US"/>
           </a:p>
           <a:p>
             <a:pPr lvl="4"/>
@@ -1777,7 +1618,6 @@
           <a:p>
             <a:fld id="{0E572796-7A1F-4CAA-907F-9BA8B32A572C}" type="datetimeFigureOut">
               <a:rPr lang="en-IN" smtClean="0"/>
-              <a:t>13-03-2023</a:t>
             </a:fld>
             <a:endParaRPr lang="en-IN"/>
           </a:p>
@@ -1819,18 +1659,12 @@
           <a:p>
             <a:fld id="{EA47FBA3-BC73-46AB-8EA9-E1599DA2A37D}" type="slidenum">
               <a:rPr lang="en-IN" smtClean="0"/>
-              <a:t>‹#›</a:t>
             </a:fld>
             <a:endParaRPr lang="en-IN"/>
           </a:p>
         </p:txBody>
       </p:sp>
     </p:spTree>
-    <p:extLst>
-      <p:ext uri="{BB962C8B-B14F-4D97-AF65-F5344CB8AC3E}">
-        <p14:creationId xmlns:p14="http://schemas.microsoft.com/office/powerpoint/2010/main" val="1024581215"/>
-      </p:ext>
-    </p:extLst>
   </p:cSld>
   <p:clrMapOvr>
     <a:masterClrMapping/>
@@ -1895,7 +1729,6 @@
           <a:p>
             <a:fld id="{0E572796-7A1F-4CAA-907F-9BA8B32A572C}" type="datetimeFigureOut">
               <a:rPr lang="en-IN" smtClean="0"/>
-              <a:t>13-03-2023</a:t>
             </a:fld>
             <a:endParaRPr lang="en-IN"/>
           </a:p>
@@ -1937,18 +1770,12 @@
           <a:p>
             <a:fld id="{EA47FBA3-BC73-46AB-8EA9-E1599DA2A37D}" type="slidenum">
               <a:rPr lang="en-IN" smtClean="0"/>
-              <a:t>‹#›</a:t>
             </a:fld>
             <a:endParaRPr lang="en-IN"/>
           </a:p>
         </p:txBody>
       </p:sp>
     </p:spTree>
-    <p:extLst>
-      <p:ext uri="{BB962C8B-B14F-4D97-AF65-F5344CB8AC3E}">
-        <p14:creationId xmlns:p14="http://schemas.microsoft.com/office/powerpoint/2010/main" val="3841779900"/>
-      </p:ext>
-    </p:extLst>
   </p:cSld>
   <p:clrMapOvr>
     <a:masterClrMapping/>
@@ -1990,7 +1817,6 @@
           <a:p>
             <a:fld id="{0E572796-7A1F-4CAA-907F-9BA8B32A572C}" type="datetimeFigureOut">
               <a:rPr lang="en-IN" smtClean="0"/>
-              <a:t>13-03-2023</a:t>
             </a:fld>
             <a:endParaRPr lang="en-IN"/>
           </a:p>
@@ -2032,18 +1858,12 @@
           <a:p>
             <a:fld id="{EA47FBA3-BC73-46AB-8EA9-E1599DA2A37D}" type="slidenum">
               <a:rPr lang="en-IN" smtClean="0"/>
-              <a:t>‹#›</a:t>
             </a:fld>
             <a:endParaRPr lang="en-IN"/>
           </a:p>
         </p:txBody>
       </p:sp>
     </p:spTree>
-    <p:extLst>
-      <p:ext uri="{BB962C8B-B14F-4D97-AF65-F5344CB8AC3E}">
-        <p14:creationId xmlns:p14="http://schemas.microsoft.com/office/powerpoint/2010/main" val="2867863681"/>
-      </p:ext>
-    </p:extLst>
   </p:cSld>
   <p:clrMapOvr>
     <a:masterClrMapping/>
@@ -2153,6 +1973,7 @@
               <a:rPr lang="en-US"/>
               <a:t>Click to edit Master text styles</a:t>
             </a:r>
+            <a:endParaRPr lang="en-US"/>
           </a:p>
           <a:p>
             <a:pPr lvl="1"/>
@@ -2160,6 +1981,7 @@
               <a:rPr lang="en-US"/>
               <a:t>Second level</a:t>
             </a:r>
+            <a:endParaRPr lang="en-US"/>
           </a:p>
           <a:p>
             <a:pPr lvl="2"/>
@@ -2167,6 +1989,7 @@
               <a:rPr lang="en-US"/>
               <a:t>Third level</a:t>
             </a:r>
+            <a:endParaRPr lang="en-US"/>
           </a:p>
           <a:p>
             <a:pPr lvl="3"/>
@@ -2174,6 +1997,7 @@
               <a:rPr lang="en-US"/>
               <a:t>Fourth level</a:t>
             </a:r>
+            <a:endParaRPr lang="en-US"/>
           </a:p>
           <a:p>
             <a:pPr lvl="4"/>
@@ -2247,6 +2071,7 @@
               <a:rPr lang="en-US"/>
               <a:t>Click to edit Master text styles</a:t>
             </a:r>
+            <a:endParaRPr lang="en-US"/>
           </a:p>
         </p:txBody>
       </p:sp>
@@ -2267,7 +2092,6 @@
           <a:p>
             <a:fld id="{0E572796-7A1F-4CAA-907F-9BA8B32A572C}" type="datetimeFigureOut">
               <a:rPr lang="en-IN" smtClean="0"/>
-              <a:t>13-03-2023</a:t>
             </a:fld>
             <a:endParaRPr lang="en-IN"/>
           </a:p>
@@ -2309,18 +2133,12 @@
           <a:p>
             <a:fld id="{EA47FBA3-BC73-46AB-8EA9-E1599DA2A37D}" type="slidenum">
               <a:rPr lang="en-IN" smtClean="0"/>
-              <a:t>‹#›</a:t>
             </a:fld>
             <a:endParaRPr lang="en-IN"/>
           </a:p>
         </p:txBody>
       </p:sp>
     </p:spTree>
-    <p:extLst>
-      <p:ext uri="{BB962C8B-B14F-4D97-AF65-F5344CB8AC3E}">
-        <p14:creationId xmlns:p14="http://schemas.microsoft.com/office/powerpoint/2010/main" val="4060891929"/>
-      </p:ext>
-    </p:extLst>
   </p:cSld>
   <p:clrMapOvr>
     <a:masterClrMapping/>
@@ -2500,6 +2318,7 @@
               <a:rPr lang="en-US"/>
               <a:t>Click to edit Master text styles</a:t>
             </a:r>
+            <a:endParaRPr lang="en-US"/>
           </a:p>
         </p:txBody>
       </p:sp>
@@ -2520,7 +2339,6 @@
           <a:p>
             <a:fld id="{0E572796-7A1F-4CAA-907F-9BA8B32A572C}" type="datetimeFigureOut">
               <a:rPr lang="en-IN" smtClean="0"/>
-              <a:t>13-03-2023</a:t>
             </a:fld>
             <a:endParaRPr lang="en-IN"/>
           </a:p>
@@ -2562,18 +2380,12 @@
           <a:p>
             <a:fld id="{EA47FBA3-BC73-46AB-8EA9-E1599DA2A37D}" type="slidenum">
               <a:rPr lang="en-IN" smtClean="0"/>
-              <a:t>‹#›</a:t>
             </a:fld>
             <a:endParaRPr lang="en-IN"/>
           </a:p>
         </p:txBody>
       </p:sp>
     </p:spTree>
-    <p:extLst>
-      <p:ext uri="{BB962C8B-B14F-4D97-AF65-F5344CB8AC3E}">
-        <p14:creationId xmlns:p14="http://schemas.microsoft.com/office/powerpoint/2010/main" val="174068114"/>
-      </p:ext>
-    </p:extLst>
   </p:cSld>
   <p:clrMapOvr>
     <a:masterClrMapping/>
@@ -2585,9 +2397,15 @@
 <p:sldMaster xmlns:a="http://schemas.openxmlformats.org/drawingml/2006/main" xmlns:r="http://schemas.openxmlformats.org/officeDocument/2006/relationships" xmlns:p="http://schemas.openxmlformats.org/presentationml/2006/main">
   <p:cSld>
     <p:bg>
-      <p:bgRef idx="1001">
-        <a:schemeClr val="bg1"/>
-      </p:bgRef>
+      <p:bgPr>
+        <a:solidFill>
+          <a:schemeClr val="accent5">
+            <a:lumMod val="60000"/>
+            <a:lumOff val="40000"/>
+          </a:schemeClr>
+        </a:solidFill>
+        <a:effectLst/>
+      </p:bgPr>
     </p:bg>
     <p:spTree>
       <p:nvGrpSpPr>
@@ -2666,6 +2484,7 @@
               <a:rPr lang="en-US"/>
               <a:t>Click to edit Master text styles</a:t>
             </a:r>
+            <a:endParaRPr lang="en-US"/>
           </a:p>
           <a:p>
             <a:pPr lvl="1"/>
@@ -2673,6 +2492,7 @@
               <a:rPr lang="en-US"/>
               <a:t>Second level</a:t>
             </a:r>
+            <a:endParaRPr lang="en-US"/>
           </a:p>
           <a:p>
             <a:pPr lvl="2"/>
@@ -2680,6 +2500,7 @@
               <a:rPr lang="en-US"/>
               <a:t>Third level</a:t>
             </a:r>
+            <a:endParaRPr lang="en-US"/>
           </a:p>
           <a:p>
             <a:pPr lvl="3"/>
@@ -2687,6 +2508,7 @@
               <a:rPr lang="en-US"/>
               <a:t>Fourth level</a:t>
             </a:r>
+            <a:endParaRPr lang="en-US"/>
           </a:p>
           <a:p>
             <a:pPr lvl="4"/>
@@ -2733,7 +2555,6 @@
           <a:p>
             <a:fld id="{0E572796-7A1F-4CAA-907F-9BA8B32A572C}" type="datetimeFigureOut">
               <a:rPr lang="en-IN" smtClean="0"/>
-              <a:t>13-03-2023</a:t>
             </a:fld>
             <a:endParaRPr lang="en-IN"/>
           </a:p>
@@ -2811,18 +2632,12 @@
           <a:p>
             <a:fld id="{EA47FBA3-BC73-46AB-8EA9-E1599DA2A37D}" type="slidenum">
               <a:rPr lang="en-IN" smtClean="0"/>
-              <a:t>‹#›</a:t>
             </a:fld>
             <a:endParaRPr lang="en-IN"/>
           </a:p>
         </p:txBody>
       </p:sp>
     </p:spTree>
-    <p:extLst>
-      <p:ext uri="{BB962C8B-B14F-4D97-AF65-F5344CB8AC3E}">
-        <p14:creationId xmlns:p14="http://schemas.microsoft.com/office/powerpoint/2010/main" val="783469112"/>
-      </p:ext>
-    </p:extLst>
   </p:cSld>
   <p:clrMap bg1="lt1" tx1="dk1" bg2="lt2" tx2="dk2" accent1="accent1" accent2="accent2" accent3="accent3" accent4="accent4" accent5="accent5" accent6="accent6" hlink="hlink" folHlink="folHlink"/>
   <p:sldLayoutIdLst>
@@ -3200,6 +3015,7 @@
               <a:rPr lang="en-IN" dirty="0"/>
               <a:t> (Revised 2017 Pattern)</a:t>
             </a:r>
+            <a:endParaRPr lang="en-IN" dirty="0"/>
           </a:p>
           <a:p>
             <a:pPr algn="ctr"/>
@@ -3215,6 +3031,7 @@
               <a:rPr lang="en-IN" dirty="0"/>
               <a:t>Subject code-4604			Semester - VI  </a:t>
             </a:r>
+            <a:endParaRPr lang="en-IN" dirty="0"/>
           </a:p>
           <a:p>
             <a:pPr algn="ctr"/>
@@ -3222,6 +3039,7 @@
               <a:rPr lang="en-IN" dirty="0"/>
               <a:t>Unit 2-Introduction to the Kernel</a:t>
             </a:r>
+            <a:endParaRPr lang="en-IN" dirty="0"/>
           </a:p>
           <a:p>
             <a:pPr algn="ctr"/>
@@ -3229,6 +3047,7 @@
               <a:rPr lang="en-IN" dirty="0"/>
               <a:t>Credit – 4</a:t>
             </a:r>
+            <a:endParaRPr lang="en-IN" dirty="0"/>
           </a:p>
           <a:p>
             <a:pPr algn="ctr"/>
@@ -3244,6 +3063,7 @@
               <a:rPr lang="en-US" dirty="0"/>
               <a:t>By</a:t>
             </a:r>
+            <a:endParaRPr lang="en-US" dirty="0"/>
           </a:p>
           <a:p>
             <a:pPr marL="3657600" lvl="8" indent="0" algn="ctr">
@@ -3262,11 +3082,6 @@
         </p:txBody>
       </p:sp>
     </p:spTree>
-    <p:extLst>
-      <p:ext uri="{BB962C8B-B14F-4D97-AF65-F5344CB8AC3E}">
-        <p14:creationId xmlns:p14="http://schemas.microsoft.com/office/powerpoint/2010/main" val="3333789882"/>
-      </p:ext>
-    </p:extLst>
   </p:cSld>
   <p:clrMapOvr>
     <a:masterClrMapping/>
@@ -3339,18 +3154,21 @@
               <a:rPr lang="en-US" dirty="0"/>
               <a:t> − </a:t>
             </a:r>
+            <a:endParaRPr lang="en-US" dirty="0"/>
           </a:p>
           <a:p>
             <a:r>
               <a:rPr lang="en-US" dirty="0"/>
               <a:t>All the data of Unix is organized into files. </a:t>
             </a:r>
+            <a:endParaRPr lang="en-US" dirty="0"/>
           </a:p>
           <a:p>
             <a:r>
               <a:rPr lang="en-US" dirty="0"/>
               <a:t>All files are then organized into directories. </a:t>
             </a:r>
+            <a:endParaRPr lang="en-US" dirty="0"/>
           </a:p>
           <a:p>
             <a:r>
@@ -3365,15 +3183,11 @@
               <a:rPr lang="en-US" dirty="0"/>
               <a:t>.</a:t>
             </a:r>
+            <a:endParaRPr lang="en-US" dirty="0"/>
           </a:p>
         </p:txBody>
       </p:sp>
     </p:spTree>
-    <p:extLst>
-      <p:ext uri="{BB962C8B-B14F-4D97-AF65-F5344CB8AC3E}">
-        <p14:creationId xmlns:p14="http://schemas.microsoft.com/office/powerpoint/2010/main" val="3545986399"/>
-      </p:ext>
-    </p:extLst>
   </p:cSld>
   <p:clrMapOvr>
     <a:masterClrMapping/>
@@ -3448,6 +3262,7 @@
               <a:rPr lang="en-US" dirty="0"/>
               <a:t>Each computer system includes a basic set of programs called the operating system. </a:t>
             </a:r>
+            <a:endParaRPr lang="en-US" dirty="0"/>
           </a:p>
           <a:p>
             <a:pPr algn="just"/>
@@ -3455,6 +3270,7 @@
               <a:rPr lang="en-US" dirty="0"/>
               <a:t>The most important program in the set is called the kernel. </a:t>
             </a:r>
+            <a:endParaRPr lang="en-US" dirty="0"/>
           </a:p>
           <a:p>
             <a:pPr algn="just"/>
@@ -3462,6 +3278,7 @@
               <a:rPr lang="en-US" dirty="0"/>
               <a:t>It is loaded into RAM when the system boots and contains many critical procedures that are needed for the system to operate. </a:t>
             </a:r>
+            <a:endParaRPr lang="en-US" dirty="0"/>
           </a:p>
           <a:p>
             <a:pPr algn="just"/>
@@ -3469,6 +3286,7 @@
               <a:rPr lang="en-US" dirty="0"/>
               <a:t>The other programs are less crucial utilities; they can provide a wide variety of interactive experiences for the user—as well as doing all the jobs the user bought the computer for—but the essential shape and capabilities of the system are determined by the kernel. </a:t>
             </a:r>
+            <a:endParaRPr lang="en-US" dirty="0"/>
           </a:p>
           <a:p>
             <a:pPr algn="just"/>
@@ -3476,6 +3294,7 @@
               <a:rPr lang="en-US" dirty="0"/>
               <a:t>The kernel provides key facilities to everything else on the system and determines many of the characteristics of higher software. </a:t>
             </a:r>
+            <a:endParaRPr lang="en-US" dirty="0"/>
           </a:p>
           <a:p>
             <a:pPr algn="just"/>
@@ -3483,15 +3302,11 @@
               <a:rPr lang="en-US" dirty="0"/>
               <a:t>Hence, we often use the term “operating system” as a synonym for “kernel.”</a:t>
             </a:r>
+            <a:endParaRPr lang="en-US" dirty="0"/>
           </a:p>
         </p:txBody>
       </p:sp>
     </p:spTree>
-    <p:extLst>
-      <p:ext uri="{BB962C8B-B14F-4D97-AF65-F5344CB8AC3E}">
-        <p14:creationId xmlns:p14="http://schemas.microsoft.com/office/powerpoint/2010/main" val="1516660916"/>
-      </p:ext>
-    </p:extLst>
   </p:cSld>
   <p:clrMapOvr>
     <a:masterClrMapping/>
@@ -3561,6 +3376,7 @@
               <a:rPr lang="en-US" dirty="0"/>
               <a:t>The operating system must fulfill two main objectives:</a:t>
             </a:r>
+            <a:endParaRPr lang="en-US" dirty="0"/>
           </a:p>
           <a:p>
             <a:pPr fontAlgn="base"/>
@@ -3568,6 +3384,7 @@
               <a:rPr lang="en-US" dirty="0"/>
               <a:t>Interact with the hardware components, servicing all low-level programmable elements included in the hardware platform.</a:t>
             </a:r>
+            <a:endParaRPr lang="en-US" dirty="0"/>
           </a:p>
           <a:p>
             <a:pPr fontAlgn="base"/>
@@ -3575,6 +3392,7 @@
               <a:rPr lang="en-US" dirty="0"/>
               <a:t>Provide an execution environment to the applications that run on the computer system (the so-called user programs).</a:t>
             </a:r>
+            <a:endParaRPr lang="en-US" dirty="0"/>
           </a:p>
           <a:p>
             <a:pPr fontAlgn="base"/>
@@ -3583,11 +3401,6 @@
         </p:txBody>
       </p:sp>
     </p:spTree>
-    <p:extLst>
-      <p:ext uri="{BB962C8B-B14F-4D97-AF65-F5344CB8AC3E}">
-        <p14:creationId xmlns:p14="http://schemas.microsoft.com/office/powerpoint/2010/main" val="3870820650"/>
-      </p:ext>
-    </p:extLst>
   </p:cSld>
   <p:clrMapOvr>
     <a:masterClrMapping/>
@@ -3657,6 +3470,7 @@
               <a:rPr lang="en-US" dirty="0"/>
               <a:t>Some operating systems allow all user programs to directly play with the hardware components (a typical example is MS-DOS ). </a:t>
             </a:r>
+            <a:endParaRPr lang="en-US" dirty="0"/>
           </a:p>
           <a:p>
             <a:pPr fontAlgn="base"/>
@@ -3664,6 +3478,7 @@
               <a:rPr lang="en-US" dirty="0"/>
               <a:t>In contrast, a Unix-like operating system hides all low-level details concerning the physical organization of the computer from applications run by the user.</a:t>
             </a:r>
+            <a:endParaRPr lang="en-US" dirty="0"/>
           </a:p>
           <a:p>
             <a:pPr fontAlgn="base"/>
@@ -3671,6 +3486,7 @@
               <a:rPr lang="en-US" dirty="0"/>
               <a:t>When a program wants to use a hardware resource, it must issue a request to the operating system. </a:t>
             </a:r>
+            <a:endParaRPr lang="en-US" dirty="0"/>
           </a:p>
           <a:p>
             <a:pPr fontAlgn="base"/>
@@ -3678,15 +3494,11 @@
               <a:rPr lang="en-US" dirty="0"/>
               <a:t>The kernel evaluates the request and, if it chooses to grant the resource, interacts with the proper hardware components on behalf of the user program.</a:t>
             </a:r>
+            <a:endParaRPr lang="en-US" dirty="0"/>
           </a:p>
         </p:txBody>
       </p:sp>
     </p:spTree>
-    <p:extLst>
-      <p:ext uri="{BB962C8B-B14F-4D97-AF65-F5344CB8AC3E}">
-        <p14:creationId xmlns:p14="http://schemas.microsoft.com/office/powerpoint/2010/main" val="1647043775"/>
-      </p:ext>
-    </p:extLst>
   </p:cSld>
   <p:clrMapOvr>
     <a:masterClrMapping/>
@@ -3756,6 +3568,7 @@
               <a:rPr lang="en-US" dirty="0"/>
               <a:t>To enforce this mechanism, modern operating systems rely on the availability of specific hardware features that forbid user programs to directly interact with low-level hardware components or to access arbitrary memory locations. </a:t>
             </a:r>
+            <a:endParaRPr lang="en-US" dirty="0"/>
           </a:p>
           <a:p>
             <a:pPr fontAlgn="base"/>
@@ -3779,6 +3592,7 @@
               <a:rPr lang="en-US" dirty="0"/>
               <a:t> mode for user programs and a privileged mode for the kernel. </a:t>
             </a:r>
+            <a:endParaRPr lang="en-US" dirty="0"/>
           </a:p>
           <a:p>
             <a:pPr fontAlgn="base"/>
@@ -3802,6 +3616,7 @@
               <a:rPr lang="en-US" dirty="0"/>
               <a:t> , respectively.</a:t>
             </a:r>
+            <a:endParaRPr lang="en-US" dirty="0"/>
           </a:p>
           <a:p>
             <a:pPr fontAlgn="base"/>
@@ -3810,11 +3625,6 @@
         </p:txBody>
       </p:sp>
     </p:spTree>
-    <p:extLst>
-      <p:ext uri="{BB962C8B-B14F-4D97-AF65-F5344CB8AC3E}">
-        <p14:creationId xmlns:p14="http://schemas.microsoft.com/office/powerpoint/2010/main" val="748037602"/>
-      </p:ext>
-    </p:extLst>
   </p:cSld>
   <p:clrMapOvr>
     <a:masterClrMapping/>
@@ -3858,6 +3668,7 @@
               <a:rPr lang="en-IN" dirty="0"/>
               <a:t>Kernel data structure</a:t>
             </a:r>
+            <a:endParaRPr lang="en-IN" dirty="0"/>
           </a:p>
         </p:txBody>
       </p:sp>
@@ -3880,42 +3691,36 @@
               <a:rPr lang="en-US" dirty="0"/>
               <a:t>The kernel data structures play a vital role because they store data about the current state of the system.</a:t>
             </a:r>
+            <a:endParaRPr lang="en-US" dirty="0"/>
           </a:p>
           <a:p>
             <a:r>
               <a:rPr lang="en-US" dirty="0"/>
               <a:t> When a new process is created in the system, a kernel data structure is created as well that stores the details about that process. </a:t>
             </a:r>
+            <a:endParaRPr lang="en-US" dirty="0"/>
           </a:p>
           <a:p>
             <a:r>
               <a:rPr lang="en-US" dirty="0"/>
               <a:t>Most of the kernel data structures can be access by the kernel and its subsystems. They hold the data as well as pointers to other data structures.</a:t>
             </a:r>
+            <a:endParaRPr lang="en-US" dirty="0"/>
           </a:p>
           <a:p>
             <a:r>
               <a:rPr lang="en-US" dirty="0"/>
               <a:t>Consider a user logging into the system, at that time, a new process arises and kernel stores the details about that process into the physical memory.</a:t>
             </a:r>
+            <a:endParaRPr lang="en-US" dirty="0"/>
           </a:p>
         </p:txBody>
       </p:sp>
     </p:spTree>
-    <p:extLst>
-      <p:ext uri="{BB962C8B-B14F-4D97-AF65-F5344CB8AC3E}">
-        <p14:creationId xmlns:p14="http://schemas.microsoft.com/office/powerpoint/2010/main" val="541459830"/>
-      </p:ext>
-    </p:extLst>
   </p:cSld>
   <p:clrMapOvr>
     <a:masterClrMapping/>
   </p:clrMapOvr>
-  <p:extLst>
-    <p:ext uri="{6950BFC3-D8DA-4A85-94F7-54DA5524770B}">
-      <p188:commentRel xmlns:p188="http://schemas.microsoft.com/office/powerpoint/2018/8/main" r:id="rId2"/>
-    </p:ext>
-  </p:extLst>
 </p:sld>
 </file>
 
@@ -3955,6 +3760,7 @@
               <a:rPr lang="en-IN" dirty="0"/>
               <a:t>Kernel data structure</a:t>
             </a:r>
+            <a:endParaRPr lang="en-IN" dirty="0"/>
           </a:p>
         </p:txBody>
       </p:sp>
@@ -3984,6 +3790,7 @@
               <a:rPr lang="en-US" dirty="0"/>
               <a:t>The kernel stores and creates a lot of information. So it has data about which processes are running in the system, their memory requirements, files in use, etc. </a:t>
             </a:r>
+            <a:endParaRPr lang="en-US" dirty="0"/>
           </a:p>
           <a:p>
             <a:r>
@@ -3998,6 +3805,7 @@
               <a:rPr lang="en-US" dirty="0"/>
               <a:t>-node information.</a:t>
             </a:r>
+            <a:endParaRPr lang="en-US" dirty="0"/>
           </a:p>
           <a:p>
             <a:endParaRPr lang="en-US" dirty="0"/>
@@ -4005,11 +3813,6 @@
         </p:txBody>
       </p:sp>
     </p:spTree>
-    <p:extLst>
-      <p:ext uri="{BB962C8B-B14F-4D97-AF65-F5344CB8AC3E}">
-        <p14:creationId xmlns:p14="http://schemas.microsoft.com/office/powerpoint/2010/main" val="3789834528"/>
-      </p:ext>
-    </p:extLst>
   </p:cSld>
   <p:clrMapOvr>
     <a:masterClrMapping/>
@@ -4053,6 +3856,7 @@
               <a:rPr lang="en-IN" dirty="0"/>
               <a:t>Kernel data structure</a:t>
             </a:r>
+            <a:endParaRPr lang="en-IN" dirty="0"/>
           </a:p>
         </p:txBody>
       </p:sp>
@@ -4091,7 +3895,7 @@
           <p:nvPr/>
         </p:nvPicPr>
         <p:blipFill>
-          <a:blip r:embed="rId3">
+          <a:blip r:embed="rId1">
             <a:extLst>
               <a:ext uri="{28A0092B-C50C-407E-A947-70E740481C1C}">
                 <a14:useLocalDpi xmlns:a14="http://schemas.microsoft.com/office/drawing/2010/main" val="0"/>
@@ -4124,20 +3928,10 @@
         </p:spPr>
       </p:pic>
     </p:spTree>
-    <p:extLst>
-      <p:ext uri="{BB962C8B-B14F-4D97-AF65-F5344CB8AC3E}">
-        <p14:creationId xmlns:p14="http://schemas.microsoft.com/office/powerpoint/2010/main" val="1045870582"/>
-      </p:ext>
-    </p:extLst>
   </p:cSld>
   <p:clrMapOvr>
     <a:masterClrMapping/>
   </p:clrMapOvr>
-  <p:extLst>
-    <p:ext uri="{6950BFC3-D8DA-4A85-94F7-54DA5524770B}">
-      <p188:commentRel xmlns:p188="http://schemas.microsoft.com/office/powerpoint/2018/8/main" r:id="rId2"/>
-    </p:ext>
-  </p:extLst>
 </p:sld>
 </file>
 
@@ -4177,6 +3971,7 @@
               <a:rPr lang="en-IN" dirty="0"/>
               <a:t>Kernel data structure</a:t>
             </a:r>
+            <a:endParaRPr lang="en-IN" dirty="0"/>
           </a:p>
         </p:txBody>
       </p:sp>
@@ -4201,6 +3996,7 @@
               <a:rPr lang="en-US" dirty="0"/>
               <a:t>Details about these are given below:</a:t>
             </a:r>
+            <a:endParaRPr lang="en-US" dirty="0"/>
           </a:p>
           <a:p>
             <a:r>
@@ -4214,36 +4010,42 @@
               <a:rPr lang="en-US" dirty="0"/>
               <a:t>The process table holds information about all the processes running in the system. It is required by the kernel. These include storage information, execution status, file information, etc. Process table also stores the other entries like -</a:t>
             </a:r>
+            <a:endParaRPr lang="en-US" dirty="0"/>
           </a:p>
           <a:p>
             <a:r>
               <a:rPr lang="en-US" dirty="0"/>
               <a:t>Process state: (When a process forks a child, its entry in the process table is duplicated including the file information and file pointers. So the parent and the child process share a file.)</a:t>
             </a:r>
+            <a:endParaRPr lang="en-US" dirty="0"/>
           </a:p>
           <a:p>
             <a:r>
               <a:rPr lang="en-US" dirty="0"/>
               <a:t>Process ID: It is created when a new process generated and identifies the process.</a:t>
             </a:r>
+            <a:endParaRPr lang="en-US" dirty="0"/>
           </a:p>
           <a:p>
             <a:r>
               <a:rPr lang="en-US" dirty="0"/>
               <a:t>User ID: It determines the privileges to the users for the particular process.</a:t>
             </a:r>
+            <a:endParaRPr lang="en-US" dirty="0"/>
           </a:p>
           <a:p>
             <a:r>
               <a:rPr lang="en-US" dirty="0"/>
               <a:t>Pointer: It is a pointer to a page table for managing the memory and also a pointer to the process area.</a:t>
             </a:r>
+            <a:endParaRPr lang="en-US" dirty="0"/>
           </a:p>
           <a:p>
             <a:r>
               <a:rPr lang="en-US" dirty="0"/>
               <a:t>Timer: It is used for knowing which resource uses how much time.</a:t>
             </a:r>
+            <a:endParaRPr lang="en-US" dirty="0"/>
           </a:p>
           <a:p>
             <a:endParaRPr lang="en-US" dirty="0"/>
@@ -4251,11 +4053,6 @@
         </p:txBody>
       </p:sp>
     </p:spTree>
-    <p:extLst>
-      <p:ext uri="{BB962C8B-B14F-4D97-AF65-F5344CB8AC3E}">
-        <p14:creationId xmlns:p14="http://schemas.microsoft.com/office/powerpoint/2010/main" val="1588815124"/>
-      </p:ext>
-    </p:extLst>
   </p:cSld>
   <p:clrMapOvr>
     <a:masterClrMapping/>
@@ -4299,6 +4096,7 @@
               <a:rPr lang="en-IN" dirty="0"/>
               <a:t>Kernel data structure</a:t>
             </a:r>
+            <a:endParaRPr lang="en-IN" dirty="0"/>
           </a:p>
         </p:txBody>
       </p:sp>
@@ -4330,30 +4128,35 @@
               <a:rPr lang="en-US" dirty="0"/>
               <a:t>A process table has a pointer which points to the file table. </a:t>
             </a:r>
+            <a:endParaRPr lang="en-US" dirty="0"/>
           </a:p>
           <a:p>
             <a:r>
               <a:rPr lang="en-US" dirty="0"/>
               <a:t>File table holds the entries about all the files in the computer. </a:t>
             </a:r>
+            <a:endParaRPr lang="en-US" dirty="0"/>
           </a:p>
           <a:p>
             <a:r>
               <a:rPr lang="en-US" dirty="0"/>
               <a:t>If multiple processes use the same file, then they contain the same file information and the file descriptor number.</a:t>
             </a:r>
+            <a:endParaRPr lang="en-US" dirty="0"/>
           </a:p>
           <a:p>
             <a:r>
               <a:rPr lang="en-US" dirty="0"/>
               <a:t>Each file table entry contains information about the file such as file status (file read or file write), file offset, etc. </a:t>
             </a:r>
+            <a:endParaRPr lang="en-US" dirty="0"/>
           </a:p>
           <a:p>
             <a:r>
               <a:rPr lang="en-US" dirty="0"/>
               <a:t>The file offset specifies the position for next read or write into the file.</a:t>
             </a:r>
+            <a:endParaRPr lang="en-US" dirty="0"/>
           </a:p>
           <a:p>
             <a:r>
@@ -4368,15 +4171,11 @@
               <a:rPr lang="en-US" dirty="0"/>
               <a:t>-node pointers which point to the virtual node and index node respectively. These nodes contain information on how to read a file.</a:t>
             </a:r>
+            <a:endParaRPr lang="en-US" dirty="0"/>
           </a:p>
         </p:txBody>
       </p:sp>
     </p:spTree>
-    <p:extLst>
-      <p:ext uri="{BB962C8B-B14F-4D97-AF65-F5344CB8AC3E}">
-        <p14:creationId xmlns:p14="http://schemas.microsoft.com/office/powerpoint/2010/main" val="1841755732"/>
-      </p:ext>
-    </p:extLst>
   </p:cSld>
   <p:clrMapOvr>
     <a:masterClrMapping/>
@@ -4446,33 +4245,32 @@
               <a:rPr lang="en-IN" dirty="0"/>
               <a:t>Architecture of Unix operating system</a:t>
             </a:r>
+            <a:endParaRPr lang="en-IN" dirty="0"/>
           </a:p>
           <a:p>
             <a:r>
               <a:rPr lang="en-IN" dirty="0"/>
               <a:t> Introduction to the system concepts</a:t>
             </a:r>
+            <a:endParaRPr lang="en-IN" dirty="0"/>
           </a:p>
           <a:p>
             <a:r>
               <a:rPr lang="en-IN" dirty="0"/>
               <a:t>Kernel data structure</a:t>
             </a:r>
+            <a:endParaRPr lang="en-IN" dirty="0"/>
           </a:p>
           <a:p>
             <a:r>
               <a:rPr lang="en-IN" dirty="0"/>
               <a:t> System Administration</a:t>
             </a:r>
+            <a:endParaRPr lang="en-IN" dirty="0"/>
           </a:p>
         </p:txBody>
       </p:sp>
     </p:spTree>
-    <p:extLst>
-      <p:ext uri="{BB962C8B-B14F-4D97-AF65-F5344CB8AC3E}">
-        <p14:creationId xmlns:p14="http://schemas.microsoft.com/office/powerpoint/2010/main" val="760943860"/>
-      </p:ext>
-    </p:extLst>
   </p:cSld>
   <p:clrMapOvr>
     <a:masterClrMapping/>
@@ -4516,6 +4314,7 @@
               <a:rPr lang="en-IN" dirty="0"/>
               <a:t>Kernel data structure</a:t>
             </a:r>
+            <a:endParaRPr lang="en-IN" dirty="0"/>
           </a:p>
         </p:txBody>
       </p:sp>
@@ -4563,12 +4362,14 @@
               <a:rPr lang="en-US" dirty="0"/>
               <a:t>-node (index node) are related to the storage system of the file and the storage mechanisms.</a:t>
             </a:r>
+            <a:endParaRPr lang="en-US" dirty="0"/>
           </a:p>
           <a:p>
             <a:r>
               <a:rPr lang="en-US" dirty="0"/>
               <a:t>The v-node is an abstract concept (in the form of the object) that describes the interaction with file data. All file manipulation like closing a file, opening a file is done by V-node object. V-node information stored in main memory.</a:t>
             </a:r>
+            <a:endParaRPr lang="en-US" dirty="0"/>
           </a:p>
           <a:p>
             <a:r>
@@ -4583,6 +4384,7 @@
               <a:rPr lang="en-US" dirty="0"/>
               <a:t>-node data structure gives information about files or directory (i.e. actual representation of files or directory ) </a:t>
             </a:r>
+            <a:endParaRPr lang="en-US" dirty="0"/>
           </a:p>
           <a:p>
             <a:r>
@@ -4597,6 +4399,7 @@
               <a:rPr lang="en-US" dirty="0"/>
               <a:t>-node information is stored in secondary storage.</a:t>
             </a:r>
+            <a:endParaRPr lang="en-US" dirty="0"/>
           </a:p>
           <a:p>
             <a:r>
@@ -4619,15 +4422,11 @@
               <a:rPr lang="en-US" dirty="0"/>
               <a:t>-node number are stored in a directory entry.</a:t>
             </a:r>
+            <a:endParaRPr lang="en-US" dirty="0"/>
           </a:p>
         </p:txBody>
       </p:sp>
     </p:spTree>
-    <p:extLst>
-      <p:ext uri="{BB962C8B-B14F-4D97-AF65-F5344CB8AC3E}">
-        <p14:creationId xmlns:p14="http://schemas.microsoft.com/office/powerpoint/2010/main" val="3919250544"/>
-      </p:ext>
-    </p:extLst>
   </p:cSld>
   <p:clrMapOvr>
     <a:masterClrMapping/>
@@ -4671,6 +4470,7 @@
               <a:rPr lang="en-IN" dirty="0"/>
               <a:t>System Administration</a:t>
             </a:r>
+            <a:endParaRPr lang="en-IN" dirty="0"/>
           </a:p>
         </p:txBody>
       </p:sp>
@@ -4695,24 +4495,28 @@
               <a:rPr lang="en-US" dirty="0"/>
               <a:t>Systems administration is the </a:t>
             </a:r>
+            <a:endParaRPr lang="en-US" dirty="0"/>
           </a:p>
           <a:p>
             <a:r>
               <a:rPr lang="en-US" dirty="0"/>
               <a:t>1) installation and </a:t>
             </a:r>
+            <a:endParaRPr lang="en-US" dirty="0"/>
           </a:p>
           <a:p>
             <a:r>
               <a:rPr lang="en-US" dirty="0"/>
               <a:t>2) maintenance of the UNIX computer system. </a:t>
             </a:r>
+            <a:endParaRPr lang="en-US" dirty="0"/>
           </a:p>
           <a:p>
             <a:r>
               <a:rPr lang="en-US" dirty="0"/>
               <a:t>The system administrator will need to maintain the software and hardware for the system which includes hardware configuration, software installation, reconfiguration of the kernel, and networking to keep it running in a satisfactory manner. </a:t>
             </a:r>
+            <a:endParaRPr lang="en-US" dirty="0"/>
           </a:p>
           <a:p>
             <a:r>
@@ -4724,20 +4528,10 @@
         </p:txBody>
       </p:sp>
     </p:spTree>
-    <p:extLst>
-      <p:ext uri="{BB962C8B-B14F-4D97-AF65-F5344CB8AC3E}">
-        <p14:creationId xmlns:p14="http://schemas.microsoft.com/office/powerpoint/2010/main" val="3957950275"/>
-      </p:ext>
-    </p:extLst>
   </p:cSld>
   <p:clrMapOvr>
     <a:masterClrMapping/>
   </p:clrMapOvr>
-  <p:extLst>
-    <p:ext uri="{6950BFC3-D8DA-4A85-94F7-54DA5524770B}">
-      <p188:commentRel xmlns:p188="http://schemas.microsoft.com/office/powerpoint/2018/8/main" r:id="rId2"/>
-    </p:ext>
-  </p:extLst>
 </p:sld>
 </file>
 
@@ -4778,6 +4572,7 @@
               <a:rPr lang="en-US" b="1" dirty="0"/>
               <a:t>Absolute and Relative Pathnames in UNIX</a:t>
             </a:r>
+            <a:endParaRPr lang="en-US" b="1" dirty="0"/>
           </a:p>
         </p:txBody>
       </p:sp>
@@ -4803,6 +4598,7 @@
               <a:rPr lang="en-US" dirty="0"/>
               <a:t>A path is a unique location to a file or a folder in a file system of an OS.</a:t>
             </a:r>
+            <a:endParaRPr lang="en-US" dirty="0"/>
           </a:p>
           <a:p>
             <a:pPr fontAlgn="base"/>
@@ -4810,6 +4606,7 @@
               <a:rPr lang="en-US" dirty="0"/>
               <a:t>A path to a file is a combination of / and alpha-numeric characters.</a:t>
             </a:r>
+            <a:endParaRPr lang="en-US" dirty="0"/>
           </a:p>
           <a:p>
             <a:pPr fontAlgn="base"/>
@@ -4840,6 +4637,7 @@
               <a:rPr lang="en-US" dirty="0"/>
               <a:t>Start at the root directory ( / ) and work down.</a:t>
             </a:r>
+            <a:endParaRPr lang="en-US" dirty="0"/>
           </a:p>
           <a:p>
             <a:pPr fontAlgn="base"/>
@@ -4847,6 +4645,7 @@
               <a:rPr lang="en-US" dirty="0"/>
               <a:t>Write a slash ( / ) after every directory name (last one is optional)</a:t>
             </a:r>
+            <a:endParaRPr lang="en-US" dirty="0"/>
           </a:p>
           <a:p>
             <a:pPr fontAlgn="base"/>
@@ -4854,6 +4653,7 @@
               <a:rPr lang="en-US" b="1" dirty="0"/>
               <a:t>For Example :  </a:t>
             </a:r>
+            <a:endParaRPr lang="en-US" b="1" dirty="0"/>
           </a:p>
           <a:p>
             <a:pPr marL="0" indent="0" fontAlgn="base">
@@ -4867,20 +4667,10 @@
         </p:txBody>
       </p:sp>
     </p:spTree>
-    <p:extLst>
-      <p:ext uri="{BB962C8B-B14F-4D97-AF65-F5344CB8AC3E}">
-        <p14:creationId xmlns:p14="http://schemas.microsoft.com/office/powerpoint/2010/main" val="1357177346"/>
-      </p:ext>
-    </p:extLst>
   </p:cSld>
   <p:clrMapOvr>
     <a:masterClrMapping/>
   </p:clrMapOvr>
-  <p:extLst>
-    <p:ext uri="{6950BFC3-D8DA-4A85-94F7-54DA5524770B}">
-      <p188:commentRel xmlns:p188="http://schemas.microsoft.com/office/powerpoint/2018/8/main" r:id="rId2"/>
-    </p:ext>
-  </p:extLst>
 </p:sld>
 </file>
 
@@ -4921,6 +4711,7 @@
               <a:rPr lang="en-US" b="1" dirty="0"/>
               <a:t>Absolute and Relative Pathnames in UNIX</a:t>
             </a:r>
+            <a:endParaRPr lang="en-US" b="1" dirty="0"/>
           </a:p>
         </p:txBody>
       </p:sp>
@@ -4946,6 +4737,7 @@
               <a:rPr lang="en-US" b="1" dirty="0"/>
               <a:t>For Example :</a:t>
             </a:r>
+            <a:endParaRPr lang="en-US" b="1" dirty="0"/>
           </a:p>
           <a:p>
             <a:pPr marL="0" lvl="0" indent="0" eaLnBrk="0" fontAlgn="base" hangingPunct="0">
@@ -5074,6 +4866,12 @@
               </a:rPr>
               <a:t> exists in your current directory.</a:t>
             </a:r>
+            <a:endParaRPr lang="en-US" dirty="0">
+              <a:solidFill>
+                <a:srgbClr val="273239"/>
+              </a:solidFill>
+              <a:latin typeface="urw-din"/>
+            </a:endParaRPr>
           </a:p>
           <a:p>
             <a:pPr marL="0" lvl="0" indent="0" eaLnBrk="0" fontAlgn="base" hangingPunct="0">
@@ -5218,6 +5016,12 @@
               </a:rPr>
               <a:t> is one level below home, and thus two levels below root.</a:t>
             </a:r>
+            <a:endParaRPr lang="en-US" dirty="0">
+              <a:solidFill>
+                <a:srgbClr val="273239"/>
+              </a:solidFill>
+              <a:latin typeface="urw-din"/>
+            </a:endParaRPr>
           </a:p>
           <a:p>
             <a:pPr marL="0" lvl="0" indent="0" eaLnBrk="0" fontAlgn="base" hangingPunct="0">
@@ -5279,6 +5083,12 @@
               </a:rPr>
               <a:t> can say that an absolute path is a complete path from start of actual file system from / directory.</a:t>
             </a:r>
+            <a:endParaRPr lang="en-US" b="1" dirty="0">
+              <a:solidFill>
+                <a:srgbClr val="273239"/>
+              </a:solidFill>
+              <a:latin typeface="urw-din"/>
+            </a:endParaRPr>
           </a:p>
           <a:p>
             <a:pPr marL="0" lvl="0" indent="0" eaLnBrk="0" fontAlgn="base" hangingPunct="0">
@@ -5359,9 +5169,6 @@
         </p:spPr>
         <p:txBody>
           <a:bodyPr vert="horz" wrap="none" lIns="0" tIns="0" rIns="0" bIns="88872" numCol="1" anchor="ctr" anchorCtr="0" compatLnSpc="1">
-            <a:prstTxWarp prst="textNoShape">
-              <a:avLst/>
-            </a:prstTxWarp>
             <a:spAutoFit/>
           </a:bodyPr>
           <a:lstStyle/>
@@ -5380,7 +5187,6 @@
               <a:buSzTx/>
               <a:buFontTx/>
               <a:buNone/>
-              <a:tabLst/>
             </a:pPr>
             <a:endParaRPr kumimoji="0" lang="en-US" sz="1800" b="0" i="0" u="none" strike="noStrike" cap="none" normalizeH="0" baseline="0" dirty="0">
               <a:ln>
@@ -5408,7 +5214,6 @@
               <a:buSzTx/>
               <a:buFontTx/>
               <a:buNone/>
-              <a:tabLst/>
             </a:pPr>
             <a:endParaRPr kumimoji="0" lang="en-US" sz="1800" b="0" i="0" u="none" strike="noStrike" cap="none" normalizeH="0" baseline="0" dirty="0">
               <a:ln>
@@ -5470,9 +5275,6 @@
         </p:spPr>
         <p:txBody>
           <a:bodyPr vert="horz" wrap="none" lIns="0" tIns="0" rIns="0" bIns="0" numCol="1" anchor="ctr" anchorCtr="0" compatLnSpc="1">
-            <a:prstTxWarp prst="textNoShape">
-              <a:avLst/>
-            </a:prstTxWarp>
             <a:spAutoFit/>
           </a:bodyPr>
           <a:lstStyle/>
@@ -5491,7 +5293,6 @@
               <a:buSzTx/>
               <a:buFontTx/>
               <a:buNone/>
-              <a:tabLst/>
             </a:pPr>
             <a:endParaRPr kumimoji="0" lang="en-US" sz="1800" b="0" i="0" u="none" strike="noStrike" cap="none" normalizeH="0" baseline="0" dirty="0">
               <a:ln>
@@ -5507,11 +5308,6 @@
         </p:txBody>
       </p:sp>
     </p:spTree>
-    <p:extLst>
-      <p:ext uri="{BB962C8B-B14F-4D97-AF65-F5344CB8AC3E}">
-        <p14:creationId xmlns:p14="http://schemas.microsoft.com/office/powerpoint/2010/main" val="3133555529"/>
-      </p:ext>
-    </p:extLst>
   </p:cSld>
   <p:clrMapOvr>
     <a:masterClrMapping/>
@@ -5556,6 +5352,7 @@
               <a:rPr lang="en-US" b="1" dirty="0"/>
               <a:t>Absolute and Relative Pathnames in UNIX</a:t>
             </a:r>
+            <a:endParaRPr lang="en-US" b="1" dirty="0"/>
           </a:p>
         </p:txBody>
       </p:sp>
@@ -5597,6 +5394,7 @@
               <a:rPr lang="en-US" dirty="0"/>
               <a:t>). </a:t>
             </a:r>
+            <a:endParaRPr lang="en-US" dirty="0"/>
           </a:p>
           <a:p>
             <a:pPr fontAlgn="base"/>
@@ -5612,6 +5410,7 @@
               <a:rPr lang="en-US" dirty="0"/>
               <a:t>.</a:t>
             </a:r>
+            <a:endParaRPr lang="en-US" dirty="0"/>
           </a:p>
           <a:p>
             <a:pPr fontAlgn="base"/>
@@ -5651,6 +5450,7 @@
               <a:rPr lang="en-US" dirty="0"/>
               <a:t>.</a:t>
             </a:r>
+            <a:endParaRPr lang="en-US" dirty="0"/>
           </a:p>
           <a:p>
             <a:pPr marL="0" lvl="0" indent="0" eaLnBrk="0" fontAlgn="base" hangingPunct="0">
@@ -5731,9 +5531,6 @@
         </p:spPr>
         <p:txBody>
           <a:bodyPr vert="horz" wrap="none" lIns="0" tIns="0" rIns="0" bIns="88872" numCol="1" anchor="ctr" anchorCtr="0" compatLnSpc="1">
-            <a:prstTxWarp prst="textNoShape">
-              <a:avLst/>
-            </a:prstTxWarp>
             <a:spAutoFit/>
           </a:bodyPr>
           <a:lstStyle/>
@@ -5752,7 +5549,6 @@
               <a:buSzTx/>
               <a:buFontTx/>
               <a:buNone/>
-              <a:tabLst/>
             </a:pPr>
             <a:endParaRPr kumimoji="0" lang="en-US" sz="1800" b="0" i="0" u="none" strike="noStrike" cap="none" normalizeH="0" baseline="0" dirty="0">
               <a:ln>
@@ -5780,7 +5576,6 @@
               <a:buSzTx/>
               <a:buFontTx/>
               <a:buNone/>
-              <a:tabLst/>
             </a:pPr>
             <a:endParaRPr kumimoji="0" lang="en-US" sz="1800" b="0" i="0" u="none" strike="noStrike" cap="none" normalizeH="0" baseline="0" dirty="0">
               <a:ln>
@@ -5842,9 +5637,6 @@
         </p:spPr>
         <p:txBody>
           <a:bodyPr vert="horz" wrap="none" lIns="0" tIns="0" rIns="0" bIns="0" numCol="1" anchor="ctr" anchorCtr="0" compatLnSpc="1">
-            <a:prstTxWarp prst="textNoShape">
-              <a:avLst/>
-            </a:prstTxWarp>
             <a:spAutoFit/>
           </a:bodyPr>
           <a:lstStyle/>
@@ -5863,7 +5655,6 @@
               <a:buSzTx/>
               <a:buFontTx/>
               <a:buNone/>
-              <a:tabLst/>
             </a:pPr>
             <a:endParaRPr kumimoji="0" lang="en-US" sz="1800" b="0" i="0" u="none" strike="noStrike" cap="none" normalizeH="0" baseline="0" dirty="0">
               <a:ln>
@@ -5879,11 +5670,6 @@
         </p:txBody>
       </p:sp>
     </p:spTree>
-    <p:extLst>
-      <p:ext uri="{BB962C8B-B14F-4D97-AF65-F5344CB8AC3E}">
-        <p14:creationId xmlns:p14="http://schemas.microsoft.com/office/powerpoint/2010/main" val="708386560"/>
-      </p:ext>
-    </p:extLst>
   </p:cSld>
   <p:clrMapOvr>
     <a:masterClrMapping/>
@@ -5928,6 +5714,7 @@
               <a:rPr lang="en-US" b="1" dirty="0"/>
               <a:t>Absolute and Relative Pathnames in UNIX</a:t>
             </a:r>
+            <a:endParaRPr lang="en-US" b="1" dirty="0"/>
           </a:p>
         </p:txBody>
       </p:sp>
@@ -6009,9 +5796,6 @@
         </p:spPr>
         <p:txBody>
           <a:bodyPr vert="horz" wrap="none" lIns="0" tIns="0" rIns="0" bIns="88872" numCol="1" anchor="ctr" anchorCtr="0" compatLnSpc="1">
-            <a:prstTxWarp prst="textNoShape">
-              <a:avLst/>
-            </a:prstTxWarp>
             <a:spAutoFit/>
           </a:bodyPr>
           <a:lstStyle/>
@@ -6030,7 +5814,6 @@
               <a:buSzTx/>
               <a:buFontTx/>
               <a:buNone/>
-              <a:tabLst/>
             </a:pPr>
             <a:endParaRPr kumimoji="0" lang="en-US" sz="1800" b="0" i="0" u="none" strike="noStrike" cap="none" normalizeH="0" baseline="0" dirty="0">
               <a:ln>
@@ -6058,7 +5841,6 @@
               <a:buSzTx/>
               <a:buFontTx/>
               <a:buNone/>
-              <a:tabLst/>
             </a:pPr>
             <a:endParaRPr kumimoji="0" lang="en-US" sz="1800" b="0" i="0" u="none" strike="noStrike" cap="none" normalizeH="0" baseline="0" dirty="0">
               <a:ln>
@@ -6120,9 +5902,6 @@
         </p:spPr>
         <p:txBody>
           <a:bodyPr vert="horz" wrap="none" lIns="0" tIns="0" rIns="0" bIns="0" numCol="1" anchor="ctr" anchorCtr="0" compatLnSpc="1">
-            <a:prstTxWarp prst="textNoShape">
-              <a:avLst/>
-            </a:prstTxWarp>
             <a:spAutoFit/>
           </a:bodyPr>
           <a:lstStyle/>
@@ -6141,7 +5920,6 @@
               <a:buSzTx/>
               <a:buFontTx/>
               <a:buNone/>
-              <a:tabLst/>
             </a:pPr>
             <a:endParaRPr kumimoji="0" lang="en-US" sz="1800" b="0" i="0" u="none" strike="noStrike" cap="none" normalizeH="0" baseline="0" dirty="0">
               <a:ln>
@@ -6165,7 +5943,7 @@
           <p:nvPr/>
         </p:nvPicPr>
         <p:blipFill>
-          <a:blip r:embed="rId2">
+          <a:blip r:embed="rId1">
             <a:extLst>
               <a:ext uri="{28A0092B-C50C-407E-A947-70E740481C1C}">
                 <a14:useLocalDpi xmlns:a14="http://schemas.microsoft.com/office/drawing/2010/main" val="0"/>
@@ -6198,11 +5976,6 @@
         </p:spPr>
       </p:pic>
     </p:spTree>
-    <p:extLst>
-      <p:ext uri="{BB962C8B-B14F-4D97-AF65-F5344CB8AC3E}">
-        <p14:creationId xmlns:p14="http://schemas.microsoft.com/office/powerpoint/2010/main" val="3562883115"/>
-      </p:ext>
-    </p:extLst>
   </p:cSld>
   <p:clrMapOvr>
     <a:masterClrMapping/>
@@ -6247,6 +6020,7 @@
               <a:rPr lang="en-US" b="1" dirty="0"/>
               <a:t>Absolute and Relative Pathnames in UNIX</a:t>
             </a:r>
+            <a:endParaRPr lang="en-US" b="1" dirty="0"/>
           </a:p>
         </p:txBody>
       </p:sp>
@@ -6485,6 +6259,12 @@
               </a:rPr>
               <a:t> as :</a:t>
             </a:r>
+            <a:endParaRPr lang="en-US" dirty="0">
+              <a:solidFill>
+                <a:srgbClr val="273239"/>
+              </a:solidFill>
+              <a:latin typeface="urw-din"/>
+            </a:endParaRPr>
           </a:p>
           <a:p>
             <a:pPr marL="0" lvl="0" indent="0" eaLnBrk="0" fontAlgn="base" hangingPunct="0">
@@ -6555,9 +6335,6 @@
         </p:spPr>
         <p:txBody>
           <a:bodyPr vert="horz" wrap="none" lIns="0" tIns="0" rIns="0" bIns="88872" numCol="1" anchor="ctr" anchorCtr="0" compatLnSpc="1">
-            <a:prstTxWarp prst="textNoShape">
-              <a:avLst/>
-            </a:prstTxWarp>
             <a:spAutoFit/>
           </a:bodyPr>
           <a:lstStyle/>
@@ -6576,7 +6353,6 @@
               <a:buSzTx/>
               <a:buFontTx/>
               <a:buNone/>
-              <a:tabLst/>
             </a:pPr>
             <a:endParaRPr kumimoji="0" lang="en-US" sz="1800" b="0" i="0" u="none" strike="noStrike" cap="none" normalizeH="0" baseline="0" dirty="0">
               <a:ln>
@@ -6604,7 +6380,6 @@
               <a:buSzTx/>
               <a:buFontTx/>
               <a:buNone/>
-              <a:tabLst/>
             </a:pPr>
             <a:endParaRPr kumimoji="0" lang="en-US" sz="1800" b="0" i="0" u="none" strike="noStrike" cap="none" normalizeH="0" baseline="0" dirty="0">
               <a:ln>
@@ -6666,9 +6441,6 @@
         </p:spPr>
         <p:txBody>
           <a:bodyPr vert="horz" wrap="none" lIns="0" tIns="0" rIns="0" bIns="0" numCol="1" anchor="ctr" anchorCtr="0" compatLnSpc="1">
-            <a:prstTxWarp prst="textNoShape">
-              <a:avLst/>
-            </a:prstTxWarp>
             <a:spAutoFit/>
           </a:bodyPr>
           <a:lstStyle/>
@@ -6687,7 +6459,6 @@
               <a:buSzTx/>
               <a:buFontTx/>
               <a:buNone/>
-              <a:tabLst/>
             </a:pPr>
             <a:endParaRPr kumimoji="0" lang="en-US" sz="1800" b="0" i="0" u="none" strike="noStrike" cap="none" normalizeH="0" baseline="0" dirty="0">
               <a:ln>
@@ -6749,9 +6520,6 @@
         </p:spPr>
         <p:txBody>
           <a:bodyPr vert="horz" wrap="none" lIns="0" tIns="0" rIns="0" bIns="0" numCol="1" anchor="ctr" anchorCtr="0" compatLnSpc="1">
-            <a:prstTxWarp prst="textNoShape">
-              <a:avLst/>
-            </a:prstTxWarp>
             <a:spAutoFit/>
           </a:bodyPr>
           <a:lstStyle/>
@@ -6770,7 +6538,6 @@
               <a:buSzTx/>
               <a:buFontTx/>
               <a:buNone/>
-              <a:tabLst/>
             </a:pPr>
             <a:endParaRPr kumimoji="0" lang="en-US" sz="1800" b="0" i="0" u="none" strike="noStrike" cap="none" normalizeH="0" baseline="0" dirty="0">
               <a:ln>
@@ -6798,7 +6565,6 @@
               <a:buSzTx/>
               <a:buFontTx/>
               <a:buNone/>
-              <a:tabLst/>
             </a:pPr>
             <a:r>
               <a:rPr kumimoji="0" lang="en-US" sz="1200" b="1" i="0" u="none" strike="noStrike" cap="none" normalizeH="0" baseline="0" dirty="0">
@@ -6813,15 +6579,20 @@
               </a:rPr>
               <a:t>Using . and .. in Relative Path-names</a:t>
             </a:r>
+            <a:endParaRPr kumimoji="0" lang="en-US" sz="1200" b="1" i="0" u="none" strike="noStrike" cap="none" normalizeH="0" baseline="0" dirty="0">
+              <a:ln>
+                <a:noFill/>
+              </a:ln>
+              <a:solidFill>
+                <a:srgbClr val="273239"/>
+              </a:solidFill>
+              <a:effectLst/>
+              <a:latin typeface="urw-din"/>
+            </a:endParaRPr>
           </a:p>
         </p:txBody>
       </p:sp>
     </p:spTree>
-    <p:extLst>
-      <p:ext uri="{BB962C8B-B14F-4D97-AF65-F5344CB8AC3E}">
-        <p14:creationId xmlns:p14="http://schemas.microsoft.com/office/powerpoint/2010/main" val="2482948057"/>
-      </p:ext>
-    </p:extLst>
   </p:cSld>
   <p:clrMapOvr>
     <a:masterClrMapping/>
@@ -6866,6 +6637,7 @@
               <a:rPr lang="en-US" b="1" dirty="0"/>
               <a:t>Absolute and Relative Pathnames in UNIX</a:t>
             </a:r>
+            <a:endParaRPr lang="en-US" b="1" dirty="0"/>
           </a:p>
         </p:txBody>
       </p:sp>
@@ -6916,9 +6688,6 @@
         </p:spPr>
         <p:txBody>
           <a:bodyPr vert="horz" wrap="none" lIns="0" tIns="0" rIns="0" bIns="88872" numCol="1" anchor="ctr" anchorCtr="0" compatLnSpc="1">
-            <a:prstTxWarp prst="textNoShape">
-              <a:avLst/>
-            </a:prstTxWarp>
             <a:spAutoFit/>
           </a:bodyPr>
           <a:lstStyle/>
@@ -6937,7 +6706,6 @@
               <a:buSzTx/>
               <a:buFontTx/>
               <a:buNone/>
-              <a:tabLst/>
             </a:pPr>
             <a:endParaRPr kumimoji="0" lang="en-US" sz="1800" b="0" i="0" u="none" strike="noStrike" cap="none" normalizeH="0" baseline="0" dirty="0">
               <a:ln>
@@ -6965,7 +6733,6 @@
               <a:buSzTx/>
               <a:buFontTx/>
               <a:buNone/>
-              <a:tabLst/>
             </a:pPr>
             <a:endParaRPr kumimoji="0" lang="en-US" sz="1800" b="0" i="0" u="none" strike="noStrike" cap="none" normalizeH="0" baseline="0" dirty="0">
               <a:ln>
@@ -7027,9 +6794,6 @@
         </p:spPr>
         <p:txBody>
           <a:bodyPr vert="horz" wrap="none" lIns="0" tIns="0" rIns="0" bIns="0" numCol="1" anchor="ctr" anchorCtr="0" compatLnSpc="1">
-            <a:prstTxWarp prst="textNoShape">
-              <a:avLst/>
-            </a:prstTxWarp>
             <a:spAutoFit/>
           </a:bodyPr>
           <a:lstStyle/>
@@ -7048,7 +6812,6 @@
               <a:buSzTx/>
               <a:buFontTx/>
               <a:buNone/>
-              <a:tabLst/>
             </a:pPr>
             <a:endParaRPr kumimoji="0" lang="en-US" sz="1800" b="0" i="0" u="none" strike="noStrike" cap="none" normalizeH="0" baseline="0" dirty="0">
               <a:ln>
@@ -7112,9 +6875,6 @@
         </p:spPr>
         <p:txBody>
           <a:bodyPr vert="horz" wrap="square" lIns="0" tIns="0" rIns="0" bIns="88872" numCol="1" anchor="ctr" anchorCtr="0" compatLnSpc="1">
-            <a:prstTxWarp prst="textNoShape">
-              <a:avLst/>
-            </a:prstTxWarp>
             <a:spAutoFit/>
           </a:bodyPr>
           <a:lstStyle/>
@@ -7133,7 +6893,6 @@
               <a:buSzTx/>
               <a:buFontTx/>
               <a:buNone/>
-              <a:tabLst/>
             </a:pPr>
             <a:endParaRPr kumimoji="0" lang="en-US" sz="1800" b="0" i="0" u="none" strike="noStrike" cap="none" normalizeH="0" baseline="0" dirty="0">
               <a:ln>
@@ -7161,7 +6920,6 @@
               <a:buSzTx/>
               <a:buFontTx/>
               <a:buNone/>
-              <a:tabLst/>
             </a:pPr>
             <a:r>
               <a:rPr kumimoji="0" lang="en-US" sz="2400" b="1" i="0" u="none" strike="noStrike" cap="none" normalizeH="0" baseline="0" dirty="0">
@@ -7202,7 +6960,6 @@
               <a:buSzTx/>
               <a:buFontTx/>
               <a:buNone/>
-              <a:tabLst/>
             </a:pPr>
             <a:r>
               <a:rPr kumimoji="0" lang="en-US" sz="2400" b="0" i="0" u="none" strike="noStrike" cap="none" normalizeH="0" baseline="0" dirty="0">
@@ -7295,6 +7052,16 @@
               </a:rPr>
               <a:t>.</a:t>
             </a:r>
+            <a:endParaRPr kumimoji="0" lang="en-US" sz="2400" b="0" i="0" u="none" strike="noStrike" cap="none" normalizeH="0" baseline="0" dirty="0">
+              <a:ln>
+                <a:noFill/>
+              </a:ln>
+              <a:solidFill>
+                <a:srgbClr val="273239"/>
+              </a:solidFill>
+              <a:effectLst/>
+              <a:latin typeface="urw-din"/>
+            </a:endParaRPr>
           </a:p>
           <a:p>
             <a:pPr marL="0" marR="0" lvl="0" indent="0" algn="l" defTabSz="914400" rtl="0" eaLnBrk="0" fontAlgn="base" latinLnBrk="0" hangingPunct="0">
@@ -7311,7 +7078,6 @@
               <a:buSzTx/>
               <a:buFontTx/>
               <a:buNone/>
-              <a:tabLst/>
             </a:pPr>
             <a:r>
               <a:rPr kumimoji="0" lang="en-US" sz="2400" b="0" i="0" u="none" strike="noStrike" cap="none" normalizeH="0" baseline="0" dirty="0">
@@ -7326,6 +7092,16 @@
               </a:rPr>
               <a:t> Let’s see both the absolute and relative path concepts to do this:</a:t>
             </a:r>
+            <a:endParaRPr kumimoji="0" lang="en-US" sz="2400" b="0" i="0" u="none" strike="noStrike" cap="none" normalizeH="0" baseline="0" dirty="0">
+              <a:ln>
+                <a:noFill/>
+              </a:ln>
+              <a:solidFill>
+                <a:srgbClr val="273239"/>
+              </a:solidFill>
+              <a:effectLst/>
+              <a:latin typeface="urw-din"/>
+            </a:endParaRPr>
           </a:p>
           <a:p>
             <a:pPr marL="457200" marR="0" lvl="1" indent="0" algn="l" defTabSz="914400" rtl="0" eaLnBrk="0" fontAlgn="base" latinLnBrk="0" hangingPunct="0">
@@ -7342,7 +7118,6 @@
               <a:buSzTx/>
               <a:buFontTx/>
               <a:buAutoNum type="arabicPeriod"/>
-              <a:tabLst/>
             </a:pPr>
             <a:r>
               <a:rPr kumimoji="0" lang="en-US" b="1" i="0" u="none" strike="noStrike" cap="none" normalizeH="0" baseline="0" dirty="0">
@@ -7357,6 +7132,16 @@
               </a:rPr>
               <a:t>Changing directory with relative path concept :</a:t>
             </a:r>
+            <a:endParaRPr kumimoji="0" lang="en-US" b="1" i="0" u="none" strike="noStrike" cap="none" normalizeH="0" baseline="0" dirty="0">
+              <a:ln>
+                <a:noFill/>
+              </a:ln>
+              <a:solidFill>
+                <a:srgbClr val="273239"/>
+              </a:solidFill>
+              <a:effectLst/>
+              <a:latin typeface="urw-din"/>
+            </a:endParaRPr>
           </a:p>
           <a:p>
             <a:pPr marL="457200" marR="0" lvl="1" indent="0" algn="l" defTabSz="914400" rtl="0" eaLnBrk="0" fontAlgn="base" latinLnBrk="0" hangingPunct="0">
@@ -7372,7 +7157,6 @@
               <a:buClrTx/>
               <a:buSzTx/>
               <a:buNone/>
-              <a:tabLst/>
             </a:pPr>
             <a:r>
               <a:rPr kumimoji="0" lang="en-US" b="0" i="0" u="none" strike="noStrike" cap="none" normalizeH="0" baseline="0" dirty="0">
@@ -7439,6 +7223,16 @@
               </a:rPr>
               <a:t> </a:t>
             </a:r>
+            <a:endParaRPr kumimoji="0" lang="en-US" b="0" i="0" u="none" strike="noStrike" cap="none" normalizeH="0" baseline="0" dirty="0">
+              <a:ln>
+                <a:noFill/>
+              </a:ln>
+              <a:solidFill>
+                <a:srgbClr val="273239"/>
+              </a:solidFill>
+              <a:effectLst/>
+              <a:latin typeface="Consolas" panose="020B0609020204030204" pitchFamily="49" charset="0"/>
+            </a:endParaRPr>
           </a:p>
           <a:p>
             <a:pPr marL="457200" marR="0" lvl="1" indent="0" algn="l" defTabSz="914400" rtl="0" eaLnBrk="0" fontAlgn="base" latinLnBrk="0" hangingPunct="0">
@@ -7454,7 +7248,6 @@
               <a:buClrTx/>
               <a:buSzTx/>
               <a:buNone/>
-              <a:tabLst/>
             </a:pPr>
             <a:r>
               <a:rPr kumimoji="0" lang="en-US" b="0" i="0" u="none" strike="noStrike" cap="none" normalizeH="0" baseline="0" dirty="0">
@@ -7495,6 +7288,16 @@
               </a:rPr>
               <a:t> </a:t>
             </a:r>
+            <a:endParaRPr kumimoji="0" lang="en-US" b="0" i="0" u="none" strike="noStrike" cap="none" normalizeH="0" baseline="0" dirty="0">
+              <a:ln>
+                <a:noFill/>
+              </a:ln>
+              <a:solidFill>
+                <a:srgbClr val="273239"/>
+              </a:solidFill>
+              <a:effectLst/>
+              <a:latin typeface="Consolas" panose="020B0609020204030204" pitchFamily="49" charset="0"/>
+            </a:endParaRPr>
           </a:p>
           <a:p>
             <a:pPr marL="457200" marR="0" lvl="1" indent="0" algn="l" defTabSz="914400" rtl="0" eaLnBrk="0" fontAlgn="base" latinLnBrk="0" hangingPunct="0">
@@ -7510,7 +7313,6 @@
               <a:buClrTx/>
               <a:buSzTx/>
               <a:buNone/>
-              <a:tabLst/>
             </a:pPr>
             <a:r>
               <a:rPr kumimoji="0" lang="en-US" b="0" i="0" u="none" strike="noStrike" cap="none" normalizeH="0" baseline="0" dirty="0">
@@ -7629,7 +7431,6 @@
               <a:buSzTx/>
               <a:buFontTx/>
               <a:buAutoNum type="arabicPeriod" startAt="2"/>
-              <a:tabLst/>
             </a:pPr>
             <a:r>
               <a:rPr kumimoji="0" lang="en-US" b="1" i="0" u="none" strike="noStrike" cap="none" normalizeH="0" baseline="0" dirty="0">
@@ -7644,6 +7445,16 @@
               </a:rPr>
               <a:t>Changing directory with absolute path concept:</a:t>
             </a:r>
+            <a:endParaRPr kumimoji="0" lang="en-US" b="1" i="0" u="none" strike="noStrike" cap="none" normalizeH="0" baseline="0" dirty="0">
+              <a:ln>
+                <a:noFill/>
+              </a:ln>
+              <a:solidFill>
+                <a:srgbClr val="273239"/>
+              </a:solidFill>
+              <a:effectLst/>
+              <a:latin typeface="urw-din"/>
+            </a:endParaRPr>
           </a:p>
           <a:p>
             <a:pPr marL="457200" marR="0" lvl="1" indent="0" algn="l" defTabSz="914400" rtl="0" eaLnBrk="0" fontAlgn="base" latinLnBrk="0" hangingPunct="0">
@@ -7659,7 +7470,6 @@
               <a:buClrTx/>
               <a:buSzTx/>
               <a:buNone/>
-              <a:tabLst/>
             </a:pPr>
             <a:r>
               <a:rPr kumimoji="0" lang="en-US" b="0" i="0" u="none" strike="noStrike" cap="none" normalizeH="0" baseline="0" dirty="0">
@@ -7726,6 +7536,16 @@
               </a:rPr>
               <a:t> </a:t>
             </a:r>
+            <a:endParaRPr kumimoji="0" lang="en-US" b="0" i="0" u="none" strike="noStrike" cap="none" normalizeH="0" baseline="0" dirty="0">
+              <a:ln>
+                <a:noFill/>
+              </a:ln>
+              <a:solidFill>
+                <a:srgbClr val="273239"/>
+              </a:solidFill>
+              <a:effectLst/>
+              <a:latin typeface="Consolas" panose="020B0609020204030204" pitchFamily="49" charset="0"/>
+            </a:endParaRPr>
           </a:p>
           <a:p>
             <a:pPr marL="457200" marR="0" lvl="1" indent="0" algn="l" defTabSz="914400" rtl="0" eaLnBrk="0" fontAlgn="base" latinLnBrk="0" hangingPunct="0">
@@ -7741,7 +7561,6 @@
               <a:buClrTx/>
               <a:buSzTx/>
               <a:buNone/>
-              <a:tabLst/>
             </a:pPr>
             <a:endParaRPr lang="en-US" dirty="0">
               <a:solidFill>
@@ -7764,7 +7583,6 @@
               <a:buClrTx/>
               <a:buSzTx/>
               <a:buNone/>
-              <a:tabLst/>
             </a:pPr>
             <a:r>
               <a:rPr kumimoji="0" lang="en-US" b="0" i="0" u="none" strike="noStrike" cap="none" normalizeH="0" baseline="0" dirty="0">
@@ -7831,6 +7649,16 @@
               </a:rPr>
               <a:t> </a:t>
             </a:r>
+            <a:endParaRPr kumimoji="0" lang="en-US" b="0" i="0" u="none" strike="noStrike" cap="none" normalizeH="0" baseline="0" dirty="0">
+              <a:ln>
+                <a:noFill/>
+              </a:ln>
+              <a:solidFill>
+                <a:srgbClr val="273239"/>
+              </a:solidFill>
+              <a:effectLst/>
+              <a:latin typeface="Consolas" panose="020B0609020204030204" pitchFamily="49" charset="0"/>
+            </a:endParaRPr>
           </a:p>
           <a:p>
             <a:pPr marL="457200" marR="0" lvl="1" indent="0" algn="l" defTabSz="914400" rtl="0" eaLnBrk="0" fontAlgn="base" latinLnBrk="0" hangingPunct="0">
@@ -7846,7 +7674,6 @@
               <a:buClrTx/>
               <a:buSzTx/>
               <a:buNone/>
-              <a:tabLst/>
             </a:pPr>
             <a:r>
               <a:rPr kumimoji="0" lang="en-US" b="0" i="0" u="none" strike="noStrike" cap="none" normalizeH="0" baseline="0" dirty="0">
@@ -7952,7 +7779,6 @@
               <a:buSzTx/>
               <a:buFontTx/>
               <a:buNone/>
-              <a:tabLst/>
             </a:pPr>
             <a:endParaRPr kumimoji="0" lang="en-US" sz="1800" b="0" i="0" u="none" strike="noStrike" cap="none" normalizeH="0" baseline="0" dirty="0">
               <a:ln>
@@ -7968,11 +7794,6 @@
         </p:txBody>
       </p:sp>
     </p:spTree>
-    <p:extLst>
-      <p:ext uri="{BB962C8B-B14F-4D97-AF65-F5344CB8AC3E}">
-        <p14:creationId xmlns:p14="http://schemas.microsoft.com/office/powerpoint/2010/main" val="762253283"/>
-      </p:ext>
-    </p:extLst>
   </p:cSld>
   <p:clrMapOvr>
     <a:masterClrMapping/>
@@ -8016,6 +7837,7 @@
               <a:rPr lang="en-US" dirty="0"/>
               <a:t>What is Unix ?</a:t>
             </a:r>
+            <a:endParaRPr lang="en-US" dirty="0"/>
           </a:p>
         </p:txBody>
       </p:sp>
@@ -8040,6 +7862,7 @@
               <a:rPr lang="en-US" dirty="0"/>
               <a:t>The Unix operating system is a set of programs that act as a link between the computer and the user.</a:t>
             </a:r>
+            <a:endParaRPr lang="en-US" dirty="0"/>
           </a:p>
           <a:p>
             <a:r>
@@ -8062,6 +7885,7 @@
               <a:rPr lang="en-US" dirty="0"/>
               <a:t>.</a:t>
             </a:r>
+            <a:endParaRPr lang="en-US" dirty="0"/>
           </a:p>
           <a:p>
             <a:r>
@@ -8076,6 +7900,7 @@
               <a:rPr lang="en-US" dirty="0"/>
               <a:t>. The shell is a command line interpreter; it translates commands entered by the user and converts them into a language that is understood by the kernel.</a:t>
             </a:r>
+            <a:endParaRPr lang="en-US" dirty="0"/>
           </a:p>
           <a:p>
             <a:r>
@@ -8098,6 +7923,7 @@
               <a:rPr lang="en-US" dirty="0"/>
               <a:t> at Bell Labs.</a:t>
             </a:r>
+            <a:endParaRPr lang="en-US" dirty="0"/>
           </a:p>
           <a:p>
             <a:endParaRPr lang="en-IN" dirty="0"/>
@@ -8105,20 +7931,10 @@
         </p:txBody>
       </p:sp>
     </p:spTree>
-    <p:extLst>
-      <p:ext uri="{BB962C8B-B14F-4D97-AF65-F5344CB8AC3E}">
-        <p14:creationId xmlns:p14="http://schemas.microsoft.com/office/powerpoint/2010/main" val="2096737756"/>
-      </p:ext>
-    </p:extLst>
   </p:cSld>
   <p:clrMapOvr>
     <a:masterClrMapping/>
   </p:clrMapOvr>
-  <p:extLst>
-    <p:ext uri="{6950BFC3-D8DA-4A85-94F7-54DA5524770B}">
-      <p188:commentRel xmlns:p188="http://schemas.microsoft.com/office/powerpoint/2018/8/main" r:id="rId2"/>
-    </p:ext>
-  </p:extLst>
 </p:sld>
 </file>
 
@@ -8158,6 +7974,7 @@
               <a:rPr lang="en-US" dirty="0"/>
               <a:t>What is Unix ?</a:t>
             </a:r>
+            <a:endParaRPr lang="en-US" dirty="0"/>
           </a:p>
         </p:txBody>
       </p:sp>
@@ -8182,18 +7999,21 @@
               <a:rPr lang="en-US" dirty="0"/>
               <a:t>There are various Unix variants available in the market. Solaris Unix, AIX, HP Unix and BSD are a few examples. Linux is also a flavor of Unix which is freely available.</a:t>
             </a:r>
+            <a:endParaRPr lang="en-US" dirty="0"/>
           </a:p>
           <a:p>
             <a:r>
               <a:rPr lang="en-US" dirty="0"/>
               <a:t>Several people can use a Unix computer at the same time; hence Unix is called a multiuser system.</a:t>
             </a:r>
+            <a:endParaRPr lang="en-US" dirty="0"/>
           </a:p>
           <a:p>
             <a:r>
               <a:rPr lang="en-US" dirty="0"/>
               <a:t>A user can also run multiple programs at the same time; hence Unix is a multitasking environment.</a:t>
             </a:r>
+            <a:endParaRPr lang="en-US" dirty="0"/>
           </a:p>
           <a:p>
             <a:endParaRPr lang="en-IN" dirty="0"/>
@@ -8201,11 +8021,6 @@
         </p:txBody>
       </p:sp>
     </p:spTree>
-    <p:extLst>
-      <p:ext uri="{BB962C8B-B14F-4D97-AF65-F5344CB8AC3E}">
-        <p14:creationId xmlns:p14="http://schemas.microsoft.com/office/powerpoint/2010/main" val="297491518"/>
-      </p:ext>
-    </p:extLst>
   </p:cSld>
   <p:clrMapOvr>
     <a:masterClrMapping/>
@@ -8249,6 +8064,7 @@
               <a:rPr lang="en-US" dirty="0"/>
               <a:t>Unix Architecture</a:t>
             </a:r>
+            <a:endParaRPr lang="en-US" dirty="0"/>
           </a:p>
         </p:txBody>
       </p:sp>
@@ -8273,6 +8089,7 @@
               <a:rPr lang="en-US" dirty="0"/>
               <a:t>Here is a basic block diagram of a Unix system −</a:t>
             </a:r>
+            <a:endParaRPr lang="en-US" dirty="0"/>
           </a:p>
           <a:p>
             <a:endParaRPr lang="en-IN" dirty="0"/>
@@ -8288,7 +8105,7 @@
           <p:nvPr/>
         </p:nvPicPr>
         <p:blipFill>
-          <a:blip r:embed="rId3">
+          <a:blip r:embed="rId1">
             <a:extLst>
               <a:ext uri="{28A0092B-C50C-407E-A947-70E740481C1C}">
                 <a14:useLocalDpi xmlns:a14="http://schemas.microsoft.com/office/drawing/2010/main" val="0"/>
@@ -8329,7 +8146,7 @@
           <p:nvPr/>
         </p:nvPicPr>
         <p:blipFill>
-          <a:blip r:embed="rId4">
+          <a:blip r:embed="rId2">
             <a:extLst>
               <a:ext uri="{28A0092B-C50C-407E-A947-70E740481C1C}">
                 <a14:useLocalDpi xmlns:a14="http://schemas.microsoft.com/office/drawing/2010/main" val="0"/>
@@ -8362,20 +8179,10 @@
         </p:spPr>
       </p:pic>
     </p:spTree>
-    <p:extLst>
-      <p:ext uri="{BB962C8B-B14F-4D97-AF65-F5344CB8AC3E}">
-        <p14:creationId xmlns:p14="http://schemas.microsoft.com/office/powerpoint/2010/main" val="580424578"/>
-      </p:ext>
-    </p:extLst>
   </p:cSld>
   <p:clrMapOvr>
     <a:masterClrMapping/>
   </p:clrMapOvr>
-  <p:extLst>
-    <p:ext uri="{6950BFC3-D8DA-4A85-94F7-54DA5524770B}">
-      <p188:commentRel xmlns:p188="http://schemas.microsoft.com/office/powerpoint/2018/8/main" r:id="rId2"/>
-    </p:ext>
-  </p:extLst>
 </p:sld>
 </file>
 
@@ -8440,36 +8247,42 @@
               <a:rPr lang="en-US" dirty="0"/>
               <a:t>The architecture of this operating system is four layered. </a:t>
             </a:r>
+            <a:endParaRPr lang="en-US" dirty="0"/>
           </a:p>
           <a:p>
             <a:r>
               <a:rPr lang="en-US" dirty="0"/>
               <a:t>It consists of Hardware, Kernel, System Call interface(shell) and application libraries/tools, utilities, etc…</a:t>
             </a:r>
+            <a:endParaRPr lang="en-US" dirty="0"/>
           </a:p>
           <a:p>
             <a:r>
               <a:rPr lang="en-US" dirty="0"/>
               <a:t>The kernel controls the hardware of the computer and resides at the core of the architecture.</a:t>
             </a:r>
+            <a:endParaRPr lang="en-US" dirty="0"/>
           </a:p>
           <a:p>
             <a:r>
               <a:rPr lang="en-US" dirty="0"/>
               <a:t> System calls acts as the interface between the kernel and other libraries. </a:t>
             </a:r>
+            <a:endParaRPr lang="en-US" dirty="0"/>
           </a:p>
           <a:p>
             <a:r>
               <a:rPr lang="en-US" dirty="0"/>
               <a:t>These libraries include general functions and built on top of the system calls. </a:t>
             </a:r>
+            <a:endParaRPr lang="en-US" dirty="0"/>
           </a:p>
           <a:p>
             <a:r>
               <a:rPr lang="en-US" dirty="0"/>
               <a:t>Shell is a special application that provides an interface to the other applications of the architecture..</a:t>
             </a:r>
+            <a:endParaRPr lang="en-US" dirty="0"/>
           </a:p>
           <a:p>
             <a:endParaRPr lang="en-US" dirty="0"/>
@@ -8477,11 +8290,6 @@
         </p:txBody>
       </p:sp>
     </p:spTree>
-    <p:extLst>
-      <p:ext uri="{BB962C8B-B14F-4D97-AF65-F5344CB8AC3E}">
-        <p14:creationId xmlns:p14="http://schemas.microsoft.com/office/powerpoint/2010/main" val="284956773"/>
-      </p:ext>
-    </p:extLst>
   </p:cSld>
   <p:clrMapOvr>
     <a:masterClrMapping/>
@@ -8550,6 +8358,7 @@
               <a:rPr lang="en-US" dirty="0"/>
               <a:t>The main concept that unites all the versions of Unix is the following four basics −</a:t>
             </a:r>
+            <a:endParaRPr lang="en-US" dirty="0"/>
           </a:p>
           <a:p>
             <a:r>
@@ -8560,12 +8369,14 @@
               <a:rPr lang="en-US" dirty="0"/>
               <a:t> − The kernel is the heart of the operating system.</a:t>
             </a:r>
+            <a:endParaRPr lang="en-US" dirty="0"/>
           </a:p>
           <a:p>
             <a:r>
               <a:rPr lang="en-US" dirty="0"/>
               <a:t> It interacts with the hardware and most of the tasks like memory management, task scheduling and file management.</a:t>
             </a:r>
+            <a:endParaRPr lang="en-US" dirty="0"/>
           </a:p>
           <a:p>
             <a:pPr fontAlgn="base"/>
@@ -8581,6 +8392,7 @@
               <a:rPr lang="en-US" b="1" dirty="0"/>
               <a:t> are-</a:t>
             </a:r>
+            <a:endParaRPr lang="en-US" b="1" dirty="0"/>
           </a:p>
           <a:p>
             <a:pPr fontAlgn="base"/>
@@ -8592,6 +8404,7 @@
               <a:rPr lang="en-US" dirty="0"/>
               <a:t>omputer hardware such as memory, disc, printers, etc.. are controlled by the kernel.</a:t>
             </a:r>
+            <a:endParaRPr lang="en-US" dirty="0"/>
           </a:p>
           <a:p>
             <a:pPr fontAlgn="base"/>
@@ -8599,6 +8412,7 @@
               <a:rPr lang="en-US" dirty="0"/>
               <a:t>The kernel schedules the processes, control and executes various user-defined tasks.</a:t>
             </a:r>
+            <a:endParaRPr lang="en-US" dirty="0"/>
           </a:p>
           <a:p>
             <a:pPr fontAlgn="base"/>
@@ -8606,6 +8420,7 @@
               <a:rPr lang="en-US" dirty="0"/>
               <a:t>Manages the data storage and control the computer accesses by several users.</a:t>
             </a:r>
+            <a:endParaRPr lang="en-US" dirty="0"/>
           </a:p>
           <a:p>
             <a:pPr fontAlgn="base"/>
@@ -8613,6 +8428,7 @@
               <a:rPr lang="en-US" dirty="0"/>
               <a:t>The kernel is composed of several sub-components such as configurations including boot code, device drivers to control hardware, header files.</a:t>
             </a:r>
+            <a:endParaRPr lang="en-US" dirty="0"/>
           </a:p>
           <a:p>
             <a:endParaRPr lang="en-US" dirty="0"/>
@@ -8620,11 +8436,6 @@
         </p:txBody>
       </p:sp>
     </p:spTree>
-    <p:extLst>
-      <p:ext uri="{BB962C8B-B14F-4D97-AF65-F5344CB8AC3E}">
-        <p14:creationId xmlns:p14="http://schemas.microsoft.com/office/powerpoint/2010/main" val="2809559997"/>
-      </p:ext>
-    </p:extLst>
   </p:cSld>
   <p:clrMapOvr>
     <a:masterClrMapping/>
@@ -8702,18 +8513,21 @@
               <a:rPr lang="en-US" sz="4000" dirty="0"/>
               <a:t> − </a:t>
             </a:r>
+            <a:endParaRPr lang="en-US" sz="4000" dirty="0"/>
           </a:p>
           <a:p>
             <a:r>
               <a:rPr lang="en-US" sz="3400" dirty="0"/>
               <a:t>It is the interface between the user and the kernel. </a:t>
             </a:r>
+            <a:endParaRPr lang="en-US" sz="3400" dirty="0"/>
           </a:p>
           <a:p>
             <a:r>
               <a:rPr lang="en-US" sz="3400" dirty="0"/>
               <a:t>Users can interact with the shell using shell commands. </a:t>
             </a:r>
+            <a:endParaRPr lang="en-US" sz="3400" dirty="0"/>
           </a:p>
           <a:p>
             <a:pPr>
@@ -8728,6 +8542,7 @@
               <a:rPr lang="en-US" sz="3400" dirty="0"/>
               <a:t>Shell has two main responsibilities which include interpreting the commands given by the users and execute them using the kernel, providing programming ability to the users to write shell commands for a shell script to perform specific tasks.</a:t>
             </a:r>
+            <a:endParaRPr lang="en-US" sz="3400" dirty="0"/>
           </a:p>
           <a:p>
             <a:pPr>
@@ -8742,6 +8557,7 @@
               <a:rPr lang="en-US" sz="3400" dirty="0"/>
               <a:t>The shell is the utility that processes your requests. </a:t>
             </a:r>
+            <a:endParaRPr lang="en-US" sz="3400" dirty="0"/>
           </a:p>
           <a:p>
             <a:pPr>
@@ -8756,6 +8572,7 @@
               <a:rPr lang="en-US" sz="3400" dirty="0"/>
               <a:t>When you type in a command at your terminal, the shell interprets the command and calls the program that you want. </a:t>
             </a:r>
+            <a:endParaRPr lang="en-US" sz="3400" dirty="0"/>
           </a:p>
           <a:p>
             <a:pPr>
@@ -8778,15 +8595,11 @@
               <a:rPr lang="en-US" sz="3400" dirty="0"/>
               <a:t> Shell are the most famous shells which are available with most of the Unix variants.</a:t>
             </a:r>
+            <a:endParaRPr lang="en-US" sz="3400" dirty="0"/>
           </a:p>
         </p:txBody>
       </p:sp>
     </p:spTree>
-    <p:extLst>
-      <p:ext uri="{BB962C8B-B14F-4D97-AF65-F5344CB8AC3E}">
-        <p14:creationId xmlns:p14="http://schemas.microsoft.com/office/powerpoint/2010/main" val="3385611215"/>
-      </p:ext>
-    </p:extLst>
   </p:cSld>
   <p:clrMapOvr>
     <a:masterClrMapping/>
@@ -8859,12 +8672,14 @@
               <a:rPr lang="en-US" dirty="0"/>
               <a:t> − </a:t>
             </a:r>
+            <a:endParaRPr lang="en-US" dirty="0"/>
           </a:p>
           <a:p>
             <a:r>
               <a:rPr lang="en-US" dirty="0"/>
               <a:t>There are various commands and utilities which you can make use of in your day to day activities. </a:t>
             </a:r>
+            <a:endParaRPr lang="en-US" dirty="0"/>
           </a:p>
           <a:p>
             <a:r>
@@ -8899,6 +8714,7 @@
               <a:rPr lang="en-US" dirty="0"/>
               <a:t>, etc. are few examples of commands and utilities. </a:t>
             </a:r>
+            <a:endParaRPr lang="en-US" dirty="0"/>
           </a:p>
           <a:p>
             <a:r>
@@ -8913,12 +8729,14 @@
               <a:rPr lang="en-US" dirty="0"/>
               <a:t> party software. </a:t>
             </a:r>
+            <a:endParaRPr lang="en-US" dirty="0"/>
           </a:p>
           <a:p>
             <a:r>
               <a:rPr lang="en-US" dirty="0"/>
               <a:t>All the commands come along with various options.</a:t>
             </a:r>
+            <a:endParaRPr lang="en-US" dirty="0"/>
           </a:p>
           <a:p>
             <a:r>
@@ -8937,15 +8755,11 @@
               <a:rPr lang="en-US" dirty="0"/>
               <a:t>.</a:t>
             </a:r>
+            <a:endParaRPr lang="en-US" dirty="0"/>
           </a:p>
         </p:txBody>
       </p:sp>
     </p:spTree>
-    <p:extLst>
-      <p:ext uri="{BB962C8B-B14F-4D97-AF65-F5344CB8AC3E}">
-        <p14:creationId xmlns:p14="http://schemas.microsoft.com/office/powerpoint/2010/main" val="886029166"/>
-      </p:ext>
-    </p:extLst>
   </p:cSld>
   <p:clrMapOvr>
     <a:masterClrMapping/>
@@ -8996,7 +8810,7 @@
     </a:clrScheme>
     <a:fontScheme name="Office">
       <a:majorFont>
-        <a:latin typeface="Calibri Light" panose="020F0302020204030204"/>
+        <a:latin typeface="Calibri Light"/>
         <a:ea typeface=""/>
         <a:cs typeface=""/>
         <a:font script="Jpan" typeface="ＭＳ Ｐゴシック"/>
@@ -9031,7 +8845,7 @@
         <a:font script="Geor" typeface="Sylfaen"/>
       </a:majorFont>
       <a:minorFont>
-        <a:latin typeface="Calibri" panose="020F0502020204030204"/>
+        <a:latin typeface="Calibri"/>
         <a:ea typeface=""/>
         <a:cs typeface=""/>
         <a:font script="Jpan" typeface="ＭＳ Ｐゴシック"/>
@@ -9204,8 +9018,6 @@
       </a:bgFillStyleLst>
     </a:fmtScheme>
   </a:themeElements>
-  <a:objectDefaults/>
-  <a:extraClrSchemeLst/>
   <a:extLst>
     <a:ext uri="{05A4C25C-085E-4340-85A3-A5531E510DB2}">
       <thm15:themeFamily xmlns:thm15="http://schemas.microsoft.com/office/thememl/2012/main" name="Office Theme" id="{62F939B6-93AF-4DB8-9C6B-D6C7DFDC589F}" vid="{4A3C46E8-61CC-4603-A589-7422A47A8E4A}"/>
